--- a/Final Project.pptx
+++ b/Final Project.pptx
@@ -2,12 +2,16 @@
 <file path=ppt/presentation.xml><?xml version="1.0" encoding="utf-8"?>
 <p:presentation xmlns:a="http://schemas.openxmlformats.org/drawingml/2006/main" xmlns:r="http://schemas.openxmlformats.org/officeDocument/2006/relationships" xmlns:p="http://schemas.openxmlformats.org/presentationml/2006/main" saveSubsetFonts="1" autoCompressPictures="0">
   <p:sldMasterIdLst>
-    <p:sldMasterId id="2147483648" r:id="rId1"/>
+    <p:sldMasterId id="2147483678" r:id="rId1"/>
   </p:sldMasterIdLst>
   <p:sldIdLst>
-    <p:sldId id="258" r:id="rId2"/>
-    <p:sldId id="256" r:id="rId3"/>
-    <p:sldId id="257" r:id="rId4"/>
+    <p:sldId id="259" r:id="rId2"/>
+    <p:sldId id="260" r:id="rId3"/>
+    <p:sldId id="261" r:id="rId4"/>
+    <p:sldId id="258" r:id="rId5"/>
+    <p:sldId id="256" r:id="rId6"/>
+    <p:sldId id="257" r:id="rId7"/>
+    <p:sldId id="262" r:id="rId8"/>
   </p:sldIdLst>
   <p:sldSz cx="9144000" cy="6858000" type="screen4x3"/>
   <p:notesSz cx="6858000" cy="9144000"/>
@@ -106,12 +110,28 @@
       </a:defRPr>
     </a:lvl9pPr>
   </p:defaultTextStyle>
+  <p:extLst>
+    <p:ext uri="{EFAFB233-063F-42B5-8137-9DF3F51BA10A}">
+      <p15:sldGuideLst xmlns:p15="http://schemas.microsoft.com/office/powerpoint/2012/main">
+        <p15:guide id="1" orient="horz" pos="2160">
+          <p15:clr>
+            <a:srgbClr val="A4A3A4"/>
+          </p15:clr>
+        </p15:guide>
+        <p15:guide id="2" pos="2880">
+          <p15:clr>
+            <a:srgbClr val="A4A3A4"/>
+          </p15:clr>
+        </p15:guide>
+      </p15:sldGuideLst>
+    </p:ext>
+  </p:extLst>
 </p:presentation>
 </file>
 
 <file path=ppt/slideLayouts/slideLayout1.xml><?xml version="1.0" encoding="utf-8"?>
-<p:sldLayout xmlns:a="http://schemas.openxmlformats.org/drawingml/2006/main" xmlns:r="http://schemas.openxmlformats.org/officeDocument/2006/relationships" xmlns:p="http://schemas.openxmlformats.org/presentationml/2006/main" type="title" preserve="1">
-  <p:cSld name="标题幻灯片">
+<p:sldLayout xmlns:a="http://schemas.openxmlformats.org/drawingml/2006/main" xmlns:r="http://schemas.openxmlformats.org/officeDocument/2006/relationships" xmlns:p="http://schemas.openxmlformats.org/presentationml/2006/main" showMasterSp="0" type="title" preserve="1">
+  <p:cSld name="Title Slide">
     <p:spTree>
       <p:nvGrpSpPr>
         <p:cNvPr id="1" name=""/>
@@ -128,35 +148,405 @@
       </p:grpSpPr>
       <p:sp>
         <p:nvSpPr>
-          <p:cNvPr id="2" name="标题 1"/>
-          <p:cNvSpPr>
-            <a:spLocks noGrp="1"/>
-          </p:cNvSpPr>
-          <p:nvPr>
-            <p:ph type="ctrTitle"/>
-          </p:nvPr>
+          <p:cNvPr id="7" name="Rectangle 6"/>
+          <p:cNvSpPr/>
+          <p:nvPr/>
         </p:nvSpPr>
         <p:spPr>
           <a:xfrm>
-            <a:off x="685800" y="2130425"/>
-            <a:ext cx="7772400" cy="1470025"/>
+            <a:off x="685800" y="1346947"/>
+            <a:ext cx="7772400" cy="80683"/>
+          </a:xfrm>
+          <a:prstGeom prst="rect">
+            <a:avLst/>
+          </a:prstGeom>
+          <a:blipFill dpi="0" rotWithShape="1">
+            <a:blip r:embed="rId2">
+              <a:alphaModFix amt="80000"/>
+              <a:lum bright="70000" contrast="-70000"/>
+              <a:extLst>
+                <a:ext uri="{BEBA8EAE-BF5A-486C-A8C5-ECC9F3942E4B}">
+                  <a14:imgProps xmlns:a14="http://schemas.microsoft.com/office/drawing/2010/main">
+                    <a14:imgLayer r:embed="rId3">
+                      <a14:imgEffect>
+                        <a14:sharpenSoften amount="61000"/>
+                      </a14:imgEffect>
+                    </a14:imgLayer>
+                  </a14:imgProps>
+                </a:ext>
+                <a:ext uri="{28A0092B-C50C-407E-A947-70E740481C1C}">
+                  <a14:useLocalDpi xmlns:a14="http://schemas.microsoft.com/office/drawing/2010/main" val="0"/>
+                </a:ext>
+              </a:extLst>
+            </a:blip>
+            <a:srcRect/>
+            <a:tile tx="0" ty="-762000" sx="92000" sy="89000" flip="xy" algn="ctr"/>
+          </a:blipFill>
+          <a:ln>
+            <a:noFill/>
+          </a:ln>
+        </p:spPr>
+        <p:style>
+          <a:lnRef idx="2">
+            <a:schemeClr val="accent1">
+              <a:shade val="50000"/>
+            </a:schemeClr>
+          </a:lnRef>
+          <a:fillRef idx="1">
+            <a:schemeClr val="accent1"/>
+          </a:fillRef>
+          <a:effectRef idx="0">
+            <a:schemeClr val="accent1"/>
+          </a:effectRef>
+          <a:fontRef idx="minor">
+            <a:schemeClr val="lt1"/>
+          </a:fontRef>
+        </p:style>
+        <p:txBody>
+          <a:bodyPr rtlCol="0" anchor="ctr"/>
+          <a:lstStyle/>
+          <a:p>
+            <a:pPr algn="ctr"/>
+            <a:endParaRPr lang="en-US"/>
+          </a:p>
+        </p:txBody>
+      </p:sp>
+      <p:sp>
+        <p:nvSpPr>
+          <p:cNvPr id="8" name="Rectangle 7"/>
+          <p:cNvSpPr/>
+          <p:nvPr/>
+        </p:nvSpPr>
+        <p:spPr>
+          <a:xfrm>
+            <a:off x="685800" y="4282763"/>
+            <a:ext cx="7772400" cy="80683"/>
+          </a:xfrm>
+          <a:prstGeom prst="rect">
+            <a:avLst/>
+          </a:prstGeom>
+          <a:blipFill dpi="0" rotWithShape="1">
+            <a:blip r:embed="rId2">
+              <a:alphaModFix amt="80000"/>
+              <a:lum bright="70000" contrast="-70000"/>
+              <a:extLst>
+                <a:ext uri="{BEBA8EAE-BF5A-486C-A8C5-ECC9F3942E4B}">
+                  <a14:imgProps xmlns:a14="http://schemas.microsoft.com/office/drawing/2010/main">
+                    <a14:imgLayer r:embed="rId3">
+                      <a14:imgEffect>
+                        <a14:sharpenSoften amount="61000"/>
+                      </a14:imgEffect>
+                    </a14:imgLayer>
+                  </a14:imgProps>
+                </a:ext>
+                <a:ext uri="{28A0092B-C50C-407E-A947-70E740481C1C}">
+                  <a14:useLocalDpi xmlns:a14="http://schemas.microsoft.com/office/drawing/2010/main" val="0"/>
+                </a:ext>
+              </a:extLst>
+            </a:blip>
+            <a:srcRect/>
+            <a:tile tx="0" ty="-717550" sx="92000" sy="89000" flip="xy" algn="ctr"/>
+          </a:blipFill>
+          <a:ln>
+            <a:noFill/>
+          </a:ln>
+        </p:spPr>
+        <p:style>
+          <a:lnRef idx="2">
+            <a:schemeClr val="accent1">
+              <a:shade val="50000"/>
+            </a:schemeClr>
+          </a:lnRef>
+          <a:fillRef idx="1">
+            <a:schemeClr val="accent1"/>
+          </a:fillRef>
+          <a:effectRef idx="0">
+            <a:schemeClr val="accent1"/>
+          </a:effectRef>
+          <a:fontRef idx="minor">
+            <a:schemeClr val="lt1"/>
+          </a:fontRef>
+        </p:style>
+        <p:txBody>
+          <a:bodyPr rtlCol="0" anchor="ctr"/>
+          <a:lstStyle/>
+          <a:p>
+            <a:pPr algn="ctr"/>
+            <a:endParaRPr lang="en-US"/>
+          </a:p>
+        </p:txBody>
+      </p:sp>
+      <p:sp>
+        <p:nvSpPr>
+          <p:cNvPr id="9" name="Rectangle 8"/>
+          <p:cNvSpPr/>
+          <p:nvPr/>
+        </p:nvSpPr>
+        <p:spPr>
+          <a:xfrm>
+            <a:off x="685800" y="1484779"/>
+            <a:ext cx="7772400" cy="2743200"/>
+          </a:xfrm>
+          <a:prstGeom prst="rect">
+            <a:avLst/>
+          </a:prstGeom>
+          <a:blipFill dpi="0" rotWithShape="1">
+            <a:blip r:embed="rId2">
+              <a:alphaModFix amt="80000"/>
+              <a:lum bright="70000" contrast="-70000"/>
+              <a:extLst>
+                <a:ext uri="{BEBA8EAE-BF5A-486C-A8C5-ECC9F3942E4B}">
+                  <a14:imgProps xmlns:a14="http://schemas.microsoft.com/office/drawing/2010/main">
+                    <a14:imgLayer r:embed="rId3">
+                      <a14:imgEffect>
+                        <a14:sharpenSoften amount="61000"/>
+                      </a14:imgEffect>
+                    </a14:imgLayer>
+                  </a14:imgProps>
+                </a:ext>
+                <a:ext uri="{28A0092B-C50C-407E-A947-70E740481C1C}">
+                  <a14:useLocalDpi xmlns:a14="http://schemas.microsoft.com/office/drawing/2010/main" val="0"/>
+                </a:ext>
+              </a:extLst>
+            </a:blip>
+            <a:srcRect/>
+            <a:tile tx="0" ty="-704850" sx="92000" sy="89000" flip="xy" algn="ctr"/>
+          </a:blipFill>
+          <a:ln>
+            <a:noFill/>
+          </a:ln>
+        </p:spPr>
+        <p:style>
+          <a:lnRef idx="2">
+            <a:schemeClr val="accent1">
+              <a:shade val="50000"/>
+            </a:schemeClr>
+          </a:lnRef>
+          <a:fillRef idx="1">
+            <a:schemeClr val="accent1"/>
+          </a:fillRef>
+          <a:effectRef idx="0">
+            <a:schemeClr val="accent1"/>
+          </a:effectRef>
+          <a:fontRef idx="minor">
+            <a:schemeClr val="lt1"/>
+          </a:fontRef>
+        </p:style>
+        <p:txBody>
+          <a:bodyPr rtlCol="0" anchor="ctr"/>
+          <a:lstStyle/>
+          <a:p>
+            <a:pPr algn="ctr"/>
+            <a:endParaRPr lang="en-US"/>
+          </a:p>
+        </p:txBody>
+      </p:sp>
+      <p:grpSp>
+        <p:nvGrpSpPr>
+          <p:cNvPr id="10" name="Group 9"/>
+          <p:cNvGrpSpPr>
+            <a:grpSpLocks noChangeAspect="1"/>
+          </p:cNvGrpSpPr>
+          <p:nvPr/>
+        </p:nvGrpSpPr>
+        <p:grpSpPr>
+          <a:xfrm>
+            <a:off x="7234780" y="4107023"/>
+            <a:ext cx="914400" cy="914400"/>
+            <a:chOff x="9685338" y="4460675"/>
+            <a:chExt cx="1080904" cy="1080902"/>
+          </a:xfrm>
+        </p:grpSpPr>
+        <p:sp>
+          <p:nvSpPr>
+            <p:cNvPr id="11" name="Oval 10"/>
+            <p:cNvSpPr/>
+            <p:nvPr/>
+          </p:nvSpPr>
+          <p:spPr>
+            <a:xfrm>
+              <a:off x="9685338" y="4460675"/>
+              <a:ext cx="1080904" cy="1080902"/>
+            </a:xfrm>
+            <a:prstGeom prst="ellipse">
+              <a:avLst/>
+            </a:prstGeom>
+            <a:blipFill dpi="0" rotWithShape="1">
+              <a:blip r:embed="rId4">
+                <a:duotone>
+                  <a:schemeClr val="accent1">
+                    <a:shade val="45000"/>
+                    <a:satMod val="135000"/>
+                  </a:schemeClr>
+                  <a:prstClr val="white"/>
+                </a:duotone>
+                <a:extLst>
+                  <a:ext uri="{BEBA8EAE-BF5A-486C-A8C5-ECC9F3942E4B}">
+                    <a14:imgProps xmlns:a14="http://schemas.microsoft.com/office/drawing/2010/main">
+                      <a14:imgLayer r:embed="rId5">
+                        <a14:imgEffect>
+                          <a14:saturation sat="95000"/>
+                        </a14:imgEffect>
+                      </a14:imgLayer>
+                    </a14:imgProps>
+                  </a:ext>
+                </a:extLst>
+              </a:blip>
+              <a:srcRect/>
+              <a:tile tx="0" ty="0" sx="85000" sy="85000" flip="none" algn="tl"/>
+            </a:blipFill>
+            <a:ln w="25400" cap="flat" cmpd="sng" algn="ctr">
+              <a:noFill/>
+              <a:prstDash val="solid"/>
+            </a:ln>
+            <a:effectLst/>
+          </p:spPr>
+          <p:txBody>
+            <a:bodyPr lIns="0" tIns="0" rIns="0" bIns="0" rtlCol="0" anchor="ctr"/>
+            <a:lstStyle/>
+            <a:p>
+              <a:pPr marL="0" marR="0" lvl="0" indent="0" algn="ctr" defTabSz="914400" eaLnBrk="1" fontAlgn="auto" latinLnBrk="0" hangingPunct="1">
+                <a:lnSpc>
+                  <a:spcPct val="100000"/>
+                </a:lnSpc>
+                <a:spcBef>
+                  <a:spcPts val="0"/>
+                </a:spcBef>
+                <a:spcAft>
+                  <a:spcPts val="0"/>
+                </a:spcAft>
+                <a:buClrTx/>
+                <a:buSzTx/>
+                <a:buFontTx/>
+                <a:buNone/>
+                <a:tabLst/>
+                <a:defRPr/>
+              </a:pPr>
+              <a:endParaRPr kumimoji="0" lang="en-US" sz="2000" b="0" i="0" u="none" strike="noStrike" kern="0" cap="none" spc="0" normalizeH="0" baseline="0" noProof="0" dirty="0">
+                <a:ln>
+                  <a:noFill/>
+                </a:ln>
+                <a:solidFill>
+                  <a:prstClr val="white"/>
+                </a:solidFill>
+                <a:effectLst/>
+                <a:uLnTx/>
+                <a:uFillTx/>
+                <a:latin typeface="Rockwell Extra Bold" pitchFamily="18" charset="0"/>
+                <a:ea typeface="+mn-ea"/>
+                <a:cs typeface="+mn-cs"/>
+              </a:endParaRPr>
+            </a:p>
+          </p:txBody>
+        </p:sp>
+        <p:sp>
+          <p:nvSpPr>
+            <p:cNvPr id="12" name="Oval 11"/>
+            <p:cNvSpPr/>
+            <p:nvPr/>
+          </p:nvSpPr>
+          <p:spPr>
+            <a:xfrm>
+              <a:off x="9793429" y="4568765"/>
+              <a:ext cx="864723" cy="864722"/>
+            </a:xfrm>
+            <a:prstGeom prst="ellipse">
+              <a:avLst/>
+            </a:prstGeom>
+            <a:noFill/>
+            <a:ln w="25400" cap="flat" cmpd="sng" algn="ctr">
+              <a:solidFill>
+                <a:sysClr val="window" lastClr="FFFFFF"/>
+              </a:solidFill>
+              <a:prstDash val="solid"/>
+            </a:ln>
+            <a:effectLst/>
+          </p:spPr>
+          <p:txBody>
+            <a:bodyPr rtlCol="0" anchor="ctr"/>
+            <a:lstStyle/>
+            <a:p>
+              <a:pPr marL="0" marR="0" lvl="0" indent="0" algn="ctr" defTabSz="914400" eaLnBrk="1" fontAlgn="auto" latinLnBrk="0" hangingPunct="1">
+                <a:lnSpc>
+                  <a:spcPct val="100000"/>
+                </a:lnSpc>
+                <a:spcBef>
+                  <a:spcPts val="0"/>
+                </a:spcBef>
+                <a:spcAft>
+                  <a:spcPts val="0"/>
+                </a:spcAft>
+                <a:buClrTx/>
+                <a:buSzTx/>
+                <a:buFontTx/>
+                <a:buNone/>
+                <a:tabLst/>
+                <a:defRPr/>
+              </a:pPr>
+              <a:endParaRPr kumimoji="0" lang="en-US" sz="1800" b="0" i="0" u="none" strike="noStrike" kern="0" cap="none" spc="0" normalizeH="0" baseline="0" noProof="0" dirty="0">
+                <a:ln>
+                  <a:noFill/>
+                </a:ln>
+                <a:solidFill>
+                  <a:prstClr val="white"/>
+                </a:solidFill>
+                <a:effectLst/>
+                <a:uLnTx/>
+                <a:uFillTx/>
+                <a:latin typeface="Calibri"/>
+                <a:ea typeface="+mn-ea"/>
+                <a:cs typeface="+mn-cs"/>
+              </a:endParaRPr>
+            </a:p>
+          </p:txBody>
+        </p:sp>
+      </p:grpSp>
+      <p:sp>
+        <p:nvSpPr>
+          <p:cNvPr id="2" name="Title 1"/>
+          <p:cNvSpPr>
+            <a:spLocks noGrp="1"/>
+          </p:cNvSpPr>
+          <p:nvPr>
+            <p:ph type="ctrTitle"/>
+          </p:nvPr>
+        </p:nvSpPr>
+        <p:spPr>
+          <a:xfrm>
+            <a:off x="788670" y="1432223"/>
+            <a:ext cx="7593330" cy="3035808"/>
           </a:xfrm>
         </p:spPr>
         <p:txBody>
-          <a:bodyPr/>
-          <a:lstStyle/>
-          <a:p>
-            <a:r>
-              <a:rPr kumimoji="1" lang="zh-CN" altLang="en-US" smtClean="0"/>
-              <a:t>单击此处编辑母版标题样式</a:t>
-            </a:r>
-            <a:endParaRPr kumimoji="1" lang="zh-CN" altLang="en-US"/>
-          </a:p>
-        </p:txBody>
-      </p:sp>
-      <p:sp>
-        <p:nvSpPr>
-          <p:cNvPr id="3" name="副标题 2"/>
+          <a:bodyPr anchor="ctr">
+            <a:noAutofit/>
+          </a:bodyPr>
+          <a:lstStyle>
+            <a:lvl1pPr algn="l">
+              <a:lnSpc>
+                <a:spcPct val="80000"/>
+              </a:lnSpc>
+              <a:defRPr sz="6400" b="0" cap="all" baseline="0">
+                <a:blipFill dpi="0" rotWithShape="1">
+                  <a:blip r:embed="rId4"/>
+                  <a:srcRect/>
+                  <a:tile tx="6350" ty="-127000" sx="65000" sy="64000" flip="none" algn="tl"/>
+                </a:blipFill>
+              </a:defRPr>
+            </a:lvl1pPr>
+          </a:lstStyle>
+          <a:p>
+            <a:r>
+              <a:rPr lang="en-US" smtClean="0"/>
+              <a:t>Click to edit Master title style</a:t>
+            </a:r>
+            <a:endParaRPr lang="en-US" dirty="0"/>
+          </a:p>
+        </p:txBody>
+      </p:sp>
+      <p:sp>
+        <p:nvSpPr>
+          <p:cNvPr id="3" name="Subtitle 2"/>
           <p:cNvSpPr>
             <a:spLocks noGrp="1"/>
           </p:cNvSpPr>
@@ -166,116 +556,68 @@
         </p:nvSpPr>
         <p:spPr>
           <a:xfrm>
-            <a:off x="1371600" y="3886200"/>
-            <a:ext cx="6400800" cy="1752600"/>
+            <a:off x="802386" y="4389120"/>
+            <a:ext cx="5918454" cy="1069848"/>
           </a:xfrm>
         </p:spPr>
         <p:txBody>
-          <a:bodyPr/>
+          <a:bodyPr>
+            <a:normAutofit/>
+          </a:bodyPr>
           <a:lstStyle>
-            <a:lvl1pPr marL="0" indent="0" algn="ctr">
-              <a:buNone/>
-              <a:defRPr>
+            <a:lvl1pPr marL="0" indent="0" algn="l">
+              <a:buNone/>
+              <a:defRPr sz="1800" b="0">
                 <a:solidFill>
-                  <a:schemeClr val="tx1">
-                    <a:tint val="75000"/>
-                  </a:schemeClr>
+                  <a:schemeClr val="tx1"/>
                 </a:solidFill>
               </a:defRPr>
             </a:lvl1pPr>
             <a:lvl2pPr marL="457200" indent="0" algn="ctr">
               <a:buNone/>
-              <a:defRPr>
-                <a:solidFill>
-                  <a:schemeClr val="tx1">
-                    <a:tint val="75000"/>
-                  </a:schemeClr>
-                </a:solidFill>
-              </a:defRPr>
+              <a:defRPr sz="2800"/>
             </a:lvl2pPr>
             <a:lvl3pPr marL="914400" indent="0" algn="ctr">
               <a:buNone/>
-              <a:defRPr>
-                <a:solidFill>
-                  <a:schemeClr val="tx1">
-                    <a:tint val="75000"/>
-                  </a:schemeClr>
-                </a:solidFill>
-              </a:defRPr>
+              <a:defRPr sz="2400"/>
             </a:lvl3pPr>
             <a:lvl4pPr marL="1371600" indent="0" algn="ctr">
               <a:buNone/>
-              <a:defRPr>
-                <a:solidFill>
-                  <a:schemeClr val="tx1">
-                    <a:tint val="75000"/>
-                  </a:schemeClr>
-                </a:solidFill>
-              </a:defRPr>
+              <a:defRPr sz="2000"/>
             </a:lvl4pPr>
             <a:lvl5pPr marL="1828800" indent="0" algn="ctr">
               <a:buNone/>
-              <a:defRPr>
-                <a:solidFill>
-                  <a:schemeClr val="tx1">
-                    <a:tint val="75000"/>
-                  </a:schemeClr>
-                </a:solidFill>
-              </a:defRPr>
+              <a:defRPr sz="2000"/>
             </a:lvl5pPr>
             <a:lvl6pPr marL="2286000" indent="0" algn="ctr">
               <a:buNone/>
-              <a:defRPr>
-                <a:solidFill>
-                  <a:schemeClr val="tx1">
-                    <a:tint val="75000"/>
-                  </a:schemeClr>
-                </a:solidFill>
-              </a:defRPr>
+              <a:defRPr sz="2000"/>
             </a:lvl6pPr>
             <a:lvl7pPr marL="2743200" indent="0" algn="ctr">
               <a:buNone/>
-              <a:defRPr>
-                <a:solidFill>
-                  <a:schemeClr val="tx1">
-                    <a:tint val="75000"/>
-                  </a:schemeClr>
-                </a:solidFill>
-              </a:defRPr>
+              <a:defRPr sz="2000"/>
             </a:lvl7pPr>
             <a:lvl8pPr marL="3200400" indent="0" algn="ctr">
               <a:buNone/>
-              <a:defRPr>
-                <a:solidFill>
-                  <a:schemeClr val="tx1">
-                    <a:tint val="75000"/>
-                  </a:schemeClr>
-                </a:solidFill>
-              </a:defRPr>
+              <a:defRPr sz="2000"/>
             </a:lvl8pPr>
             <a:lvl9pPr marL="3657600" indent="0" algn="ctr">
               <a:buNone/>
-              <a:defRPr>
-                <a:solidFill>
-                  <a:schemeClr val="tx1">
-                    <a:tint val="75000"/>
-                  </a:schemeClr>
-                </a:solidFill>
-              </a:defRPr>
+              <a:defRPr sz="2000"/>
             </a:lvl9pPr>
           </a:lstStyle>
           <a:p>
             <a:r>
-              <a:rPr kumimoji="1" lang="zh-CN" altLang="en-US" smtClean="0"/>
-              <a:t>单击此处编辑母版副标题样式</a:t>
-            </a:r>
-            <a:endParaRPr kumimoji="1" lang="zh-CN" altLang="en-US"/>
-          </a:p>
-        </p:txBody>
-      </p:sp>
-      <p:sp>
-        <p:nvSpPr>
-          <p:cNvPr id="4" name="日期占位符 3"/>
+              <a:rPr lang="en-US" smtClean="0"/>
+              <a:t>Click to edit Master subtitle style</a:t>
+            </a:r>
+            <a:endParaRPr lang="en-US" dirty="0"/>
+          </a:p>
+        </p:txBody>
+      </p:sp>
+      <p:sp>
+        <p:nvSpPr>
+          <p:cNvPr id="4" name="Date Placeholder 3"/>
           <p:cNvSpPr>
             <a:spLocks noGrp="1"/>
           </p:cNvSpPr>
@@ -290,7 +632,7 @@
           <a:p>
             <a:fld id="{3670AE7C-1FC6-6B47-AD13-08C1FC766250}" type="datetimeFigureOut">
               <a:rPr kumimoji="1" lang="zh-CN" altLang="en-US" smtClean="0"/>
-              <a:t>8/1/17</a:t>
+              <a:t>2017/8/1</a:t>
             </a:fld>
             <a:endParaRPr kumimoji="1" lang="zh-CN" altLang="en-US"/>
           </a:p>
@@ -298,7 +640,7 @@
       </p:sp>
       <p:sp>
         <p:nvSpPr>
-          <p:cNvPr id="5" name="页脚占位符 4"/>
+          <p:cNvPr id="5" name="Footer Placeholder 4"/>
           <p:cNvSpPr>
             <a:spLocks noGrp="1"/>
           </p:cNvSpPr>
@@ -306,7 +648,12 @@
             <p:ph type="ftr" sz="quarter" idx="11"/>
           </p:nvPr>
         </p:nvSpPr>
-        <p:spPr/>
+        <p:spPr>
+          <a:xfrm>
+            <a:off x="812805" y="6272785"/>
+            <a:ext cx="4745736" cy="365125"/>
+          </a:xfrm>
+        </p:spPr>
         <p:txBody>
           <a:bodyPr/>
           <a:lstStyle/>
@@ -317,7 +664,7 @@
       </p:sp>
       <p:sp>
         <p:nvSpPr>
-          <p:cNvPr id="6" name="幻灯片编号占位符 5"/>
+          <p:cNvPr id="6" name="Slide Number Placeholder 5"/>
           <p:cNvSpPr>
             <a:spLocks noGrp="1"/>
           </p:cNvSpPr>
@@ -325,10 +672,19 @@
             <p:ph type="sldNum" sz="quarter" idx="12"/>
           </p:nvPr>
         </p:nvSpPr>
-        <p:spPr/>
+        <p:spPr>
+          <a:xfrm>
+            <a:off x="7244280" y="4227195"/>
+            <a:ext cx="895401" cy="640080"/>
+          </a:xfrm>
+        </p:spPr>
         <p:txBody>
           <a:bodyPr/>
-          <a:lstStyle/>
+          <a:lstStyle>
+            <a:lvl1pPr>
+              <a:defRPr sz="2800" b="1"/>
+            </a:lvl1pPr>
+          </a:lstStyle>
           <a:p>
             <a:fld id="{D2E92B62-58AB-BA40-B35A-56FACE17C970}" type="slidenum">
               <a:rPr kumimoji="1" lang="zh-CN" altLang="en-US" smtClean="0"/>
@@ -339,11 +695,7 @@
         </p:txBody>
       </p:sp>
     </p:spTree>
-    <p:extLst>
-      <p:ext uri="{BB962C8B-B14F-4D97-AF65-F5344CB8AC3E}">
-        <p14:creationId xmlns:p14="http://schemas.microsoft.com/office/powerpoint/2010/main" val="3932680041"/>
-      </p:ext>
-    </p:extLst>
+    <p:extLst/>
   </p:cSld>
   <p:clrMapOvr>
     <a:masterClrMapping/>
@@ -353,7 +705,7 @@
 
 <file path=ppt/slideLayouts/slideLayout10.xml><?xml version="1.0" encoding="utf-8"?>
 <p:sldLayout xmlns:a="http://schemas.openxmlformats.org/drawingml/2006/main" xmlns:r="http://schemas.openxmlformats.org/officeDocument/2006/relationships" xmlns:p="http://schemas.openxmlformats.org/presentationml/2006/main" type="vertTx" preserve="1">
-  <p:cSld name="标题和竖排文本">
+  <p:cSld name="Title and Vertical Text">
     <p:spTree>
       <p:nvGrpSpPr>
         <p:cNvPr id="1" name=""/>
@@ -370,7 +722,7 @@
       </p:grpSpPr>
       <p:sp>
         <p:nvSpPr>
-          <p:cNvPr id="2" name="标题 1"/>
+          <p:cNvPr id="2" name="Title 1"/>
           <p:cNvSpPr>
             <a:spLocks noGrp="1"/>
           </p:cNvSpPr>
@@ -384,16 +736,16 @@
           <a:lstStyle/>
           <a:p>
             <a:r>
-              <a:rPr kumimoji="1" lang="zh-CN" altLang="en-US" smtClean="0"/>
-              <a:t>单击此处编辑母版标题样式</a:t>
-            </a:r>
-            <a:endParaRPr kumimoji="1" lang="zh-CN" altLang="en-US"/>
-          </a:p>
-        </p:txBody>
-      </p:sp>
-      <p:sp>
-        <p:nvSpPr>
-          <p:cNvPr id="3" name="竖排文本占位符 2"/>
+              <a:rPr lang="en-US" smtClean="0"/>
+              <a:t>Click to edit Master title style</a:t>
+            </a:r>
+            <a:endParaRPr lang="en-US"/>
+          </a:p>
+        </p:txBody>
+      </p:sp>
+      <p:sp>
+        <p:nvSpPr>
+          <p:cNvPr id="3" name="Vertical Text Placeholder 2"/>
           <p:cNvSpPr>
             <a:spLocks noGrp="1"/>
           </p:cNvSpPr>
@@ -408,44 +760,44 @@
           <a:p>
             <a:pPr lvl="0"/>
             <a:r>
-              <a:rPr kumimoji="1" lang="zh-CN" altLang="en-US" smtClean="0"/>
-              <a:t>单击此处编辑母版文本样式</a:t>
+              <a:rPr lang="en-US" smtClean="0"/>
+              <a:t>Click to edit Master text styles</a:t>
             </a:r>
           </a:p>
           <a:p>
             <a:pPr lvl="1"/>
             <a:r>
-              <a:rPr kumimoji="1" lang="zh-CN" altLang="en-US" smtClean="0"/>
-              <a:t>二级</a:t>
+              <a:rPr lang="en-US" smtClean="0"/>
+              <a:t>Second level</a:t>
             </a:r>
           </a:p>
           <a:p>
             <a:pPr lvl="2"/>
             <a:r>
-              <a:rPr kumimoji="1" lang="zh-CN" altLang="en-US" smtClean="0"/>
-              <a:t>三级</a:t>
+              <a:rPr lang="en-US" smtClean="0"/>
+              <a:t>Third level</a:t>
             </a:r>
           </a:p>
           <a:p>
             <a:pPr lvl="3"/>
             <a:r>
-              <a:rPr kumimoji="1" lang="zh-CN" altLang="en-US" smtClean="0"/>
-              <a:t>四级</a:t>
+              <a:rPr lang="en-US" smtClean="0"/>
+              <a:t>Fourth level</a:t>
             </a:r>
           </a:p>
           <a:p>
             <a:pPr lvl="4"/>
             <a:r>
-              <a:rPr kumimoji="1" lang="zh-CN" altLang="en-US" smtClean="0"/>
-              <a:t>五级</a:t>
-            </a:r>
-            <a:endParaRPr kumimoji="1" lang="zh-CN" altLang="en-US"/>
-          </a:p>
-        </p:txBody>
-      </p:sp>
-      <p:sp>
-        <p:nvSpPr>
-          <p:cNvPr id="4" name="日期占位符 3"/>
+              <a:rPr lang="en-US" smtClean="0"/>
+              <a:t>Fifth level</a:t>
+            </a:r>
+            <a:endParaRPr lang="en-US"/>
+          </a:p>
+        </p:txBody>
+      </p:sp>
+      <p:sp>
+        <p:nvSpPr>
+          <p:cNvPr id="7" name="Date Placeholder 6"/>
           <p:cNvSpPr>
             <a:spLocks noGrp="1"/>
           </p:cNvSpPr>
@@ -460,7 +812,7 @@
           <a:p>
             <a:fld id="{3670AE7C-1FC6-6B47-AD13-08C1FC766250}" type="datetimeFigureOut">
               <a:rPr kumimoji="1" lang="zh-CN" altLang="en-US" smtClean="0"/>
-              <a:t>8/1/17</a:t>
+              <a:t>2017/8/1</a:t>
             </a:fld>
             <a:endParaRPr kumimoji="1" lang="zh-CN" altLang="en-US"/>
           </a:p>
@@ -468,7 +820,7 @@
       </p:sp>
       <p:sp>
         <p:nvSpPr>
-          <p:cNvPr id="5" name="页脚占位符 4"/>
+          <p:cNvPr id="8" name="Footer Placeholder 7"/>
           <p:cNvSpPr>
             <a:spLocks noGrp="1"/>
           </p:cNvSpPr>
@@ -487,7 +839,7 @@
       </p:sp>
       <p:sp>
         <p:nvSpPr>
-          <p:cNvPr id="6" name="幻灯片编号占位符 5"/>
+          <p:cNvPr id="9" name="Slide Number Placeholder 8"/>
           <p:cNvSpPr>
             <a:spLocks noGrp="1"/>
           </p:cNvSpPr>
@@ -509,11 +861,7 @@
         </p:txBody>
       </p:sp>
     </p:spTree>
-    <p:extLst>
-      <p:ext uri="{BB962C8B-B14F-4D97-AF65-F5344CB8AC3E}">
-        <p14:creationId xmlns:p14="http://schemas.microsoft.com/office/powerpoint/2010/main" val="3706175266"/>
-      </p:ext>
-    </p:extLst>
+    <p:extLst/>
   </p:cSld>
   <p:clrMapOvr>
     <a:masterClrMapping/>
@@ -523,7 +871,7 @@
 
 <file path=ppt/slideLayouts/slideLayout11.xml><?xml version="1.0" encoding="utf-8"?>
 <p:sldLayout xmlns:a="http://schemas.openxmlformats.org/drawingml/2006/main" xmlns:r="http://schemas.openxmlformats.org/officeDocument/2006/relationships" xmlns:p="http://schemas.openxmlformats.org/presentationml/2006/main" type="vertTitleAndTx" preserve="1">
-  <p:cSld name="竖排标题和文本">
+  <p:cSld name="Vertical Title and Text">
     <p:spTree>
       <p:nvGrpSpPr>
         <p:cNvPr id="1" name=""/>
@@ -540,7 +888,7 @@
       </p:grpSpPr>
       <p:sp>
         <p:nvSpPr>
-          <p:cNvPr id="2" name="竖排标题 1"/>
+          <p:cNvPr id="2" name="Vertical Title 1"/>
           <p:cNvSpPr>
             <a:spLocks noGrp="1"/>
           </p:cNvSpPr>
@@ -550,25 +898,29 @@
         </p:nvSpPr>
         <p:spPr>
           <a:xfrm>
-            <a:off x="6629400" y="274638"/>
-            <a:ext cx="2057400" cy="5851525"/>
+            <a:off x="6543675" y="533400"/>
+            <a:ext cx="1914525" cy="5638800"/>
           </a:xfrm>
         </p:spPr>
         <p:txBody>
           <a:bodyPr vert="eaVert"/>
-          <a:lstStyle/>
-          <a:p>
-            <a:r>
-              <a:rPr kumimoji="1" lang="zh-CN" altLang="en-US" smtClean="0"/>
-              <a:t>单击此处编辑母版标题样式</a:t>
-            </a:r>
-            <a:endParaRPr kumimoji="1" lang="zh-CN" altLang="en-US"/>
-          </a:p>
-        </p:txBody>
-      </p:sp>
-      <p:sp>
-        <p:nvSpPr>
-          <p:cNvPr id="3" name="竖排文本占位符 2"/>
+          <a:lstStyle>
+            <a:lvl1pPr>
+              <a:defRPr b="0"/>
+            </a:lvl1pPr>
+          </a:lstStyle>
+          <a:p>
+            <a:r>
+              <a:rPr lang="en-US" smtClean="0"/>
+              <a:t>Click to edit Master title style</a:t>
+            </a:r>
+            <a:endParaRPr lang="en-US" dirty="0"/>
+          </a:p>
+        </p:txBody>
+      </p:sp>
+      <p:sp>
+        <p:nvSpPr>
+          <p:cNvPr id="3" name="Vertical Text Placeholder 2"/>
           <p:cNvSpPr>
             <a:spLocks noGrp="1"/>
           </p:cNvSpPr>
@@ -578,8 +930,8 @@
         </p:nvSpPr>
         <p:spPr>
           <a:xfrm>
-            <a:off x="457200" y="274638"/>
-            <a:ext cx="6019800" cy="5851525"/>
+            <a:off x="800100" y="533400"/>
+            <a:ext cx="5629275" cy="5638800"/>
           </a:xfrm>
         </p:spPr>
         <p:txBody>
@@ -588,44 +940,44 @@
           <a:p>
             <a:pPr lvl="0"/>
             <a:r>
-              <a:rPr kumimoji="1" lang="zh-CN" altLang="en-US" smtClean="0"/>
-              <a:t>单击此处编辑母版文本样式</a:t>
+              <a:rPr lang="en-US" smtClean="0"/>
+              <a:t>Click to edit Master text styles</a:t>
             </a:r>
           </a:p>
           <a:p>
             <a:pPr lvl="1"/>
             <a:r>
-              <a:rPr kumimoji="1" lang="zh-CN" altLang="en-US" smtClean="0"/>
-              <a:t>二级</a:t>
+              <a:rPr lang="en-US" smtClean="0"/>
+              <a:t>Second level</a:t>
             </a:r>
           </a:p>
           <a:p>
             <a:pPr lvl="2"/>
             <a:r>
-              <a:rPr kumimoji="1" lang="zh-CN" altLang="en-US" smtClean="0"/>
-              <a:t>三级</a:t>
+              <a:rPr lang="en-US" smtClean="0"/>
+              <a:t>Third level</a:t>
             </a:r>
           </a:p>
           <a:p>
             <a:pPr lvl="3"/>
             <a:r>
-              <a:rPr kumimoji="1" lang="zh-CN" altLang="en-US" smtClean="0"/>
-              <a:t>四级</a:t>
+              <a:rPr lang="en-US" smtClean="0"/>
+              <a:t>Fourth level</a:t>
             </a:r>
           </a:p>
           <a:p>
             <a:pPr lvl="4"/>
             <a:r>
-              <a:rPr kumimoji="1" lang="zh-CN" altLang="en-US" smtClean="0"/>
-              <a:t>五级</a:t>
-            </a:r>
-            <a:endParaRPr kumimoji="1" lang="zh-CN" altLang="en-US"/>
-          </a:p>
-        </p:txBody>
-      </p:sp>
-      <p:sp>
-        <p:nvSpPr>
-          <p:cNvPr id="4" name="日期占位符 3"/>
+              <a:rPr lang="en-US" smtClean="0"/>
+              <a:t>Fifth level</a:t>
+            </a:r>
+            <a:endParaRPr lang="en-US" dirty="0"/>
+          </a:p>
+        </p:txBody>
+      </p:sp>
+      <p:sp>
+        <p:nvSpPr>
+          <p:cNvPr id="7" name="Date Placeholder 6"/>
           <p:cNvSpPr>
             <a:spLocks noGrp="1"/>
           </p:cNvSpPr>
@@ -640,7 +992,7 @@
           <a:p>
             <a:fld id="{3670AE7C-1FC6-6B47-AD13-08C1FC766250}" type="datetimeFigureOut">
               <a:rPr kumimoji="1" lang="zh-CN" altLang="en-US" smtClean="0"/>
-              <a:t>8/1/17</a:t>
+              <a:t>2017/8/1</a:t>
             </a:fld>
             <a:endParaRPr kumimoji="1" lang="zh-CN" altLang="en-US"/>
           </a:p>
@@ -648,7 +1000,7 @@
       </p:sp>
       <p:sp>
         <p:nvSpPr>
-          <p:cNvPr id="5" name="页脚占位符 4"/>
+          <p:cNvPr id="8" name="Footer Placeholder 7"/>
           <p:cNvSpPr>
             <a:spLocks noGrp="1"/>
           </p:cNvSpPr>
@@ -667,7 +1019,7 @@
       </p:sp>
       <p:sp>
         <p:nvSpPr>
-          <p:cNvPr id="6" name="幻灯片编号占位符 5"/>
+          <p:cNvPr id="9" name="Slide Number Placeholder 8"/>
           <p:cNvSpPr>
             <a:spLocks noGrp="1"/>
           </p:cNvSpPr>
@@ -689,11 +1041,7 @@
         </p:txBody>
       </p:sp>
     </p:spTree>
-    <p:extLst>
-      <p:ext uri="{BB962C8B-B14F-4D97-AF65-F5344CB8AC3E}">
-        <p14:creationId xmlns:p14="http://schemas.microsoft.com/office/powerpoint/2010/main" val="3483864730"/>
-      </p:ext>
-    </p:extLst>
+    <p:extLst/>
   </p:cSld>
   <p:clrMapOvr>
     <a:masterClrMapping/>
@@ -703,7 +1051,7 @@
 
 <file path=ppt/slideLayouts/slideLayout2.xml><?xml version="1.0" encoding="utf-8"?>
 <p:sldLayout xmlns:a="http://schemas.openxmlformats.org/drawingml/2006/main" xmlns:r="http://schemas.openxmlformats.org/officeDocument/2006/relationships" xmlns:p="http://schemas.openxmlformats.org/presentationml/2006/main" type="obj" preserve="1">
-  <p:cSld name="标题和内容">
+  <p:cSld name="Title and Content">
     <p:spTree>
       <p:nvGrpSpPr>
         <p:cNvPr id="1" name=""/>
@@ -720,7 +1068,7 @@
       </p:grpSpPr>
       <p:sp>
         <p:nvSpPr>
-          <p:cNvPr id="2" name="标题 1"/>
+          <p:cNvPr id="2" name="Title 1"/>
           <p:cNvSpPr>
             <a:spLocks noGrp="1"/>
           </p:cNvSpPr>
@@ -734,16 +1082,16 @@
           <a:lstStyle/>
           <a:p>
             <a:r>
-              <a:rPr kumimoji="1" lang="zh-CN" altLang="en-US" smtClean="0"/>
-              <a:t>单击此处编辑母版标题样式</a:t>
-            </a:r>
-            <a:endParaRPr kumimoji="1" lang="zh-CN" altLang="en-US"/>
-          </a:p>
-        </p:txBody>
-      </p:sp>
-      <p:sp>
-        <p:nvSpPr>
-          <p:cNvPr id="3" name="内容占位符 2"/>
+              <a:rPr lang="en-US" smtClean="0"/>
+              <a:t>Click to edit Master title style</a:t>
+            </a:r>
+            <a:endParaRPr lang="en-US" dirty="0"/>
+          </a:p>
+        </p:txBody>
+      </p:sp>
+      <p:sp>
+        <p:nvSpPr>
+          <p:cNvPr id="3" name="Content Placeholder 2"/>
           <p:cNvSpPr>
             <a:spLocks noGrp="1"/>
           </p:cNvSpPr>
@@ -758,44 +1106,44 @@
           <a:p>
             <a:pPr lvl="0"/>
             <a:r>
-              <a:rPr kumimoji="1" lang="zh-CN" altLang="en-US" smtClean="0"/>
-              <a:t>单击此处编辑母版文本样式</a:t>
+              <a:rPr lang="en-US" smtClean="0"/>
+              <a:t>Click to edit Master text styles</a:t>
             </a:r>
           </a:p>
           <a:p>
             <a:pPr lvl="1"/>
             <a:r>
-              <a:rPr kumimoji="1" lang="zh-CN" altLang="en-US" smtClean="0"/>
-              <a:t>二级</a:t>
+              <a:rPr lang="en-US" smtClean="0"/>
+              <a:t>Second level</a:t>
             </a:r>
           </a:p>
           <a:p>
             <a:pPr lvl="2"/>
             <a:r>
-              <a:rPr kumimoji="1" lang="zh-CN" altLang="en-US" smtClean="0"/>
-              <a:t>三级</a:t>
+              <a:rPr lang="en-US" smtClean="0"/>
+              <a:t>Third level</a:t>
             </a:r>
           </a:p>
           <a:p>
             <a:pPr lvl="3"/>
             <a:r>
-              <a:rPr kumimoji="1" lang="zh-CN" altLang="en-US" smtClean="0"/>
-              <a:t>四级</a:t>
+              <a:rPr lang="en-US" smtClean="0"/>
+              <a:t>Fourth level</a:t>
             </a:r>
           </a:p>
           <a:p>
             <a:pPr lvl="4"/>
             <a:r>
-              <a:rPr kumimoji="1" lang="zh-CN" altLang="en-US" smtClean="0"/>
-              <a:t>五级</a:t>
-            </a:r>
-            <a:endParaRPr kumimoji="1" lang="zh-CN" altLang="en-US"/>
-          </a:p>
-        </p:txBody>
-      </p:sp>
-      <p:sp>
-        <p:nvSpPr>
-          <p:cNvPr id="4" name="日期占位符 3"/>
+              <a:rPr lang="en-US" smtClean="0"/>
+              <a:t>Fifth level</a:t>
+            </a:r>
+            <a:endParaRPr lang="en-US" dirty="0"/>
+          </a:p>
+        </p:txBody>
+      </p:sp>
+      <p:sp>
+        <p:nvSpPr>
+          <p:cNvPr id="7" name="Date Placeholder 6"/>
           <p:cNvSpPr>
             <a:spLocks noGrp="1"/>
           </p:cNvSpPr>
@@ -810,7 +1158,7 @@
           <a:p>
             <a:fld id="{3670AE7C-1FC6-6B47-AD13-08C1FC766250}" type="datetimeFigureOut">
               <a:rPr kumimoji="1" lang="zh-CN" altLang="en-US" smtClean="0"/>
-              <a:t>8/1/17</a:t>
+              <a:t>2017/8/1</a:t>
             </a:fld>
             <a:endParaRPr kumimoji="1" lang="zh-CN" altLang="en-US"/>
           </a:p>
@@ -818,7 +1166,7 @@
       </p:sp>
       <p:sp>
         <p:nvSpPr>
-          <p:cNvPr id="5" name="页脚占位符 4"/>
+          <p:cNvPr id="8" name="Footer Placeholder 7"/>
           <p:cNvSpPr>
             <a:spLocks noGrp="1"/>
           </p:cNvSpPr>
@@ -837,7 +1185,7 @@
       </p:sp>
       <p:sp>
         <p:nvSpPr>
-          <p:cNvPr id="6" name="幻灯片编号占位符 5"/>
+          <p:cNvPr id="9" name="Slide Number Placeholder 8"/>
           <p:cNvSpPr>
             <a:spLocks noGrp="1"/>
           </p:cNvSpPr>
@@ -859,11 +1207,7 @@
         </p:txBody>
       </p:sp>
     </p:spTree>
-    <p:extLst>
-      <p:ext uri="{BB962C8B-B14F-4D97-AF65-F5344CB8AC3E}">
-        <p14:creationId xmlns:p14="http://schemas.microsoft.com/office/powerpoint/2010/main" val="3141631559"/>
-      </p:ext>
-    </p:extLst>
+    <p:extLst/>
   </p:cSld>
   <p:clrMapOvr>
     <a:masterClrMapping/>
@@ -872,8 +1216,8 @@
 </file>
 
 <file path=ppt/slideLayouts/slideLayout3.xml><?xml version="1.0" encoding="utf-8"?>
-<p:sldLayout xmlns:a="http://schemas.openxmlformats.org/drawingml/2006/main" xmlns:r="http://schemas.openxmlformats.org/officeDocument/2006/relationships" xmlns:p="http://schemas.openxmlformats.org/presentationml/2006/main" type="secHead" preserve="1">
-  <p:cSld name="节标题">
+<p:sldLayout xmlns:a="http://schemas.openxmlformats.org/drawingml/2006/main" xmlns:r="http://schemas.openxmlformats.org/officeDocument/2006/relationships" xmlns:p="http://schemas.openxmlformats.org/presentationml/2006/main" showMasterSp="0" type="secHead" preserve="1">
+  <p:cSld name="Section Header">
     <p:spTree>
       <p:nvGrpSpPr>
         <p:cNvPr id="1" name=""/>
@@ -890,39 +1234,109 @@
       </p:grpSpPr>
       <p:sp>
         <p:nvSpPr>
-          <p:cNvPr id="2" name="标题 1"/>
-          <p:cNvSpPr>
-            <a:spLocks noGrp="1"/>
-          </p:cNvSpPr>
-          <p:nvPr>
-            <p:ph type="title"/>
-          </p:nvPr>
+          <p:cNvPr id="7" name="Rectangle 6"/>
+          <p:cNvSpPr/>
+          <p:nvPr/>
         </p:nvSpPr>
         <p:spPr>
           <a:xfrm>
-            <a:off x="722313" y="4406900"/>
-            <a:ext cx="7772400" cy="1362075"/>
+            <a:off x="0" y="4917989"/>
+            <a:ext cx="9144000" cy="1940010"/>
+          </a:xfrm>
+          <a:prstGeom prst="rect">
+            <a:avLst/>
+          </a:prstGeom>
+          <a:blipFill dpi="0" rotWithShape="1">
+            <a:blip r:embed="rId2">
+              <a:alphaModFix amt="80000"/>
+              <a:lum bright="70000" contrast="-70000"/>
+              <a:extLst>
+                <a:ext uri="{BEBA8EAE-BF5A-486C-A8C5-ECC9F3942E4B}">
+                  <a14:imgProps xmlns:a14="http://schemas.microsoft.com/office/drawing/2010/main">
+                    <a14:imgLayer r:embed="rId3">
+                      <a14:imgEffect>
+                        <a14:sharpenSoften amount="61000"/>
+                      </a14:imgEffect>
+                    </a14:imgLayer>
+                  </a14:imgProps>
+                </a:ext>
+                <a:ext uri="{28A0092B-C50C-407E-A947-70E740481C1C}">
+                  <a14:useLocalDpi xmlns:a14="http://schemas.microsoft.com/office/drawing/2010/main" val="0"/>
+                </a:ext>
+              </a:extLst>
+            </a:blip>
+            <a:srcRect/>
+            <a:tile tx="0" ty="-704850" sx="92000" sy="89000" flip="xy" algn="ctr"/>
+          </a:blipFill>
+          <a:ln>
+            <a:noFill/>
+          </a:ln>
+        </p:spPr>
+        <p:style>
+          <a:lnRef idx="2">
+            <a:schemeClr val="accent1">
+              <a:shade val="50000"/>
+            </a:schemeClr>
+          </a:lnRef>
+          <a:fillRef idx="1">
+            <a:schemeClr val="accent1"/>
+          </a:fillRef>
+          <a:effectRef idx="0">
+            <a:schemeClr val="accent1"/>
+          </a:effectRef>
+          <a:fontRef idx="minor">
+            <a:schemeClr val="lt1"/>
+          </a:fontRef>
+        </p:style>
+        <p:txBody>
+          <a:bodyPr rtlCol="0" anchor="ctr"/>
+          <a:lstStyle/>
+          <a:p>
+            <a:pPr algn="ctr"/>
+            <a:endParaRPr lang="en-US"/>
+          </a:p>
+        </p:txBody>
+      </p:sp>
+      <p:sp>
+        <p:nvSpPr>
+          <p:cNvPr id="2" name="Title 1"/>
+          <p:cNvSpPr>
+            <a:spLocks noGrp="1"/>
+          </p:cNvSpPr>
+          <p:nvPr>
+            <p:ph type="title"/>
+          </p:nvPr>
+        </p:nvSpPr>
+        <p:spPr>
+          <a:xfrm>
+            <a:off x="1625346" y="1225296"/>
+            <a:ext cx="6960870" cy="3520440"/>
           </a:xfrm>
         </p:spPr>
         <p:txBody>
-          <a:bodyPr anchor="t"/>
+          <a:bodyPr anchor="ctr">
+            <a:normAutofit/>
+          </a:bodyPr>
           <a:lstStyle>
-            <a:lvl1pPr algn="l">
-              <a:defRPr sz="4000" b="1" cap="all"/>
+            <a:lvl1pPr>
+              <a:lnSpc>
+                <a:spcPct val="80000"/>
+              </a:lnSpc>
+              <a:defRPr sz="6400" b="0"/>
             </a:lvl1pPr>
           </a:lstStyle>
           <a:p>
             <a:r>
-              <a:rPr kumimoji="1" lang="zh-CN" altLang="en-US" smtClean="0"/>
-              <a:t>单击此处编辑母版标题样式</a:t>
-            </a:r>
-            <a:endParaRPr kumimoji="1" lang="zh-CN" altLang="en-US"/>
-          </a:p>
-        </p:txBody>
-      </p:sp>
-      <p:sp>
-        <p:nvSpPr>
-          <p:cNvPr id="3" name="文本占位符 2"/>
+              <a:rPr lang="en-US" smtClean="0"/>
+              <a:t>Click to edit Master title style</a:t>
+            </a:r>
+            <a:endParaRPr lang="en-US" dirty="0"/>
+          </a:p>
+        </p:txBody>
+      </p:sp>
+      <p:sp>
+        <p:nvSpPr>
+          <p:cNvPr id="3" name="Text Placeholder 2"/>
           <p:cNvSpPr>
             <a:spLocks noGrp="1"/>
           </p:cNvSpPr>
@@ -932,19 +1346,21 @@
         </p:nvSpPr>
         <p:spPr>
           <a:xfrm>
-            <a:off x="722313" y="2906713"/>
-            <a:ext cx="7772400" cy="1500187"/>
+            <a:off x="1624330" y="5020056"/>
+            <a:ext cx="6789420" cy="1066800"/>
           </a:xfrm>
         </p:spPr>
         <p:txBody>
-          <a:bodyPr anchor="b"/>
+          <a:bodyPr anchor="t">
+            <a:normAutofit/>
+          </a:bodyPr>
           <a:lstStyle>
             <a:lvl1pPr marL="0" indent="0">
               <a:buNone/>
-              <a:defRPr sz="2000">
+              <a:defRPr sz="1800" b="0">
                 <a:solidFill>
-                  <a:schemeClr val="tx1">
-                    <a:tint val="75000"/>
+                  <a:schemeClr val="accent1">
+                    <a:lumMod val="50000"/>
                   </a:schemeClr>
                 </a:solidFill>
               </a:defRPr>
@@ -1033,15 +1449,15 @@
           <a:p>
             <a:pPr lvl="0"/>
             <a:r>
-              <a:rPr kumimoji="1" lang="zh-CN" altLang="en-US" smtClean="0"/>
-              <a:t>单击此处编辑母版文本样式</a:t>
-            </a:r>
-          </a:p>
-        </p:txBody>
-      </p:sp>
-      <p:sp>
-        <p:nvSpPr>
-          <p:cNvPr id="4" name="日期占位符 3"/>
+              <a:rPr lang="en-US" smtClean="0"/>
+              <a:t>Click to edit Master text styles</a:t>
+            </a:r>
+          </a:p>
+        </p:txBody>
+      </p:sp>
+      <p:sp>
+        <p:nvSpPr>
+          <p:cNvPr id="4" name="Date Placeholder 3"/>
           <p:cNvSpPr>
             <a:spLocks noGrp="1"/>
           </p:cNvSpPr>
@@ -1049,14 +1465,29 @@
             <p:ph type="dt" sz="half" idx="10"/>
           </p:nvPr>
         </p:nvSpPr>
-        <p:spPr/>
+        <p:spPr>
+          <a:xfrm>
+            <a:off x="6445251" y="6272785"/>
+            <a:ext cx="1983232" cy="365125"/>
+          </a:xfrm>
+        </p:spPr>
         <p:txBody>
           <a:bodyPr/>
-          <a:lstStyle/>
+          <a:lstStyle>
+            <a:lvl1pPr>
+              <a:defRPr>
+                <a:solidFill>
+                  <a:schemeClr val="accent1">
+                    <a:lumMod val="50000"/>
+                  </a:schemeClr>
+                </a:solidFill>
+              </a:defRPr>
+            </a:lvl1pPr>
+          </a:lstStyle>
           <a:p>
             <a:fld id="{3670AE7C-1FC6-6B47-AD13-08C1FC766250}" type="datetimeFigureOut">
               <a:rPr kumimoji="1" lang="zh-CN" altLang="en-US" smtClean="0"/>
-              <a:t>8/1/17</a:t>
+              <a:t>2017/8/1</a:t>
             </a:fld>
             <a:endParaRPr kumimoji="1" lang="zh-CN" altLang="en-US"/>
           </a:p>
@@ -1064,7 +1495,7 @@
       </p:sp>
       <p:sp>
         <p:nvSpPr>
-          <p:cNvPr id="5" name="页脚占位符 4"/>
+          <p:cNvPr id="5" name="Footer Placeholder 4"/>
           <p:cNvSpPr>
             <a:spLocks noGrp="1"/>
           </p:cNvSpPr>
@@ -1072,18 +1503,193 @@
             <p:ph type="ftr" sz="quarter" idx="11"/>
           </p:nvPr>
         </p:nvSpPr>
-        <p:spPr/>
+        <p:spPr>
+          <a:xfrm>
+            <a:off x="1636099" y="6272784"/>
+            <a:ext cx="4745736" cy="365125"/>
+          </a:xfrm>
+        </p:spPr>
         <p:txBody>
           <a:bodyPr/>
-          <a:lstStyle/>
+          <a:lstStyle>
+            <a:lvl1pPr>
+              <a:defRPr>
+                <a:solidFill>
+                  <a:schemeClr val="accent1">
+                    <a:lumMod val="50000"/>
+                  </a:schemeClr>
+                </a:solidFill>
+              </a:defRPr>
+            </a:lvl1pPr>
+          </a:lstStyle>
           <a:p>
             <a:endParaRPr kumimoji="1" lang="zh-CN" altLang="en-US"/>
           </a:p>
         </p:txBody>
       </p:sp>
-      <p:sp>
-        <p:nvSpPr>
-          <p:cNvPr id="6" name="幻灯片编号占位符 5"/>
+      <p:grpSp>
+        <p:nvGrpSpPr>
+          <p:cNvPr id="8" name="Group 7"/>
+          <p:cNvGrpSpPr>
+            <a:grpSpLocks noChangeAspect="1"/>
+          </p:cNvGrpSpPr>
+          <p:nvPr/>
+        </p:nvGrpSpPr>
+        <p:grpSpPr>
+          <a:xfrm>
+            <a:off x="633862" y="2430623"/>
+            <a:ext cx="914400" cy="914400"/>
+            <a:chOff x="9685338" y="4460675"/>
+            <a:chExt cx="1080904" cy="1080902"/>
+          </a:xfrm>
+        </p:grpSpPr>
+        <p:sp>
+          <p:nvSpPr>
+            <p:cNvPr id="9" name="Oval 8"/>
+            <p:cNvSpPr/>
+            <p:nvPr/>
+          </p:nvSpPr>
+          <p:spPr>
+            <a:xfrm>
+              <a:off x="9685338" y="4460675"/>
+              <a:ext cx="1080904" cy="1080902"/>
+            </a:xfrm>
+            <a:prstGeom prst="ellipse">
+              <a:avLst/>
+            </a:prstGeom>
+            <a:blipFill dpi="0" rotWithShape="1">
+              <a:blip r:embed="rId4">
+                <a:duotone>
+                  <a:schemeClr val="accent1">
+                    <a:shade val="45000"/>
+                    <a:satMod val="135000"/>
+                  </a:schemeClr>
+                  <a:prstClr val="white"/>
+                </a:duotone>
+                <a:extLst>
+                  <a:ext uri="{BEBA8EAE-BF5A-486C-A8C5-ECC9F3942E4B}">
+                    <a14:imgProps xmlns:a14="http://schemas.microsoft.com/office/drawing/2010/main">
+                      <a14:imgLayer r:embed="rId5">
+                        <a14:imgEffect>
+                          <a14:saturation sat="95000"/>
+                        </a14:imgEffect>
+                      </a14:imgLayer>
+                    </a14:imgProps>
+                  </a:ext>
+                </a:extLst>
+              </a:blip>
+              <a:srcRect/>
+              <a:tile tx="0" ty="0" sx="85000" sy="85000" flip="none" algn="tl"/>
+            </a:blipFill>
+            <a:ln w="25400" cap="flat" cmpd="sng" algn="ctr">
+              <a:noFill/>
+              <a:prstDash val="solid"/>
+            </a:ln>
+            <a:effectLst/>
+          </p:spPr>
+          <p:txBody>
+            <a:bodyPr lIns="0" tIns="0" rIns="0" bIns="0" rtlCol="0" anchor="ctr"/>
+            <a:lstStyle/>
+            <a:p>
+              <a:pPr marL="0" marR="0" lvl="0" indent="0" algn="ctr" defTabSz="914400" eaLnBrk="1" fontAlgn="auto" latinLnBrk="0" hangingPunct="1">
+                <a:lnSpc>
+                  <a:spcPct val="100000"/>
+                </a:lnSpc>
+                <a:spcBef>
+                  <a:spcPts val="0"/>
+                </a:spcBef>
+                <a:spcAft>
+                  <a:spcPts val="0"/>
+                </a:spcAft>
+                <a:buClrTx/>
+                <a:buSzTx/>
+                <a:buFontTx/>
+                <a:buNone/>
+                <a:tabLst/>
+                <a:defRPr/>
+              </a:pPr>
+              <a:endParaRPr kumimoji="0" lang="en-US" sz="2000" b="0" i="0" u="none" strike="noStrike" kern="0" cap="none" spc="0" normalizeH="0" baseline="0" noProof="0" dirty="0">
+                <a:ln>
+                  <a:noFill/>
+                </a:ln>
+                <a:solidFill>
+                  <a:prstClr val="white"/>
+                </a:solidFill>
+                <a:effectLst/>
+                <a:uLnTx/>
+                <a:uFillTx/>
+                <a:latin typeface="Rockwell Extra Bold" pitchFamily="18" charset="0"/>
+                <a:ea typeface="+mn-ea"/>
+                <a:cs typeface="+mn-cs"/>
+              </a:endParaRPr>
+            </a:p>
+          </p:txBody>
+        </p:sp>
+        <p:sp>
+          <p:nvSpPr>
+            <p:cNvPr id="10" name="Oval 9"/>
+            <p:cNvSpPr/>
+            <p:nvPr/>
+          </p:nvSpPr>
+          <p:spPr>
+            <a:xfrm>
+              <a:off x="9793429" y="4568765"/>
+              <a:ext cx="864723" cy="864722"/>
+            </a:xfrm>
+            <a:prstGeom prst="ellipse">
+              <a:avLst/>
+            </a:prstGeom>
+            <a:noFill/>
+            <a:ln w="25400" cap="flat" cmpd="sng" algn="ctr">
+              <a:solidFill>
+                <a:sysClr val="window" lastClr="FFFFFF"/>
+              </a:solidFill>
+              <a:prstDash val="solid"/>
+            </a:ln>
+            <a:effectLst/>
+          </p:spPr>
+          <p:txBody>
+            <a:bodyPr rtlCol="0" anchor="ctr"/>
+            <a:lstStyle/>
+            <a:p>
+              <a:pPr marL="0" marR="0" lvl="0" indent="0" algn="ctr" defTabSz="914400" eaLnBrk="1" fontAlgn="auto" latinLnBrk="0" hangingPunct="1">
+                <a:lnSpc>
+                  <a:spcPct val="100000"/>
+                </a:lnSpc>
+                <a:spcBef>
+                  <a:spcPts val="0"/>
+                </a:spcBef>
+                <a:spcAft>
+                  <a:spcPts val="0"/>
+                </a:spcAft>
+                <a:buClrTx/>
+                <a:buSzTx/>
+                <a:buFontTx/>
+                <a:buNone/>
+                <a:tabLst/>
+                <a:defRPr/>
+              </a:pPr>
+              <a:endParaRPr kumimoji="0" lang="en-US" sz="1800" b="0" i="0" u="none" strike="noStrike" kern="0" cap="none" spc="0" normalizeH="0" baseline="0" noProof="0" dirty="0">
+                <a:ln>
+                  <a:noFill/>
+                </a:ln>
+                <a:solidFill>
+                  <a:prstClr val="white"/>
+                </a:solidFill>
+                <a:effectLst/>
+                <a:uLnTx/>
+                <a:uFillTx/>
+                <a:latin typeface="Calibri"/>
+                <a:ea typeface="+mn-ea"/>
+                <a:cs typeface="+mn-cs"/>
+              </a:endParaRPr>
+            </a:p>
+          </p:txBody>
+        </p:sp>
+      </p:grpSp>
+      <p:sp>
+        <p:nvSpPr>
+          <p:cNvPr id="6" name="Slide Number Placeholder 5"/>
           <p:cNvSpPr>
             <a:spLocks noGrp="1"/>
           </p:cNvSpPr>
@@ -1091,10 +1697,19 @@
             <p:ph type="sldNum" sz="quarter" idx="12"/>
           </p:nvPr>
         </p:nvSpPr>
-        <p:spPr/>
+        <p:spPr>
+          <a:xfrm>
+            <a:off x="645450" y="2508607"/>
+            <a:ext cx="891224" cy="720332"/>
+          </a:xfrm>
+        </p:spPr>
         <p:txBody>
           <a:bodyPr/>
-          <a:lstStyle/>
+          <a:lstStyle>
+            <a:lvl1pPr>
+              <a:defRPr sz="2800"/>
+            </a:lvl1pPr>
+          </a:lstStyle>
           <a:p>
             <a:fld id="{D2E92B62-58AB-BA40-B35A-56FACE17C970}" type="slidenum">
               <a:rPr kumimoji="1" lang="zh-CN" altLang="en-US" smtClean="0"/>
@@ -1105,11 +1720,7 @@
         </p:txBody>
       </p:sp>
     </p:spTree>
-    <p:extLst>
-      <p:ext uri="{BB962C8B-B14F-4D97-AF65-F5344CB8AC3E}">
-        <p14:creationId xmlns:p14="http://schemas.microsoft.com/office/powerpoint/2010/main" val="894318186"/>
-      </p:ext>
-    </p:extLst>
+    <p:extLst/>
   </p:cSld>
   <p:clrMapOvr>
     <a:masterClrMapping/>
@@ -1119,7 +1730,7 @@
 
 <file path=ppt/slideLayouts/slideLayout4.xml><?xml version="1.0" encoding="utf-8"?>
 <p:sldLayout xmlns:a="http://schemas.openxmlformats.org/drawingml/2006/main" xmlns:r="http://schemas.openxmlformats.org/officeDocument/2006/relationships" xmlns:p="http://schemas.openxmlformats.org/presentationml/2006/main" type="twoObj" preserve="1">
-  <p:cSld name="两项内容">
+  <p:cSld name="Two Content">
     <p:spTree>
       <p:nvGrpSpPr>
         <p:cNvPr id="1" name=""/>
@@ -1136,7 +1747,7 @@
       </p:grpSpPr>
       <p:sp>
         <p:nvSpPr>
-          <p:cNvPr id="2" name="标题 1"/>
+          <p:cNvPr id="2" name="Title 1"/>
           <p:cNvSpPr>
             <a:spLocks noGrp="1"/>
           </p:cNvSpPr>
@@ -1150,16 +1761,16 @@
           <a:lstStyle/>
           <a:p>
             <a:r>
-              <a:rPr kumimoji="1" lang="zh-CN" altLang="en-US" smtClean="0"/>
-              <a:t>单击此处编辑母版标题样式</a:t>
-            </a:r>
-            <a:endParaRPr kumimoji="1" lang="zh-CN" altLang="en-US"/>
-          </a:p>
-        </p:txBody>
-      </p:sp>
-      <p:sp>
-        <p:nvSpPr>
-          <p:cNvPr id="3" name="内容占位符 2"/>
+              <a:rPr lang="en-US" smtClean="0"/>
+              <a:t>Click to edit Master title style</a:t>
+            </a:r>
+            <a:endParaRPr lang="en-US" dirty="0"/>
+          </a:p>
+        </p:txBody>
+      </p:sp>
+      <p:sp>
+        <p:nvSpPr>
+          <p:cNvPr id="3" name="Content Placeholder 2"/>
           <p:cNvSpPr>
             <a:spLocks noGrp="1"/>
           </p:cNvSpPr>
@@ -1169,27 +1780,27 @@
         </p:nvSpPr>
         <p:spPr>
           <a:xfrm>
-            <a:off x="457200" y="1600200"/>
-            <a:ext cx="4038600" cy="4525963"/>
+            <a:off x="685800" y="2194560"/>
+            <a:ext cx="3657600" cy="3977640"/>
           </a:xfrm>
         </p:spPr>
         <p:txBody>
           <a:bodyPr/>
           <a:lstStyle>
             <a:lvl1pPr>
-              <a:defRPr sz="2800"/>
+              <a:defRPr sz="2000"/>
             </a:lvl1pPr>
             <a:lvl2pPr>
-              <a:defRPr sz="2400"/>
+              <a:defRPr sz="1800"/>
             </a:lvl2pPr>
             <a:lvl3pPr>
-              <a:defRPr sz="2000"/>
+              <a:defRPr sz="1600"/>
             </a:lvl3pPr>
             <a:lvl4pPr>
-              <a:defRPr sz="1800"/>
+              <a:defRPr sz="1600"/>
             </a:lvl4pPr>
             <a:lvl5pPr>
-              <a:defRPr sz="1800"/>
+              <a:defRPr sz="1600"/>
             </a:lvl5pPr>
             <a:lvl6pPr>
               <a:defRPr sz="1800"/>
@@ -1207,44 +1818,44 @@
           <a:p>
             <a:pPr lvl="0"/>
             <a:r>
-              <a:rPr kumimoji="1" lang="zh-CN" altLang="en-US" smtClean="0"/>
-              <a:t>单击此处编辑母版文本样式</a:t>
+              <a:rPr lang="en-US" smtClean="0"/>
+              <a:t>Click to edit Master text styles</a:t>
             </a:r>
           </a:p>
           <a:p>
             <a:pPr lvl="1"/>
             <a:r>
-              <a:rPr kumimoji="1" lang="zh-CN" altLang="en-US" smtClean="0"/>
-              <a:t>二级</a:t>
+              <a:rPr lang="en-US" smtClean="0"/>
+              <a:t>Second level</a:t>
             </a:r>
           </a:p>
           <a:p>
             <a:pPr lvl="2"/>
             <a:r>
-              <a:rPr kumimoji="1" lang="zh-CN" altLang="en-US" smtClean="0"/>
-              <a:t>三级</a:t>
+              <a:rPr lang="en-US" smtClean="0"/>
+              <a:t>Third level</a:t>
             </a:r>
           </a:p>
           <a:p>
             <a:pPr lvl="3"/>
             <a:r>
-              <a:rPr kumimoji="1" lang="zh-CN" altLang="en-US" smtClean="0"/>
-              <a:t>四级</a:t>
+              <a:rPr lang="en-US" smtClean="0"/>
+              <a:t>Fourth level</a:t>
             </a:r>
           </a:p>
           <a:p>
             <a:pPr lvl="4"/>
             <a:r>
-              <a:rPr kumimoji="1" lang="zh-CN" altLang="en-US" smtClean="0"/>
-              <a:t>五级</a:t>
-            </a:r>
-            <a:endParaRPr kumimoji="1" lang="zh-CN" altLang="en-US"/>
-          </a:p>
-        </p:txBody>
-      </p:sp>
-      <p:sp>
-        <p:nvSpPr>
-          <p:cNvPr id="4" name="内容占位符 3"/>
+              <a:rPr lang="en-US" smtClean="0"/>
+              <a:t>Fifth level</a:t>
+            </a:r>
+            <a:endParaRPr lang="en-US" dirty="0"/>
+          </a:p>
+        </p:txBody>
+      </p:sp>
+      <p:sp>
+        <p:nvSpPr>
+          <p:cNvPr id="4" name="Content Placeholder 3"/>
           <p:cNvSpPr>
             <a:spLocks noGrp="1"/>
           </p:cNvSpPr>
@@ -1254,27 +1865,27 @@
         </p:nvSpPr>
         <p:spPr>
           <a:xfrm>
-            <a:off x="4648200" y="1600200"/>
-            <a:ext cx="4038600" cy="4525963"/>
+            <a:off x="4792218" y="2194560"/>
+            <a:ext cx="3657600" cy="3977640"/>
           </a:xfrm>
         </p:spPr>
         <p:txBody>
           <a:bodyPr/>
           <a:lstStyle>
             <a:lvl1pPr>
-              <a:defRPr sz="2800"/>
+              <a:defRPr sz="2000"/>
             </a:lvl1pPr>
             <a:lvl2pPr>
-              <a:defRPr sz="2400"/>
+              <a:defRPr sz="1800"/>
             </a:lvl2pPr>
             <a:lvl3pPr>
-              <a:defRPr sz="2000"/>
+              <a:defRPr sz="1600"/>
             </a:lvl3pPr>
             <a:lvl4pPr>
-              <a:defRPr sz="1800"/>
+              <a:defRPr sz="1600"/>
             </a:lvl4pPr>
             <a:lvl5pPr>
-              <a:defRPr sz="1800"/>
+              <a:defRPr sz="1600"/>
             </a:lvl5pPr>
             <a:lvl6pPr>
               <a:defRPr sz="1800"/>
@@ -1292,44 +1903,44 @@
           <a:p>
             <a:pPr lvl="0"/>
             <a:r>
-              <a:rPr kumimoji="1" lang="zh-CN" altLang="en-US" smtClean="0"/>
-              <a:t>单击此处编辑母版文本样式</a:t>
+              <a:rPr lang="en-US" smtClean="0"/>
+              <a:t>Click to edit Master text styles</a:t>
             </a:r>
           </a:p>
           <a:p>
             <a:pPr lvl="1"/>
             <a:r>
-              <a:rPr kumimoji="1" lang="zh-CN" altLang="en-US" smtClean="0"/>
-              <a:t>二级</a:t>
+              <a:rPr lang="en-US" smtClean="0"/>
+              <a:t>Second level</a:t>
             </a:r>
           </a:p>
           <a:p>
             <a:pPr lvl="2"/>
             <a:r>
-              <a:rPr kumimoji="1" lang="zh-CN" altLang="en-US" smtClean="0"/>
-              <a:t>三级</a:t>
+              <a:rPr lang="en-US" smtClean="0"/>
+              <a:t>Third level</a:t>
             </a:r>
           </a:p>
           <a:p>
             <a:pPr lvl="3"/>
             <a:r>
-              <a:rPr kumimoji="1" lang="zh-CN" altLang="en-US" smtClean="0"/>
-              <a:t>四级</a:t>
+              <a:rPr lang="en-US" smtClean="0"/>
+              <a:t>Fourth level</a:t>
             </a:r>
           </a:p>
           <a:p>
             <a:pPr lvl="4"/>
             <a:r>
-              <a:rPr kumimoji="1" lang="zh-CN" altLang="en-US" smtClean="0"/>
-              <a:t>五级</a:t>
-            </a:r>
-            <a:endParaRPr kumimoji="1" lang="zh-CN" altLang="en-US"/>
-          </a:p>
-        </p:txBody>
-      </p:sp>
-      <p:sp>
-        <p:nvSpPr>
-          <p:cNvPr id="5" name="日期占位符 4"/>
+              <a:rPr lang="en-US" smtClean="0"/>
+              <a:t>Fifth level</a:t>
+            </a:r>
+            <a:endParaRPr lang="en-US" dirty="0"/>
+          </a:p>
+        </p:txBody>
+      </p:sp>
+      <p:sp>
+        <p:nvSpPr>
+          <p:cNvPr id="5" name="Date Placeholder 4"/>
           <p:cNvSpPr>
             <a:spLocks noGrp="1"/>
           </p:cNvSpPr>
@@ -1344,7 +1955,7 @@
           <a:p>
             <a:fld id="{3670AE7C-1FC6-6B47-AD13-08C1FC766250}" type="datetimeFigureOut">
               <a:rPr kumimoji="1" lang="zh-CN" altLang="en-US" smtClean="0"/>
-              <a:t>8/1/17</a:t>
+              <a:t>2017/8/1</a:t>
             </a:fld>
             <a:endParaRPr kumimoji="1" lang="zh-CN" altLang="en-US"/>
           </a:p>
@@ -1352,7 +1963,7 @@
       </p:sp>
       <p:sp>
         <p:nvSpPr>
-          <p:cNvPr id="6" name="页脚占位符 5"/>
+          <p:cNvPr id="6" name="Footer Placeholder 5"/>
           <p:cNvSpPr>
             <a:spLocks noGrp="1"/>
           </p:cNvSpPr>
@@ -1371,7 +1982,7 @@
       </p:sp>
       <p:sp>
         <p:nvSpPr>
-          <p:cNvPr id="7" name="幻灯片编号占位符 6"/>
+          <p:cNvPr id="7" name="Slide Number Placeholder 6"/>
           <p:cNvSpPr>
             <a:spLocks noGrp="1"/>
           </p:cNvSpPr>
@@ -1393,11 +2004,7 @@
         </p:txBody>
       </p:sp>
     </p:spTree>
-    <p:extLst>
-      <p:ext uri="{BB962C8B-B14F-4D97-AF65-F5344CB8AC3E}">
-        <p14:creationId xmlns:p14="http://schemas.microsoft.com/office/powerpoint/2010/main" val="1285167823"/>
-      </p:ext>
-    </p:extLst>
+    <p:extLst/>
   </p:cSld>
   <p:clrMapOvr>
     <a:masterClrMapping/>
@@ -1406,8 +2013,8 @@
 </file>
 
 <file path=ppt/slideLayouts/slideLayout5.xml><?xml version="1.0" encoding="utf-8"?>
-<p:sldLayout xmlns:a="http://schemas.openxmlformats.org/drawingml/2006/main" xmlns:r="http://schemas.openxmlformats.org/officeDocument/2006/relationships" xmlns:p="http://schemas.openxmlformats.org/presentationml/2006/main" type="twoTxTwoObj" preserve="1">
-  <p:cSld name="比较">
+<p:sldLayout xmlns:a="http://schemas.openxmlformats.org/drawingml/2006/main" xmlns:r="http://schemas.openxmlformats.org/officeDocument/2006/relationships" xmlns:p="http://schemas.openxmlformats.org/presentationml/2006/main" preserve="1">
+  <p:cSld name="Comparison">
     <p:spTree>
       <p:nvGrpSpPr>
         <p:cNvPr id="1" name=""/>
@@ -1424,123 +2031,104 @@
       </p:grpSpPr>
       <p:sp>
         <p:nvSpPr>
-          <p:cNvPr id="2" name="标题 1"/>
-          <p:cNvSpPr>
-            <a:spLocks noGrp="1"/>
-          </p:cNvSpPr>
-          <p:nvPr>
-            <p:ph type="title"/>
-          </p:nvPr>
-        </p:nvSpPr>
-        <p:spPr/>
+          <p:cNvPr id="3" name="Text Placeholder 2"/>
+          <p:cNvSpPr>
+            <a:spLocks noGrp="1"/>
+          </p:cNvSpPr>
+          <p:nvPr>
+            <p:ph type="body" idx="1"/>
+          </p:nvPr>
+        </p:nvSpPr>
+        <p:spPr>
+          <a:xfrm>
+            <a:off x="685800" y="2048256"/>
+            <a:ext cx="3657600" cy="640080"/>
+          </a:xfrm>
+        </p:spPr>
+        <p:txBody>
+          <a:bodyPr anchor="ctr">
+            <a:normAutofit/>
+          </a:bodyPr>
+          <a:lstStyle>
+            <a:lvl1pPr marL="0" indent="0">
+              <a:buNone/>
+              <a:defRPr sz="2000" b="1">
+                <a:solidFill>
+                  <a:schemeClr val="accent1">
+                    <a:lumMod val="75000"/>
+                  </a:schemeClr>
+                </a:solidFill>
+              </a:defRPr>
+            </a:lvl1pPr>
+            <a:lvl2pPr marL="457200" indent="0">
+              <a:buNone/>
+              <a:defRPr sz="2000" b="1"/>
+            </a:lvl2pPr>
+            <a:lvl3pPr marL="914400" indent="0">
+              <a:buNone/>
+              <a:defRPr sz="1800" b="1"/>
+            </a:lvl3pPr>
+            <a:lvl4pPr marL="1371600" indent="0">
+              <a:buNone/>
+              <a:defRPr sz="1600" b="1"/>
+            </a:lvl4pPr>
+            <a:lvl5pPr marL="1828800" indent="0">
+              <a:buNone/>
+              <a:defRPr sz="1600" b="1"/>
+            </a:lvl5pPr>
+            <a:lvl6pPr marL="2286000" indent="0">
+              <a:buNone/>
+              <a:defRPr sz="1600" b="1"/>
+            </a:lvl6pPr>
+            <a:lvl7pPr marL="2743200" indent="0">
+              <a:buNone/>
+              <a:defRPr sz="1600" b="1"/>
+            </a:lvl7pPr>
+            <a:lvl8pPr marL="3200400" indent="0">
+              <a:buNone/>
+              <a:defRPr sz="1600" b="1"/>
+            </a:lvl8pPr>
+            <a:lvl9pPr marL="3657600" indent="0">
+              <a:buNone/>
+              <a:defRPr sz="1600" b="1"/>
+            </a:lvl9pPr>
+          </a:lstStyle>
+          <a:p>
+            <a:pPr lvl="0"/>
+            <a:r>
+              <a:rPr lang="en-US" smtClean="0"/>
+              <a:t>Click to edit Master text styles</a:t>
+            </a:r>
+          </a:p>
+        </p:txBody>
+      </p:sp>
+      <p:sp>
+        <p:nvSpPr>
+          <p:cNvPr id="4" name="Content Placeholder 3"/>
+          <p:cNvSpPr>
+            <a:spLocks noGrp="1"/>
+          </p:cNvSpPr>
+          <p:nvPr>
+            <p:ph sz="half" idx="2"/>
+          </p:nvPr>
+        </p:nvSpPr>
+        <p:spPr>
+          <a:xfrm>
+            <a:off x="685800" y="2743200"/>
+            <a:ext cx="3657600" cy="3291840"/>
+          </a:xfrm>
+        </p:spPr>
         <p:txBody>
           <a:bodyPr/>
           <a:lstStyle>
             <a:lvl1pPr>
-              <a:defRPr/>
-            </a:lvl1pPr>
-          </a:lstStyle>
-          <a:p>
-            <a:r>
-              <a:rPr kumimoji="1" lang="zh-CN" altLang="en-US" smtClean="0"/>
-              <a:t>单击此处编辑母版标题样式</a:t>
-            </a:r>
-            <a:endParaRPr kumimoji="1" lang="zh-CN" altLang="en-US"/>
-          </a:p>
-        </p:txBody>
-      </p:sp>
-      <p:sp>
-        <p:nvSpPr>
-          <p:cNvPr id="3" name="文本占位符 2"/>
-          <p:cNvSpPr>
-            <a:spLocks noGrp="1"/>
-          </p:cNvSpPr>
-          <p:nvPr>
-            <p:ph type="body" idx="1"/>
-          </p:nvPr>
-        </p:nvSpPr>
-        <p:spPr>
-          <a:xfrm>
-            <a:off x="457200" y="1535113"/>
-            <a:ext cx="4040188" cy="639762"/>
-          </a:xfrm>
-        </p:spPr>
-        <p:txBody>
-          <a:bodyPr anchor="b"/>
-          <a:lstStyle>
-            <a:lvl1pPr marL="0" indent="0">
-              <a:buNone/>
-              <a:defRPr sz="2400" b="1"/>
-            </a:lvl1pPr>
-            <a:lvl2pPr marL="457200" indent="0">
-              <a:buNone/>
-              <a:defRPr sz="2000" b="1"/>
-            </a:lvl2pPr>
-            <a:lvl3pPr marL="914400" indent="0">
-              <a:buNone/>
-              <a:defRPr sz="1800" b="1"/>
-            </a:lvl3pPr>
-            <a:lvl4pPr marL="1371600" indent="0">
-              <a:buNone/>
-              <a:defRPr sz="1600" b="1"/>
-            </a:lvl4pPr>
-            <a:lvl5pPr marL="1828800" indent="0">
-              <a:buNone/>
-              <a:defRPr sz="1600" b="1"/>
-            </a:lvl5pPr>
-            <a:lvl6pPr marL="2286000" indent="0">
-              <a:buNone/>
-              <a:defRPr sz="1600" b="1"/>
-            </a:lvl6pPr>
-            <a:lvl7pPr marL="2743200" indent="0">
-              <a:buNone/>
-              <a:defRPr sz="1600" b="1"/>
-            </a:lvl7pPr>
-            <a:lvl8pPr marL="3200400" indent="0">
-              <a:buNone/>
-              <a:defRPr sz="1600" b="1"/>
-            </a:lvl8pPr>
-            <a:lvl9pPr marL="3657600" indent="0">
-              <a:buNone/>
-              <a:defRPr sz="1600" b="1"/>
-            </a:lvl9pPr>
-          </a:lstStyle>
-          <a:p>
-            <a:pPr lvl="0"/>
-            <a:r>
-              <a:rPr kumimoji="1" lang="zh-CN" altLang="en-US" smtClean="0"/>
-              <a:t>单击此处编辑母版文本样式</a:t>
-            </a:r>
-          </a:p>
-        </p:txBody>
-      </p:sp>
-      <p:sp>
-        <p:nvSpPr>
-          <p:cNvPr id="4" name="内容占位符 3"/>
-          <p:cNvSpPr>
-            <a:spLocks noGrp="1"/>
-          </p:cNvSpPr>
-          <p:nvPr>
-            <p:ph sz="half" idx="2"/>
-          </p:nvPr>
-        </p:nvSpPr>
-        <p:spPr>
-          <a:xfrm>
-            <a:off x="457200" y="2174875"/>
-            <a:ext cx="4040188" cy="3951288"/>
-          </a:xfrm>
-        </p:spPr>
-        <p:txBody>
-          <a:bodyPr/>
-          <a:lstStyle>
-            <a:lvl1pPr>
-              <a:defRPr sz="2400"/>
+              <a:defRPr sz="2000"/>
             </a:lvl1pPr>
             <a:lvl2pPr>
-              <a:defRPr sz="2000"/>
+              <a:defRPr sz="1800"/>
             </a:lvl2pPr>
             <a:lvl3pPr>
-              <a:defRPr sz="1800"/>
+              <a:defRPr sz="1600"/>
             </a:lvl3pPr>
             <a:lvl4pPr>
               <a:defRPr sz="1600"/>
@@ -1564,44 +2152,44 @@
           <a:p>
             <a:pPr lvl="0"/>
             <a:r>
-              <a:rPr kumimoji="1" lang="zh-CN" altLang="en-US" smtClean="0"/>
-              <a:t>单击此处编辑母版文本样式</a:t>
+              <a:rPr lang="en-US" smtClean="0"/>
+              <a:t>Click to edit Master text styles</a:t>
             </a:r>
           </a:p>
           <a:p>
             <a:pPr lvl="1"/>
             <a:r>
-              <a:rPr kumimoji="1" lang="zh-CN" altLang="en-US" smtClean="0"/>
-              <a:t>二级</a:t>
+              <a:rPr lang="en-US" smtClean="0"/>
+              <a:t>Second level</a:t>
             </a:r>
           </a:p>
           <a:p>
             <a:pPr lvl="2"/>
             <a:r>
-              <a:rPr kumimoji="1" lang="zh-CN" altLang="en-US" smtClean="0"/>
-              <a:t>三级</a:t>
+              <a:rPr lang="en-US" smtClean="0"/>
+              <a:t>Third level</a:t>
             </a:r>
           </a:p>
           <a:p>
             <a:pPr lvl="3"/>
             <a:r>
-              <a:rPr kumimoji="1" lang="zh-CN" altLang="en-US" smtClean="0"/>
-              <a:t>四级</a:t>
+              <a:rPr lang="en-US" smtClean="0"/>
+              <a:t>Fourth level</a:t>
             </a:r>
           </a:p>
           <a:p>
             <a:pPr lvl="4"/>
             <a:r>
-              <a:rPr kumimoji="1" lang="zh-CN" altLang="en-US" smtClean="0"/>
-              <a:t>五级</a:t>
-            </a:r>
-            <a:endParaRPr kumimoji="1" lang="zh-CN" altLang="en-US"/>
-          </a:p>
-        </p:txBody>
-      </p:sp>
-      <p:sp>
-        <p:nvSpPr>
-          <p:cNvPr id="5" name="文本占位符 4"/>
+              <a:rPr lang="en-US" smtClean="0"/>
+              <a:t>Fifth level</a:t>
+            </a:r>
+            <a:endParaRPr lang="en-US" dirty="0"/>
+          </a:p>
+        </p:txBody>
+      </p:sp>
+      <p:sp>
+        <p:nvSpPr>
+          <p:cNvPr id="5" name="Text Placeholder 4"/>
           <p:cNvSpPr>
             <a:spLocks noGrp="1"/>
           </p:cNvSpPr>
@@ -1611,16 +2199,24 @@
         </p:nvSpPr>
         <p:spPr>
           <a:xfrm>
-            <a:off x="4645025" y="1535113"/>
-            <a:ext cx="4041775" cy="639762"/>
+            <a:off x="4820793" y="2048256"/>
+            <a:ext cx="3657600" cy="640080"/>
           </a:xfrm>
         </p:spPr>
         <p:txBody>
-          <a:bodyPr anchor="b"/>
+          <a:bodyPr anchor="ctr">
+            <a:normAutofit/>
+          </a:bodyPr>
           <a:lstStyle>
             <a:lvl1pPr marL="0" indent="0">
               <a:buNone/>
-              <a:defRPr sz="2400" b="1"/>
+              <a:defRPr sz="2000" b="1">
+                <a:solidFill>
+                  <a:schemeClr val="accent1">
+                    <a:lumMod val="75000"/>
+                  </a:schemeClr>
+                </a:solidFill>
+              </a:defRPr>
             </a:lvl1pPr>
             <a:lvl2pPr marL="457200" indent="0">
               <a:buNone/>
@@ -1658,15 +2254,15 @@
           <a:p>
             <a:pPr lvl="0"/>
             <a:r>
-              <a:rPr kumimoji="1" lang="zh-CN" altLang="en-US" smtClean="0"/>
-              <a:t>单击此处编辑母版文本样式</a:t>
-            </a:r>
-          </a:p>
-        </p:txBody>
-      </p:sp>
-      <p:sp>
-        <p:nvSpPr>
-          <p:cNvPr id="6" name="内容占位符 5"/>
+              <a:rPr lang="en-US" smtClean="0"/>
+              <a:t>Click to edit Master text styles</a:t>
+            </a:r>
+          </a:p>
+        </p:txBody>
+      </p:sp>
+      <p:sp>
+        <p:nvSpPr>
+          <p:cNvPr id="6" name="Content Placeholder 5"/>
           <p:cNvSpPr>
             <a:spLocks noGrp="1"/>
           </p:cNvSpPr>
@@ -1676,21 +2272,21 @@
         </p:nvSpPr>
         <p:spPr>
           <a:xfrm>
-            <a:off x="4645025" y="2174875"/>
-            <a:ext cx="4041775" cy="3951288"/>
+            <a:off x="4820793" y="2743200"/>
+            <a:ext cx="3657600" cy="3291840"/>
           </a:xfrm>
         </p:spPr>
         <p:txBody>
           <a:bodyPr/>
           <a:lstStyle>
             <a:lvl1pPr>
-              <a:defRPr sz="2400"/>
+              <a:defRPr sz="2000"/>
             </a:lvl1pPr>
             <a:lvl2pPr>
-              <a:defRPr sz="2000"/>
+              <a:defRPr sz="1800"/>
             </a:lvl2pPr>
             <a:lvl3pPr>
-              <a:defRPr sz="1800"/>
+              <a:defRPr sz="1600"/>
             </a:lvl3pPr>
             <a:lvl4pPr>
               <a:defRPr sz="1600"/>
@@ -1714,44 +2310,44 @@
           <a:p>
             <a:pPr lvl="0"/>
             <a:r>
-              <a:rPr kumimoji="1" lang="zh-CN" altLang="en-US" smtClean="0"/>
-              <a:t>单击此处编辑母版文本样式</a:t>
+              <a:rPr lang="en-US" smtClean="0"/>
+              <a:t>Click to edit Master text styles</a:t>
             </a:r>
           </a:p>
           <a:p>
             <a:pPr lvl="1"/>
             <a:r>
-              <a:rPr kumimoji="1" lang="zh-CN" altLang="en-US" smtClean="0"/>
-              <a:t>二级</a:t>
+              <a:rPr lang="en-US" smtClean="0"/>
+              <a:t>Second level</a:t>
             </a:r>
           </a:p>
           <a:p>
             <a:pPr lvl="2"/>
             <a:r>
-              <a:rPr kumimoji="1" lang="zh-CN" altLang="en-US" smtClean="0"/>
-              <a:t>三级</a:t>
+              <a:rPr lang="en-US" smtClean="0"/>
+              <a:t>Third level</a:t>
             </a:r>
           </a:p>
           <a:p>
             <a:pPr lvl="3"/>
             <a:r>
-              <a:rPr kumimoji="1" lang="zh-CN" altLang="en-US" smtClean="0"/>
-              <a:t>四级</a:t>
+              <a:rPr lang="en-US" smtClean="0"/>
+              <a:t>Fourth level</a:t>
             </a:r>
           </a:p>
           <a:p>
             <a:pPr lvl="4"/>
             <a:r>
-              <a:rPr kumimoji="1" lang="zh-CN" altLang="en-US" smtClean="0"/>
-              <a:t>五级</a:t>
-            </a:r>
-            <a:endParaRPr kumimoji="1" lang="zh-CN" altLang="en-US"/>
-          </a:p>
-        </p:txBody>
-      </p:sp>
-      <p:sp>
-        <p:nvSpPr>
-          <p:cNvPr id="7" name="日期占位符 6"/>
+              <a:rPr lang="en-US" smtClean="0"/>
+              <a:t>Fifth level</a:t>
+            </a:r>
+            <a:endParaRPr lang="en-US" dirty="0"/>
+          </a:p>
+        </p:txBody>
+      </p:sp>
+      <p:sp>
+        <p:nvSpPr>
+          <p:cNvPr id="7" name="Date Placeholder 6"/>
           <p:cNvSpPr>
             <a:spLocks noGrp="1"/>
           </p:cNvSpPr>
@@ -1766,7 +2362,7 @@
           <a:p>
             <a:fld id="{3670AE7C-1FC6-6B47-AD13-08C1FC766250}" type="datetimeFigureOut">
               <a:rPr kumimoji="1" lang="zh-CN" altLang="en-US" smtClean="0"/>
-              <a:t>8/1/17</a:t>
+              <a:t>2017/8/1</a:t>
             </a:fld>
             <a:endParaRPr kumimoji="1" lang="zh-CN" altLang="en-US"/>
           </a:p>
@@ -1774,7 +2370,7 @@
       </p:sp>
       <p:sp>
         <p:nvSpPr>
-          <p:cNvPr id="8" name="页脚占位符 7"/>
+          <p:cNvPr id="8" name="Footer Placeholder 7"/>
           <p:cNvSpPr>
             <a:spLocks noGrp="1"/>
           </p:cNvSpPr>
@@ -1793,7 +2389,7 @@
       </p:sp>
       <p:sp>
         <p:nvSpPr>
-          <p:cNvPr id="9" name="幻灯片编号占位符 8"/>
+          <p:cNvPr id="9" name="Slide Number Placeholder 8"/>
           <p:cNvSpPr>
             <a:spLocks noGrp="1"/>
           </p:cNvSpPr>
@@ -1814,12 +2410,31 @@
           </a:p>
         </p:txBody>
       </p:sp>
+      <p:sp>
+        <p:nvSpPr>
+          <p:cNvPr id="10" name="Title 9"/>
+          <p:cNvSpPr>
+            <a:spLocks noGrp="1"/>
+          </p:cNvSpPr>
+          <p:nvPr>
+            <p:ph type="title"/>
+          </p:nvPr>
+        </p:nvSpPr>
+        <p:spPr/>
+        <p:txBody>
+          <a:bodyPr/>
+          <a:lstStyle/>
+          <a:p>
+            <a:r>
+              <a:rPr lang="en-US" smtClean="0"/>
+              <a:t>Click to edit Master title style</a:t>
+            </a:r>
+            <a:endParaRPr lang="en-US" dirty="0"/>
+          </a:p>
+        </p:txBody>
+      </p:sp>
     </p:spTree>
-    <p:extLst>
-      <p:ext uri="{BB962C8B-B14F-4D97-AF65-F5344CB8AC3E}">
-        <p14:creationId xmlns:p14="http://schemas.microsoft.com/office/powerpoint/2010/main" val="2960749517"/>
-      </p:ext>
-    </p:extLst>
+    <p:extLst/>
   </p:cSld>
   <p:clrMapOvr>
     <a:masterClrMapping/>
@@ -1828,8 +2443,8 @@
 </file>
 
 <file path=ppt/slideLayouts/slideLayout6.xml><?xml version="1.0" encoding="utf-8"?>
-<p:sldLayout xmlns:a="http://schemas.openxmlformats.org/drawingml/2006/main" xmlns:r="http://schemas.openxmlformats.org/officeDocument/2006/relationships" xmlns:p="http://schemas.openxmlformats.org/presentationml/2006/main" type="titleOnly" preserve="1">
-  <p:cSld name="仅标题">
+<p:sldLayout xmlns:a="http://schemas.openxmlformats.org/drawingml/2006/main" xmlns:r="http://schemas.openxmlformats.org/officeDocument/2006/relationships" xmlns:p="http://schemas.openxmlformats.org/presentationml/2006/main" preserve="1">
+  <p:cSld name="Title Only">
     <p:spTree>
       <p:nvGrpSpPr>
         <p:cNvPr id="1" name=""/>
@@ -1846,45 +2461,32 @@
       </p:grpSpPr>
       <p:sp>
         <p:nvSpPr>
-          <p:cNvPr id="2" name="标题 1"/>
-          <p:cNvSpPr>
-            <a:spLocks noGrp="1"/>
-          </p:cNvSpPr>
-          <p:nvPr>
-            <p:ph type="title"/>
+          <p:cNvPr id="3" name="Date Placeholder 2"/>
+          <p:cNvSpPr>
+            <a:spLocks noGrp="1"/>
+          </p:cNvSpPr>
+          <p:nvPr>
+            <p:ph type="dt" sz="half" idx="10"/>
           </p:nvPr>
         </p:nvSpPr>
         <p:spPr/>
         <p:txBody>
           <a:bodyPr/>
-          <a:lstStyle/>
-          <a:p>
-            <a:r>
-              <a:rPr kumimoji="1" lang="zh-CN" altLang="en-US" smtClean="0"/>
-              <a:t>单击此处编辑母版标题样式</a:t>
-            </a:r>
-            <a:endParaRPr kumimoji="1" lang="zh-CN" altLang="en-US"/>
-          </a:p>
-        </p:txBody>
-      </p:sp>
-      <p:sp>
-        <p:nvSpPr>
-          <p:cNvPr id="3" name="日期占位符 2"/>
-          <p:cNvSpPr>
-            <a:spLocks noGrp="1"/>
-          </p:cNvSpPr>
-          <p:nvPr>
-            <p:ph type="dt" sz="half" idx="10"/>
-          </p:nvPr>
-        </p:nvSpPr>
-        <p:spPr/>
-        <p:txBody>
-          <a:bodyPr/>
-          <a:lstStyle/>
+          <a:lstStyle>
+            <a:lvl1pPr>
+              <a:defRPr>
+                <a:solidFill>
+                  <a:schemeClr val="accent1">
+                    <a:lumMod val="50000"/>
+                  </a:schemeClr>
+                </a:solidFill>
+              </a:defRPr>
+            </a:lvl1pPr>
+          </a:lstStyle>
           <a:p>
             <a:fld id="{3670AE7C-1FC6-6B47-AD13-08C1FC766250}" type="datetimeFigureOut">
               <a:rPr kumimoji="1" lang="zh-CN" altLang="en-US" smtClean="0"/>
-              <a:t>8/1/17</a:t>
+              <a:t>2017/8/1</a:t>
             </a:fld>
             <a:endParaRPr kumimoji="1" lang="zh-CN" altLang="en-US"/>
           </a:p>
@@ -1892,7 +2494,7 @@
       </p:sp>
       <p:sp>
         <p:nvSpPr>
-          <p:cNvPr id="4" name="页脚占位符 3"/>
+          <p:cNvPr id="4" name="Footer Placeholder 3"/>
           <p:cNvSpPr>
             <a:spLocks noGrp="1"/>
           </p:cNvSpPr>
@@ -1903,7 +2505,17 @@
         <p:spPr/>
         <p:txBody>
           <a:bodyPr/>
-          <a:lstStyle/>
+          <a:lstStyle>
+            <a:lvl1pPr>
+              <a:defRPr>
+                <a:solidFill>
+                  <a:schemeClr val="accent1">
+                    <a:lumMod val="50000"/>
+                  </a:schemeClr>
+                </a:solidFill>
+              </a:defRPr>
+            </a:lvl1pPr>
+          </a:lstStyle>
           <a:p>
             <a:endParaRPr kumimoji="1" lang="zh-CN" altLang="en-US"/>
           </a:p>
@@ -1911,7 +2523,7 @@
       </p:sp>
       <p:sp>
         <p:nvSpPr>
-          <p:cNvPr id="5" name="幻灯片编号占位符 4"/>
+          <p:cNvPr id="5" name="Slide Number Placeholder 4"/>
           <p:cNvSpPr>
             <a:spLocks noGrp="1"/>
           </p:cNvSpPr>
@@ -1932,12 +2544,31 @@
           </a:p>
         </p:txBody>
       </p:sp>
+      <p:sp>
+        <p:nvSpPr>
+          <p:cNvPr id="6" name="Title 5"/>
+          <p:cNvSpPr>
+            <a:spLocks noGrp="1"/>
+          </p:cNvSpPr>
+          <p:nvPr>
+            <p:ph type="title"/>
+          </p:nvPr>
+        </p:nvSpPr>
+        <p:spPr/>
+        <p:txBody>
+          <a:bodyPr/>
+          <a:lstStyle/>
+          <a:p>
+            <a:r>
+              <a:rPr lang="en-US" smtClean="0"/>
+              <a:t>Click to edit Master title style</a:t>
+            </a:r>
+            <a:endParaRPr lang="en-US"/>
+          </a:p>
+        </p:txBody>
+      </p:sp>
     </p:spTree>
-    <p:extLst>
-      <p:ext uri="{BB962C8B-B14F-4D97-AF65-F5344CB8AC3E}">
-        <p14:creationId xmlns:p14="http://schemas.microsoft.com/office/powerpoint/2010/main" val="352590108"/>
-      </p:ext>
-    </p:extLst>
+    <p:extLst/>
   </p:cSld>
   <p:clrMapOvr>
     <a:masterClrMapping/>
@@ -1947,7 +2578,7 @@
 
 <file path=ppt/slideLayouts/slideLayout7.xml><?xml version="1.0" encoding="utf-8"?>
 <p:sldLayout xmlns:a="http://schemas.openxmlformats.org/drawingml/2006/main" xmlns:r="http://schemas.openxmlformats.org/officeDocument/2006/relationships" xmlns:p="http://schemas.openxmlformats.org/presentationml/2006/main" type="blank" preserve="1">
-  <p:cSld name="空白">
+  <p:cSld name="Blank">
     <p:spTree>
       <p:nvGrpSpPr>
         <p:cNvPr id="1" name=""/>
@@ -1964,7 +2595,7 @@
       </p:grpSpPr>
       <p:sp>
         <p:nvSpPr>
-          <p:cNvPr id="2" name="日期占位符 1"/>
+          <p:cNvPr id="2" name="Date Placeholder 1"/>
           <p:cNvSpPr>
             <a:spLocks noGrp="1"/>
           </p:cNvSpPr>
@@ -1979,7 +2610,7 @@
           <a:p>
             <a:fld id="{3670AE7C-1FC6-6B47-AD13-08C1FC766250}" type="datetimeFigureOut">
               <a:rPr kumimoji="1" lang="zh-CN" altLang="en-US" smtClean="0"/>
-              <a:t>8/1/17</a:t>
+              <a:t>2017/8/1</a:t>
             </a:fld>
             <a:endParaRPr kumimoji="1" lang="zh-CN" altLang="en-US"/>
           </a:p>
@@ -1987,7 +2618,7 @@
       </p:sp>
       <p:sp>
         <p:nvSpPr>
-          <p:cNvPr id="3" name="页脚占位符 2"/>
+          <p:cNvPr id="3" name="Footer Placeholder 2"/>
           <p:cNvSpPr>
             <a:spLocks noGrp="1"/>
           </p:cNvSpPr>
@@ -2006,7 +2637,7 @@
       </p:sp>
       <p:sp>
         <p:nvSpPr>
-          <p:cNvPr id="4" name="幻灯片编号占位符 3"/>
+          <p:cNvPr id="4" name="Slide Number Placeholder 3"/>
           <p:cNvSpPr>
             <a:spLocks noGrp="1"/>
           </p:cNvSpPr>
@@ -2028,11 +2659,7 @@
         </p:txBody>
       </p:sp>
     </p:spTree>
-    <p:extLst>
-      <p:ext uri="{BB962C8B-B14F-4D97-AF65-F5344CB8AC3E}">
-        <p14:creationId xmlns:p14="http://schemas.microsoft.com/office/powerpoint/2010/main" val="3541229597"/>
-      </p:ext>
-    </p:extLst>
+    <p:extLst/>
   </p:cSld>
   <p:clrMapOvr>
     <a:masterClrMapping/>
@@ -2041,8 +2668,8 @@
 </file>
 
 <file path=ppt/slideLayouts/slideLayout8.xml><?xml version="1.0" encoding="utf-8"?>
-<p:sldLayout xmlns:a="http://schemas.openxmlformats.org/drawingml/2006/main" xmlns:r="http://schemas.openxmlformats.org/officeDocument/2006/relationships" xmlns:p="http://schemas.openxmlformats.org/presentationml/2006/main" type="objTx" preserve="1">
-  <p:cSld name="内容与标题">
+<p:sldLayout xmlns:a="http://schemas.openxmlformats.org/drawingml/2006/main" xmlns:r="http://schemas.openxmlformats.org/officeDocument/2006/relationships" xmlns:p="http://schemas.openxmlformats.org/presentationml/2006/main" showMasterSp="0" type="objTx" preserve="1">
+  <p:cSld name="Content with Caption">
     <p:spTree>
       <p:nvGrpSpPr>
         <p:cNvPr id="1" name=""/>
@@ -2059,39 +2686,106 @@
       </p:grpSpPr>
       <p:sp>
         <p:nvSpPr>
-          <p:cNvPr id="2" name="标题 1"/>
-          <p:cNvSpPr>
-            <a:spLocks noGrp="1"/>
-          </p:cNvSpPr>
-          <p:nvPr>
-            <p:ph type="title"/>
-          </p:nvPr>
+          <p:cNvPr id="8" name="Rectangle 7"/>
+          <p:cNvSpPr/>
+          <p:nvPr/>
         </p:nvSpPr>
         <p:spPr>
           <a:xfrm>
-            <a:off x="457200" y="273050"/>
-            <a:ext cx="3008313" cy="1162050"/>
+            <a:off x="6227806" y="1"/>
+            <a:ext cx="2916194" cy="6857999"/>
+          </a:xfrm>
+          <a:prstGeom prst="rect">
+            <a:avLst/>
+          </a:prstGeom>
+          <a:blipFill dpi="0" rotWithShape="1">
+            <a:blip r:embed="rId2">
+              <a:alphaModFix amt="60000"/>
+              <a:lum bright="70000" contrast="-70000"/>
+              <a:extLst>
+                <a:ext uri="{BEBA8EAE-BF5A-486C-A8C5-ECC9F3942E4B}">
+                  <a14:imgProps xmlns:a14="http://schemas.microsoft.com/office/drawing/2010/main">
+                    <a14:imgLayer r:embed="rId3">
+                      <a14:imgEffect>
+                        <a14:sharpenSoften amount="61000"/>
+                      </a14:imgEffect>
+                    </a14:imgLayer>
+                  </a14:imgProps>
+                </a:ext>
+                <a:ext uri="{28A0092B-C50C-407E-A947-70E740481C1C}">
+                  <a14:useLocalDpi xmlns:a14="http://schemas.microsoft.com/office/drawing/2010/main" val="0"/>
+                </a:ext>
+              </a:extLst>
+            </a:blip>
+            <a:srcRect/>
+            <a:tile tx="0" ty="-704850" sx="92000" sy="89000" flip="xy" algn="ctr"/>
+          </a:blipFill>
+          <a:ln>
+            <a:noFill/>
+          </a:ln>
+        </p:spPr>
+        <p:style>
+          <a:lnRef idx="2">
+            <a:schemeClr val="accent1">
+              <a:shade val="50000"/>
+            </a:schemeClr>
+          </a:lnRef>
+          <a:fillRef idx="1">
+            <a:schemeClr val="accent1"/>
+          </a:fillRef>
+          <a:effectRef idx="0">
+            <a:schemeClr val="accent1"/>
+          </a:effectRef>
+          <a:fontRef idx="minor">
+            <a:schemeClr val="lt1"/>
+          </a:fontRef>
+        </p:style>
+        <p:txBody>
+          <a:bodyPr rtlCol="0" anchor="ctr"/>
+          <a:lstStyle/>
+          <a:p>
+            <a:pPr algn="ctr"/>
+            <a:endParaRPr lang="en-US" dirty="0"/>
+          </a:p>
+        </p:txBody>
+      </p:sp>
+      <p:sp>
+        <p:nvSpPr>
+          <p:cNvPr id="2" name="Title 1"/>
+          <p:cNvSpPr>
+            <a:spLocks noGrp="1"/>
+          </p:cNvSpPr>
+          <p:nvPr>
+            <p:ph type="title"/>
+          </p:nvPr>
+        </p:nvSpPr>
+        <p:spPr>
+          <a:xfrm>
+            <a:off x="6412230" y="685800"/>
+            <a:ext cx="2400300" cy="1737360"/>
           </a:xfrm>
         </p:spPr>
         <p:txBody>
-          <a:bodyPr anchor="b"/>
+          <a:bodyPr anchor="b">
+            <a:normAutofit/>
+          </a:bodyPr>
           <a:lstStyle>
-            <a:lvl1pPr algn="l">
-              <a:defRPr sz="2000" b="1"/>
+            <a:lvl1pPr>
+              <a:defRPr sz="2800" b="0"/>
             </a:lvl1pPr>
           </a:lstStyle>
           <a:p>
             <a:r>
-              <a:rPr kumimoji="1" lang="zh-CN" altLang="en-US" smtClean="0"/>
-              <a:t>单击此处编辑母版标题样式</a:t>
-            </a:r>
-            <a:endParaRPr kumimoji="1" lang="zh-CN" altLang="en-US"/>
-          </a:p>
-        </p:txBody>
-      </p:sp>
-      <p:sp>
-        <p:nvSpPr>
-          <p:cNvPr id="3" name="内容占位符 2"/>
+              <a:rPr lang="en-US" smtClean="0"/>
+              <a:t>Click to edit Master title style</a:t>
+            </a:r>
+            <a:endParaRPr lang="en-US" dirty="0"/>
+          </a:p>
+        </p:txBody>
+      </p:sp>
+      <p:sp>
+        <p:nvSpPr>
+          <p:cNvPr id="3" name="Content Placeholder 2"/>
           <p:cNvSpPr>
             <a:spLocks noGrp="1"/>
           </p:cNvSpPr>
@@ -2101,27 +2795,27 @@
         </p:nvSpPr>
         <p:spPr>
           <a:xfrm>
-            <a:off x="3575050" y="273050"/>
-            <a:ext cx="5111750" cy="5853113"/>
+            <a:off x="628650" y="685800"/>
+            <a:ext cx="5033772" cy="5020056"/>
           </a:xfrm>
         </p:spPr>
         <p:txBody>
           <a:bodyPr/>
           <a:lstStyle>
             <a:lvl1pPr>
-              <a:defRPr sz="3200"/>
+              <a:defRPr sz="2000"/>
             </a:lvl1pPr>
             <a:lvl2pPr>
-              <a:defRPr sz="2800"/>
+              <a:defRPr sz="1800"/>
             </a:lvl2pPr>
             <a:lvl3pPr>
-              <a:defRPr sz="2400"/>
+              <a:defRPr sz="1600"/>
             </a:lvl3pPr>
             <a:lvl4pPr>
-              <a:defRPr sz="2000"/>
+              <a:defRPr sz="1600"/>
             </a:lvl4pPr>
             <a:lvl5pPr>
-              <a:defRPr sz="2000"/>
+              <a:defRPr sz="1600"/>
             </a:lvl5pPr>
             <a:lvl6pPr>
               <a:defRPr sz="2000"/>
@@ -2139,44 +2833,44 @@
           <a:p>
             <a:pPr lvl="0"/>
             <a:r>
-              <a:rPr kumimoji="1" lang="zh-CN" altLang="en-US" smtClean="0"/>
-              <a:t>单击此处编辑母版文本样式</a:t>
+              <a:rPr lang="en-US" smtClean="0"/>
+              <a:t>Click to edit Master text styles</a:t>
             </a:r>
           </a:p>
           <a:p>
             <a:pPr lvl="1"/>
             <a:r>
-              <a:rPr kumimoji="1" lang="zh-CN" altLang="en-US" smtClean="0"/>
-              <a:t>二级</a:t>
+              <a:rPr lang="en-US" smtClean="0"/>
+              <a:t>Second level</a:t>
             </a:r>
           </a:p>
           <a:p>
             <a:pPr lvl="2"/>
             <a:r>
-              <a:rPr kumimoji="1" lang="zh-CN" altLang="en-US" smtClean="0"/>
-              <a:t>三级</a:t>
+              <a:rPr lang="en-US" smtClean="0"/>
+              <a:t>Third level</a:t>
             </a:r>
           </a:p>
           <a:p>
             <a:pPr lvl="3"/>
             <a:r>
-              <a:rPr kumimoji="1" lang="zh-CN" altLang="en-US" smtClean="0"/>
-              <a:t>四级</a:t>
+              <a:rPr lang="en-US" smtClean="0"/>
+              <a:t>Fourth level</a:t>
             </a:r>
           </a:p>
           <a:p>
             <a:pPr lvl="4"/>
             <a:r>
-              <a:rPr kumimoji="1" lang="zh-CN" altLang="en-US" smtClean="0"/>
-              <a:t>五级</a:t>
-            </a:r>
-            <a:endParaRPr kumimoji="1" lang="zh-CN" altLang="en-US"/>
-          </a:p>
-        </p:txBody>
-      </p:sp>
-      <p:sp>
-        <p:nvSpPr>
-          <p:cNvPr id="4" name="文本占位符 3"/>
+              <a:rPr lang="en-US" smtClean="0"/>
+              <a:t>Fifth level</a:t>
+            </a:r>
+            <a:endParaRPr lang="en-US" dirty="0"/>
+          </a:p>
+        </p:txBody>
+      </p:sp>
+      <p:sp>
+        <p:nvSpPr>
+          <p:cNvPr id="4" name="Text Placeholder 3"/>
           <p:cNvSpPr>
             <a:spLocks noGrp="1"/>
           </p:cNvSpPr>
@@ -2186,16 +2880,30 @@
         </p:nvSpPr>
         <p:spPr>
           <a:xfrm>
-            <a:off x="457200" y="1435100"/>
-            <a:ext cx="3008313" cy="4691063"/>
+            <a:off x="6412230" y="2423160"/>
+            <a:ext cx="2400300" cy="3291840"/>
           </a:xfrm>
         </p:spPr>
         <p:txBody>
-          <a:bodyPr/>
+          <a:bodyPr>
+            <a:normAutofit/>
+          </a:bodyPr>
           <a:lstStyle>
             <a:lvl1pPr marL="0" indent="0">
-              <a:buNone/>
-              <a:defRPr sz="1400"/>
+              <a:lnSpc>
+                <a:spcPct val="100000"/>
+              </a:lnSpc>
+              <a:spcBef>
+                <a:spcPts val="1000"/>
+              </a:spcBef>
+              <a:buNone/>
+              <a:defRPr sz="1350">
+                <a:solidFill>
+                  <a:schemeClr val="accent1">
+                    <a:lumMod val="50000"/>
+                  </a:schemeClr>
+                </a:solidFill>
+              </a:defRPr>
             </a:lvl1pPr>
             <a:lvl2pPr marL="457200" indent="0">
               <a:buNone/>
@@ -2233,15 +2941,180 @@
           <a:p>
             <a:pPr lvl="0"/>
             <a:r>
-              <a:rPr kumimoji="1" lang="zh-CN" altLang="en-US" smtClean="0"/>
-              <a:t>单击此处编辑母版文本样式</a:t>
-            </a:r>
-          </a:p>
-        </p:txBody>
-      </p:sp>
-      <p:sp>
-        <p:nvSpPr>
-          <p:cNvPr id="5" name="日期占位符 4"/>
+              <a:rPr lang="en-US" smtClean="0"/>
+              <a:t>Click to edit Master text styles</a:t>
+            </a:r>
+          </a:p>
+        </p:txBody>
+      </p:sp>
+      <p:grpSp>
+        <p:nvGrpSpPr>
+          <p:cNvPr id="12" name="Group 11"/>
+          <p:cNvGrpSpPr/>
+          <p:nvPr/>
+        </p:nvGrpSpPr>
+        <p:grpSpPr>
+          <a:xfrm>
+            <a:off x="8522664" y="6255258"/>
+            <a:ext cx="393192" cy="393192"/>
+            <a:chOff x="8532189" y="5068824"/>
+            <a:chExt cx="393192" cy="393192"/>
+          </a:xfrm>
+        </p:grpSpPr>
+        <p:sp>
+          <p:nvSpPr>
+            <p:cNvPr id="13" name="Oval 12"/>
+            <p:cNvSpPr>
+              <a:spLocks noChangeAspect="1"/>
+            </p:cNvSpPr>
+            <p:nvPr/>
+          </p:nvSpPr>
+          <p:spPr>
+            <a:xfrm>
+              <a:off x="8532189" y="5068824"/>
+              <a:ext cx="393192" cy="393192"/>
+            </a:xfrm>
+            <a:prstGeom prst="ellipse">
+              <a:avLst/>
+            </a:prstGeom>
+            <a:blipFill dpi="0" rotWithShape="1">
+              <a:blip r:embed="rId4">
+                <a:duotone>
+                  <a:schemeClr val="accent1">
+                    <a:shade val="45000"/>
+                    <a:satMod val="135000"/>
+                  </a:schemeClr>
+                  <a:prstClr val="white"/>
+                </a:duotone>
+                <a:extLst>
+                  <a:ext uri="{BEBA8EAE-BF5A-486C-A8C5-ECC9F3942E4B}">
+                    <a14:imgProps xmlns:a14="http://schemas.microsoft.com/office/drawing/2010/main">
+                      <a14:imgLayer r:embed="rId5">
+                        <a14:imgEffect>
+                          <a14:saturation sat="95000"/>
+                        </a14:imgEffect>
+                        <a14:imgEffect>
+                          <a14:brightnessContrast bright="-40000" contrast="20000"/>
+                        </a14:imgEffect>
+                      </a14:imgLayer>
+                    </a14:imgProps>
+                  </a:ext>
+                </a:extLst>
+              </a:blip>
+              <a:srcRect/>
+              <a:tile tx="50800" ty="0" sx="85000" sy="85000" flip="none" algn="tl"/>
+            </a:blipFill>
+            <a:ln w="25400" cap="flat" cmpd="sng" algn="ctr">
+              <a:noFill/>
+              <a:prstDash val="solid"/>
+            </a:ln>
+            <a:effectLst/>
+          </p:spPr>
+          <p:txBody>
+            <a:bodyPr lIns="0" tIns="0" rIns="0" bIns="0" rtlCol="0" anchor="ctr"/>
+            <a:lstStyle/>
+            <a:p>
+              <a:pPr marL="0" marR="0" lvl="0" indent="0" algn="ctr" defTabSz="914400" eaLnBrk="1" fontAlgn="auto" latinLnBrk="0" hangingPunct="1">
+                <a:lnSpc>
+                  <a:spcPct val="100000"/>
+                </a:lnSpc>
+                <a:spcBef>
+                  <a:spcPts val="0"/>
+                </a:spcBef>
+                <a:spcAft>
+                  <a:spcPts val="0"/>
+                </a:spcAft>
+                <a:buClrTx/>
+                <a:buSzTx/>
+                <a:buFontTx/>
+                <a:buNone/>
+                <a:tabLst/>
+                <a:defRPr/>
+              </a:pPr>
+              <a:endParaRPr kumimoji="0" lang="en-US" sz="2000" b="0" i="0" u="none" strike="noStrike" kern="0" cap="none" spc="0" normalizeH="0" baseline="0" noProof="0" dirty="0">
+                <a:ln>
+                  <a:noFill/>
+                </a:ln>
+                <a:solidFill>
+                  <a:prstClr val="white"/>
+                </a:solidFill>
+                <a:effectLst/>
+                <a:uLnTx/>
+                <a:uFillTx/>
+                <a:latin typeface="Rockwell Extra Bold" pitchFamily="18" charset="0"/>
+                <a:ea typeface="+mn-ea"/>
+                <a:cs typeface="+mn-cs"/>
+              </a:endParaRPr>
+            </a:p>
+          </p:txBody>
+        </p:sp>
+        <p:sp>
+          <p:nvSpPr>
+            <p:cNvPr id="14" name="Oval 13"/>
+            <p:cNvSpPr>
+              <a:spLocks noChangeAspect="1"/>
+            </p:cNvSpPr>
+            <p:nvPr/>
+          </p:nvSpPr>
+          <p:spPr>
+            <a:xfrm>
+              <a:off x="8568766" y="5105400"/>
+              <a:ext cx="320039" cy="320040"/>
+            </a:xfrm>
+            <a:prstGeom prst="ellipse">
+              <a:avLst/>
+            </a:prstGeom>
+            <a:noFill/>
+            <a:ln w="12700" cap="flat" cmpd="sng" algn="ctr">
+              <a:solidFill>
+                <a:srgbClr val="FFFFFF"/>
+              </a:solidFill>
+              <a:prstDash val="solid"/>
+            </a:ln>
+            <a:effectLst/>
+          </p:spPr>
+          <p:txBody>
+            <a:bodyPr rtlCol="0" anchor="ctr"/>
+            <a:lstStyle/>
+            <a:p>
+              <a:pPr marL="0" marR="0" lvl="0" indent="0" algn="ctr" defTabSz="914400" eaLnBrk="1" fontAlgn="auto" latinLnBrk="0" hangingPunct="1">
+                <a:lnSpc>
+                  <a:spcPct val="100000"/>
+                </a:lnSpc>
+                <a:spcBef>
+                  <a:spcPts val="0"/>
+                </a:spcBef>
+                <a:spcAft>
+                  <a:spcPts val="0"/>
+                </a:spcAft>
+                <a:buClrTx/>
+                <a:buSzTx/>
+                <a:buFontTx/>
+                <a:buNone/>
+                <a:tabLst/>
+                <a:defRPr/>
+              </a:pPr>
+              <a:endParaRPr kumimoji="0" lang="en-US" sz="1800" b="0" i="0" u="none" strike="noStrike" kern="0" cap="none" spc="0" normalizeH="0" baseline="0" noProof="0" dirty="0">
+                <a:ln>
+                  <a:noFill/>
+                </a:ln>
+                <a:solidFill>
+                  <a:prstClr val="white"/>
+                </a:solidFill>
+                <a:effectLst/>
+                <a:uLnTx/>
+                <a:uFillTx/>
+                <a:latin typeface="Calibri"/>
+                <a:ea typeface="+mn-ea"/>
+                <a:cs typeface="+mn-cs"/>
+              </a:endParaRPr>
+            </a:p>
+          </p:txBody>
+        </p:sp>
+      </p:grpSp>
+      <p:sp>
+        <p:nvSpPr>
+          <p:cNvPr id="9" name="Date Placeholder 8"/>
           <p:cNvSpPr>
             <a:spLocks noGrp="1"/>
           </p:cNvSpPr>
@@ -2256,7 +3129,7 @@
           <a:p>
             <a:fld id="{3670AE7C-1FC6-6B47-AD13-08C1FC766250}" type="datetimeFigureOut">
               <a:rPr kumimoji="1" lang="zh-CN" altLang="en-US" smtClean="0"/>
-              <a:t>8/1/17</a:t>
+              <a:t>2017/8/1</a:t>
             </a:fld>
             <a:endParaRPr kumimoji="1" lang="zh-CN" altLang="en-US"/>
           </a:p>
@@ -2264,7 +3137,7 @@
       </p:sp>
       <p:sp>
         <p:nvSpPr>
-          <p:cNvPr id="6" name="页脚占位符 5"/>
+          <p:cNvPr id="10" name="Footer Placeholder 9"/>
           <p:cNvSpPr>
             <a:spLocks noGrp="1"/>
           </p:cNvSpPr>
@@ -2283,7 +3156,7 @@
       </p:sp>
       <p:sp>
         <p:nvSpPr>
-          <p:cNvPr id="7" name="幻灯片编号占位符 6"/>
+          <p:cNvPr id="11" name="Slide Number Placeholder 10"/>
           <p:cNvSpPr>
             <a:spLocks noGrp="1"/>
           </p:cNvSpPr>
@@ -2305,11 +3178,7 @@
         </p:txBody>
       </p:sp>
     </p:spTree>
-    <p:extLst>
-      <p:ext uri="{BB962C8B-B14F-4D97-AF65-F5344CB8AC3E}">
-        <p14:creationId xmlns:p14="http://schemas.microsoft.com/office/powerpoint/2010/main" val="4084412432"/>
-      </p:ext>
-    </p:extLst>
+    <p:extLst/>
   </p:cSld>
   <p:clrMapOvr>
     <a:masterClrMapping/>
@@ -2318,8 +3187,8 @@
 </file>
 
 <file path=ppt/slideLayouts/slideLayout9.xml><?xml version="1.0" encoding="utf-8"?>
-<p:sldLayout xmlns:a="http://schemas.openxmlformats.org/drawingml/2006/main" xmlns:r="http://schemas.openxmlformats.org/officeDocument/2006/relationships" xmlns:p="http://schemas.openxmlformats.org/presentationml/2006/main" type="picTx" preserve="1">
-  <p:cSld name="图片与标题">
+<p:sldLayout xmlns:a="http://schemas.openxmlformats.org/drawingml/2006/main" xmlns:r="http://schemas.openxmlformats.org/officeDocument/2006/relationships" xmlns:p="http://schemas.openxmlformats.org/presentationml/2006/main" showMasterSp="0" type="picTx" preserve="1">
+  <p:cSld name="Picture with Caption">
     <p:spTree>
       <p:nvGrpSpPr>
         <p:cNvPr id="1" name=""/>
@@ -2336,39 +3205,106 @@
       </p:grpSpPr>
       <p:sp>
         <p:nvSpPr>
-          <p:cNvPr id="2" name="标题 1"/>
-          <p:cNvSpPr>
-            <a:spLocks noGrp="1"/>
-          </p:cNvSpPr>
-          <p:nvPr>
-            <p:ph type="title"/>
-          </p:nvPr>
+          <p:cNvPr id="11" name="Rectangle 10"/>
+          <p:cNvSpPr/>
+          <p:nvPr/>
         </p:nvSpPr>
         <p:spPr>
           <a:xfrm>
-            <a:off x="1792288" y="4800600"/>
-            <a:ext cx="5486400" cy="566738"/>
+            <a:off x="6227806" y="1"/>
+            <a:ext cx="2916194" cy="6857999"/>
+          </a:xfrm>
+          <a:prstGeom prst="rect">
+            <a:avLst/>
+          </a:prstGeom>
+          <a:blipFill dpi="0" rotWithShape="1">
+            <a:blip r:embed="rId2">
+              <a:alphaModFix amt="60000"/>
+              <a:lum bright="70000" contrast="-70000"/>
+              <a:extLst>
+                <a:ext uri="{BEBA8EAE-BF5A-486C-A8C5-ECC9F3942E4B}">
+                  <a14:imgProps xmlns:a14="http://schemas.microsoft.com/office/drawing/2010/main">
+                    <a14:imgLayer r:embed="rId3">
+                      <a14:imgEffect>
+                        <a14:sharpenSoften amount="61000"/>
+                      </a14:imgEffect>
+                    </a14:imgLayer>
+                  </a14:imgProps>
+                </a:ext>
+                <a:ext uri="{28A0092B-C50C-407E-A947-70E740481C1C}">
+                  <a14:useLocalDpi xmlns:a14="http://schemas.microsoft.com/office/drawing/2010/main" val="0"/>
+                </a:ext>
+              </a:extLst>
+            </a:blip>
+            <a:srcRect/>
+            <a:tile tx="0" ty="-704850" sx="92000" sy="89000" flip="xy" algn="ctr"/>
+          </a:blipFill>
+          <a:ln>
+            <a:noFill/>
+          </a:ln>
+        </p:spPr>
+        <p:style>
+          <a:lnRef idx="2">
+            <a:schemeClr val="accent1">
+              <a:shade val="50000"/>
+            </a:schemeClr>
+          </a:lnRef>
+          <a:fillRef idx="1">
+            <a:schemeClr val="accent1"/>
+          </a:fillRef>
+          <a:effectRef idx="0">
+            <a:schemeClr val="accent1"/>
+          </a:effectRef>
+          <a:fontRef idx="minor">
+            <a:schemeClr val="lt1"/>
+          </a:fontRef>
+        </p:style>
+        <p:txBody>
+          <a:bodyPr rtlCol="0" anchor="ctr"/>
+          <a:lstStyle/>
+          <a:p>
+            <a:pPr algn="ctr"/>
+            <a:endParaRPr lang="en-US"/>
+          </a:p>
+        </p:txBody>
+      </p:sp>
+      <p:sp>
+        <p:nvSpPr>
+          <p:cNvPr id="2" name="Title 1"/>
+          <p:cNvSpPr>
+            <a:spLocks noGrp="1"/>
+          </p:cNvSpPr>
+          <p:nvPr>
+            <p:ph type="title"/>
+          </p:nvPr>
+        </p:nvSpPr>
+        <p:spPr>
+          <a:xfrm>
+            <a:off x="6412230" y="685800"/>
+            <a:ext cx="2400300" cy="1737360"/>
           </a:xfrm>
         </p:spPr>
         <p:txBody>
-          <a:bodyPr anchor="b"/>
+          <a:bodyPr anchor="b">
+            <a:normAutofit/>
+          </a:bodyPr>
           <a:lstStyle>
-            <a:lvl1pPr algn="l">
-              <a:defRPr sz="2000" b="1"/>
+            <a:lvl1pPr>
+              <a:defRPr sz="2800" b="0"/>
             </a:lvl1pPr>
           </a:lstStyle>
           <a:p>
             <a:r>
-              <a:rPr kumimoji="1" lang="zh-CN" altLang="en-US" smtClean="0"/>
-              <a:t>单击此处编辑母版标题样式</a:t>
-            </a:r>
-            <a:endParaRPr kumimoji="1" lang="zh-CN" altLang="en-US"/>
-          </a:p>
-        </p:txBody>
-      </p:sp>
-      <p:sp>
-        <p:nvSpPr>
-          <p:cNvPr id="3" name="图片占位符 2"/>
+              <a:rPr lang="en-US" smtClean="0"/>
+              <a:t>Click to edit Master title style</a:t>
+            </a:r>
+            <a:endParaRPr lang="en-US" dirty="0"/>
+          </a:p>
+        </p:txBody>
+      </p:sp>
+      <p:sp>
+        <p:nvSpPr>
+          <p:cNvPr id="3" name="Picture Placeholder 2"/>
           <p:cNvSpPr>
             <a:spLocks noGrp="1"/>
           </p:cNvSpPr>
@@ -2378,9 +3314,15 @@
         </p:nvSpPr>
         <p:spPr>
           <a:xfrm>
-            <a:off x="1792288" y="612775"/>
-            <a:ext cx="5486400" cy="4114800"/>
+            <a:off x="0" y="0"/>
+            <a:ext cx="6227805" cy="6858000"/>
           </a:xfrm>
+          <a:solidFill>
+            <a:schemeClr val="tx2">
+              <a:lumMod val="20000"/>
+              <a:lumOff val="80000"/>
+            </a:schemeClr>
+          </a:solidFill>
         </p:spPr>
         <p:txBody>
           <a:bodyPr/>
@@ -2423,13 +3365,17 @@
             </a:lvl9pPr>
           </a:lstStyle>
           <a:p>
-            <a:endParaRPr kumimoji="1" lang="zh-CN" altLang="en-US"/>
-          </a:p>
-        </p:txBody>
-      </p:sp>
-      <p:sp>
-        <p:nvSpPr>
-          <p:cNvPr id="4" name="文本占位符 3"/>
+            <a:r>
+              <a:rPr lang="en-US" smtClean="0"/>
+              <a:t>Drag picture to placeholder or click icon to add</a:t>
+            </a:r>
+            <a:endParaRPr lang="en-US" dirty="0"/>
+          </a:p>
+        </p:txBody>
+      </p:sp>
+      <p:sp>
+        <p:nvSpPr>
+          <p:cNvPr id="4" name="Text Placeholder 3"/>
           <p:cNvSpPr>
             <a:spLocks noGrp="1"/>
           </p:cNvSpPr>
@@ -2439,16 +3385,30 @@
         </p:nvSpPr>
         <p:spPr>
           <a:xfrm>
-            <a:off x="1792288" y="5367338"/>
-            <a:ext cx="5486400" cy="804862"/>
+            <a:off x="6412230" y="2423160"/>
+            <a:ext cx="2400300" cy="3291840"/>
           </a:xfrm>
         </p:spPr>
         <p:txBody>
-          <a:bodyPr/>
+          <a:bodyPr>
+            <a:normAutofit/>
+          </a:bodyPr>
           <a:lstStyle>
             <a:lvl1pPr marL="0" indent="0">
-              <a:buNone/>
-              <a:defRPr sz="1400"/>
+              <a:lnSpc>
+                <a:spcPct val="100000"/>
+              </a:lnSpc>
+              <a:spcBef>
+                <a:spcPts val="1000"/>
+              </a:spcBef>
+              <a:buNone/>
+              <a:defRPr sz="1350">
+                <a:solidFill>
+                  <a:schemeClr val="accent1">
+                    <a:lumMod val="50000"/>
+                  </a:schemeClr>
+                </a:solidFill>
+              </a:defRPr>
             </a:lvl1pPr>
             <a:lvl2pPr marL="457200" indent="0">
               <a:buNone/>
@@ -2486,15 +3446,180 @@
           <a:p>
             <a:pPr lvl="0"/>
             <a:r>
-              <a:rPr kumimoji="1" lang="zh-CN" altLang="en-US" smtClean="0"/>
-              <a:t>单击此处编辑母版文本样式</a:t>
-            </a:r>
-          </a:p>
-        </p:txBody>
-      </p:sp>
-      <p:sp>
-        <p:nvSpPr>
-          <p:cNvPr id="5" name="日期占位符 4"/>
+              <a:rPr lang="en-US" smtClean="0"/>
+              <a:t>Click to edit Master text styles</a:t>
+            </a:r>
+          </a:p>
+        </p:txBody>
+      </p:sp>
+      <p:grpSp>
+        <p:nvGrpSpPr>
+          <p:cNvPr id="12" name="Group 11"/>
+          <p:cNvGrpSpPr/>
+          <p:nvPr/>
+        </p:nvGrpSpPr>
+        <p:grpSpPr>
+          <a:xfrm>
+            <a:off x="8522664" y="6255258"/>
+            <a:ext cx="393192" cy="393192"/>
+            <a:chOff x="8532189" y="5068824"/>
+            <a:chExt cx="393192" cy="393192"/>
+          </a:xfrm>
+        </p:grpSpPr>
+        <p:sp>
+          <p:nvSpPr>
+            <p:cNvPr id="13" name="Oval 12"/>
+            <p:cNvSpPr>
+              <a:spLocks noChangeAspect="1"/>
+            </p:cNvSpPr>
+            <p:nvPr/>
+          </p:nvSpPr>
+          <p:spPr>
+            <a:xfrm>
+              <a:off x="8532189" y="5068824"/>
+              <a:ext cx="393192" cy="393192"/>
+            </a:xfrm>
+            <a:prstGeom prst="ellipse">
+              <a:avLst/>
+            </a:prstGeom>
+            <a:blipFill dpi="0" rotWithShape="1">
+              <a:blip r:embed="rId4">
+                <a:duotone>
+                  <a:schemeClr val="accent1">
+                    <a:shade val="45000"/>
+                    <a:satMod val="135000"/>
+                  </a:schemeClr>
+                  <a:prstClr val="white"/>
+                </a:duotone>
+                <a:extLst>
+                  <a:ext uri="{BEBA8EAE-BF5A-486C-A8C5-ECC9F3942E4B}">
+                    <a14:imgProps xmlns:a14="http://schemas.microsoft.com/office/drawing/2010/main">
+                      <a14:imgLayer r:embed="rId5">
+                        <a14:imgEffect>
+                          <a14:saturation sat="95000"/>
+                        </a14:imgEffect>
+                        <a14:imgEffect>
+                          <a14:brightnessContrast bright="-40000" contrast="20000"/>
+                        </a14:imgEffect>
+                      </a14:imgLayer>
+                    </a14:imgProps>
+                  </a:ext>
+                </a:extLst>
+              </a:blip>
+              <a:srcRect/>
+              <a:tile tx="50800" ty="0" sx="85000" sy="85000" flip="none" algn="tl"/>
+            </a:blipFill>
+            <a:ln w="25400" cap="flat" cmpd="sng" algn="ctr">
+              <a:noFill/>
+              <a:prstDash val="solid"/>
+            </a:ln>
+            <a:effectLst/>
+          </p:spPr>
+          <p:txBody>
+            <a:bodyPr lIns="0" tIns="0" rIns="0" bIns="0" rtlCol="0" anchor="ctr"/>
+            <a:lstStyle/>
+            <a:p>
+              <a:pPr marL="0" marR="0" lvl="0" indent="0" algn="ctr" defTabSz="914400" eaLnBrk="1" fontAlgn="auto" latinLnBrk="0" hangingPunct="1">
+                <a:lnSpc>
+                  <a:spcPct val="100000"/>
+                </a:lnSpc>
+                <a:spcBef>
+                  <a:spcPts val="0"/>
+                </a:spcBef>
+                <a:spcAft>
+                  <a:spcPts val="0"/>
+                </a:spcAft>
+                <a:buClrTx/>
+                <a:buSzTx/>
+                <a:buFontTx/>
+                <a:buNone/>
+                <a:tabLst/>
+                <a:defRPr/>
+              </a:pPr>
+              <a:endParaRPr kumimoji="0" lang="en-US" sz="2000" b="0" i="0" u="none" strike="noStrike" kern="0" cap="none" spc="0" normalizeH="0" baseline="0" noProof="0" dirty="0">
+                <a:ln>
+                  <a:noFill/>
+                </a:ln>
+                <a:solidFill>
+                  <a:prstClr val="white"/>
+                </a:solidFill>
+                <a:effectLst/>
+                <a:uLnTx/>
+                <a:uFillTx/>
+                <a:latin typeface="Rockwell Extra Bold" pitchFamily="18" charset="0"/>
+                <a:ea typeface="+mn-ea"/>
+                <a:cs typeface="+mn-cs"/>
+              </a:endParaRPr>
+            </a:p>
+          </p:txBody>
+        </p:sp>
+        <p:sp>
+          <p:nvSpPr>
+            <p:cNvPr id="14" name="Oval 13"/>
+            <p:cNvSpPr>
+              <a:spLocks noChangeAspect="1"/>
+            </p:cNvSpPr>
+            <p:nvPr/>
+          </p:nvSpPr>
+          <p:spPr>
+            <a:xfrm>
+              <a:off x="8568766" y="5105400"/>
+              <a:ext cx="320039" cy="320040"/>
+            </a:xfrm>
+            <a:prstGeom prst="ellipse">
+              <a:avLst/>
+            </a:prstGeom>
+            <a:noFill/>
+            <a:ln w="12700" cap="flat" cmpd="sng" algn="ctr">
+              <a:solidFill>
+                <a:srgbClr val="FFFFFF"/>
+              </a:solidFill>
+              <a:prstDash val="solid"/>
+            </a:ln>
+            <a:effectLst/>
+          </p:spPr>
+          <p:txBody>
+            <a:bodyPr rtlCol="0" anchor="ctr"/>
+            <a:lstStyle/>
+            <a:p>
+              <a:pPr marL="0" marR="0" lvl="0" indent="0" algn="ctr" defTabSz="914400" eaLnBrk="1" fontAlgn="auto" latinLnBrk="0" hangingPunct="1">
+                <a:lnSpc>
+                  <a:spcPct val="100000"/>
+                </a:lnSpc>
+                <a:spcBef>
+                  <a:spcPts val="0"/>
+                </a:spcBef>
+                <a:spcAft>
+                  <a:spcPts val="0"/>
+                </a:spcAft>
+                <a:buClrTx/>
+                <a:buSzTx/>
+                <a:buFontTx/>
+                <a:buNone/>
+                <a:tabLst/>
+                <a:defRPr/>
+              </a:pPr>
+              <a:endParaRPr kumimoji="0" lang="en-US" sz="1800" b="0" i="0" u="none" strike="noStrike" kern="0" cap="none" spc="0" normalizeH="0" baseline="0" noProof="0" dirty="0">
+                <a:ln>
+                  <a:noFill/>
+                </a:ln>
+                <a:solidFill>
+                  <a:prstClr val="white"/>
+                </a:solidFill>
+                <a:effectLst/>
+                <a:uLnTx/>
+                <a:uFillTx/>
+                <a:latin typeface="Calibri"/>
+                <a:ea typeface="+mn-ea"/>
+                <a:cs typeface="+mn-cs"/>
+              </a:endParaRPr>
+            </a:p>
+          </p:txBody>
+        </p:sp>
+      </p:grpSp>
+      <p:sp>
+        <p:nvSpPr>
+          <p:cNvPr id="8" name="Date Placeholder 7"/>
           <p:cNvSpPr>
             <a:spLocks noGrp="1"/>
           </p:cNvSpPr>
@@ -2509,7 +3634,7 @@
           <a:p>
             <a:fld id="{3670AE7C-1FC6-6B47-AD13-08C1FC766250}" type="datetimeFigureOut">
               <a:rPr kumimoji="1" lang="zh-CN" altLang="en-US" smtClean="0"/>
-              <a:t>8/1/17</a:t>
+              <a:t>2017/8/1</a:t>
             </a:fld>
             <a:endParaRPr kumimoji="1" lang="zh-CN" altLang="en-US"/>
           </a:p>
@@ -2517,26 +3642,7 @@
       </p:sp>
       <p:sp>
         <p:nvSpPr>
-          <p:cNvPr id="6" name="页脚占位符 5"/>
-          <p:cNvSpPr>
-            <a:spLocks noGrp="1"/>
-          </p:cNvSpPr>
-          <p:nvPr>
-            <p:ph type="ftr" sz="quarter" idx="11"/>
-          </p:nvPr>
-        </p:nvSpPr>
-        <p:spPr/>
-        <p:txBody>
-          <a:bodyPr/>
-          <a:lstStyle/>
-          <a:p>
-            <a:endParaRPr kumimoji="1" lang="zh-CN" altLang="en-US"/>
-          </a:p>
-        </p:txBody>
-      </p:sp>
-      <p:sp>
-        <p:nvSpPr>
-          <p:cNvPr id="7" name="幻灯片编号占位符 6"/>
+          <p:cNvPr id="10" name="Slide Number Placeholder 9"/>
           <p:cNvSpPr>
             <a:spLocks noGrp="1"/>
           </p:cNvSpPr>
@@ -2558,11 +3664,7 @@
         </p:txBody>
       </p:sp>
     </p:spTree>
-    <p:extLst>
-      <p:ext uri="{BB962C8B-B14F-4D97-AF65-F5344CB8AC3E}">
-        <p14:creationId xmlns:p14="http://schemas.microsoft.com/office/powerpoint/2010/main" val="3804572943"/>
-      </p:ext>
-    </p:extLst>
+    <p:extLst/>
   </p:cSld>
   <p:clrMapOvr>
     <a:masterClrMapping/>
@@ -2592,9 +3694,174 @@
           <a:chExt cx="0" cy="0"/>
         </a:xfrm>
       </p:grpSpPr>
-      <p:sp>
-        <p:nvSpPr>
-          <p:cNvPr id="2" name="标题占位符 1"/>
+      <p:grpSp>
+        <p:nvGrpSpPr>
+          <p:cNvPr id="12" name="Group 11"/>
+          <p:cNvGrpSpPr/>
+          <p:nvPr/>
+        </p:nvGrpSpPr>
+        <p:grpSpPr>
+          <a:xfrm>
+            <a:off x="8522664" y="6255258"/>
+            <a:ext cx="393192" cy="393192"/>
+            <a:chOff x="8532189" y="5068824"/>
+            <a:chExt cx="393192" cy="393192"/>
+          </a:xfrm>
+        </p:grpSpPr>
+        <p:sp>
+          <p:nvSpPr>
+            <p:cNvPr id="8" name="Oval 7"/>
+            <p:cNvSpPr>
+              <a:spLocks noChangeAspect="1"/>
+            </p:cNvSpPr>
+            <p:nvPr/>
+          </p:nvSpPr>
+          <p:spPr>
+            <a:xfrm>
+              <a:off x="8532189" y="5068824"/>
+              <a:ext cx="393192" cy="393192"/>
+            </a:xfrm>
+            <a:prstGeom prst="ellipse">
+              <a:avLst/>
+            </a:prstGeom>
+            <a:blipFill dpi="0" rotWithShape="1">
+              <a:blip r:embed="rId13">
+                <a:duotone>
+                  <a:schemeClr val="accent1">
+                    <a:shade val="45000"/>
+                    <a:satMod val="135000"/>
+                  </a:schemeClr>
+                  <a:prstClr val="white"/>
+                </a:duotone>
+                <a:extLst>
+                  <a:ext uri="{BEBA8EAE-BF5A-486C-A8C5-ECC9F3942E4B}">
+                    <a14:imgProps xmlns:a14="http://schemas.microsoft.com/office/drawing/2010/main">
+                      <a14:imgLayer r:embed="rId14">
+                        <a14:imgEffect>
+                          <a14:saturation sat="95000"/>
+                        </a14:imgEffect>
+                        <a14:imgEffect>
+                          <a14:brightnessContrast bright="-40000" contrast="20000"/>
+                        </a14:imgEffect>
+                      </a14:imgLayer>
+                    </a14:imgProps>
+                  </a:ext>
+                </a:extLst>
+              </a:blip>
+              <a:srcRect/>
+              <a:tile tx="50800" ty="0" sx="85000" sy="85000" flip="none" algn="tl"/>
+            </a:blipFill>
+            <a:ln w="25400" cap="flat" cmpd="sng" algn="ctr">
+              <a:noFill/>
+              <a:prstDash val="solid"/>
+            </a:ln>
+            <a:effectLst/>
+          </p:spPr>
+          <p:txBody>
+            <a:bodyPr lIns="0" tIns="0" rIns="0" bIns="0" rtlCol="0" anchor="ctr"/>
+            <a:lstStyle/>
+            <a:p>
+              <a:pPr marL="0" marR="0" lvl="0" indent="0" algn="ctr" defTabSz="914400" eaLnBrk="1" fontAlgn="auto" latinLnBrk="0" hangingPunct="1">
+                <a:lnSpc>
+                  <a:spcPct val="100000"/>
+                </a:lnSpc>
+                <a:spcBef>
+                  <a:spcPts val="0"/>
+                </a:spcBef>
+                <a:spcAft>
+                  <a:spcPts val="0"/>
+                </a:spcAft>
+                <a:buClrTx/>
+                <a:buSzTx/>
+                <a:buFontTx/>
+                <a:buNone/>
+                <a:tabLst/>
+                <a:defRPr/>
+              </a:pPr>
+              <a:endParaRPr kumimoji="0" lang="en-US" sz="2000" b="0" i="0" u="none" strike="noStrike" kern="0" cap="none" spc="0" normalizeH="0" baseline="0" noProof="0" dirty="0">
+                <a:ln>
+                  <a:noFill/>
+                </a:ln>
+                <a:solidFill>
+                  <a:prstClr val="white"/>
+                </a:solidFill>
+                <a:effectLst/>
+                <a:uLnTx/>
+                <a:uFillTx/>
+                <a:latin typeface="Rockwell Extra Bold" pitchFamily="18" charset="0"/>
+                <a:ea typeface="+mn-ea"/>
+                <a:cs typeface="+mn-cs"/>
+              </a:endParaRPr>
+            </a:p>
+          </p:txBody>
+        </p:sp>
+        <p:sp>
+          <p:nvSpPr>
+            <p:cNvPr id="9" name="Oval 8"/>
+            <p:cNvSpPr>
+              <a:spLocks noChangeAspect="1"/>
+            </p:cNvSpPr>
+            <p:nvPr/>
+          </p:nvSpPr>
+          <p:spPr>
+            <a:xfrm>
+              <a:off x="8568766" y="5105400"/>
+              <a:ext cx="320039" cy="320040"/>
+            </a:xfrm>
+            <a:prstGeom prst="ellipse">
+              <a:avLst/>
+            </a:prstGeom>
+            <a:noFill/>
+            <a:ln w="12700" cap="flat" cmpd="sng" algn="ctr">
+              <a:solidFill>
+                <a:srgbClr val="FFFFFF"/>
+              </a:solidFill>
+              <a:prstDash val="solid"/>
+            </a:ln>
+            <a:effectLst/>
+          </p:spPr>
+          <p:txBody>
+            <a:bodyPr rtlCol="0" anchor="ctr"/>
+            <a:lstStyle/>
+            <a:p>
+              <a:pPr marL="0" marR="0" lvl="0" indent="0" algn="ctr" defTabSz="914400" eaLnBrk="1" fontAlgn="auto" latinLnBrk="0" hangingPunct="1">
+                <a:lnSpc>
+                  <a:spcPct val="100000"/>
+                </a:lnSpc>
+                <a:spcBef>
+                  <a:spcPts val="0"/>
+                </a:spcBef>
+                <a:spcAft>
+                  <a:spcPts val="0"/>
+                </a:spcAft>
+                <a:buClrTx/>
+                <a:buSzTx/>
+                <a:buFontTx/>
+                <a:buNone/>
+                <a:tabLst/>
+                <a:defRPr/>
+              </a:pPr>
+              <a:endParaRPr kumimoji="0" lang="en-US" sz="1800" b="0" i="0" u="none" strike="noStrike" kern="0" cap="none" spc="0" normalizeH="0" baseline="0" noProof="0" dirty="0">
+                <a:ln>
+                  <a:noFill/>
+                </a:ln>
+                <a:solidFill>
+                  <a:prstClr val="white"/>
+                </a:solidFill>
+                <a:effectLst/>
+                <a:uLnTx/>
+                <a:uFillTx/>
+                <a:latin typeface="Calibri"/>
+                <a:ea typeface="+mn-ea"/>
+                <a:cs typeface="+mn-cs"/>
+              </a:endParaRPr>
+            </a:p>
+          </p:txBody>
+        </p:sp>
+      </p:grpSp>
+      <p:sp>
+        <p:nvSpPr>
+          <p:cNvPr id="2" name="Title Placeholder 1"/>
           <p:cNvSpPr>
             <a:spLocks noGrp="1"/>
           </p:cNvSpPr>
@@ -2604,8 +3871,8 @@
         </p:nvSpPr>
         <p:spPr>
           <a:xfrm>
-            <a:off x="457200" y="274638"/>
-            <a:ext cx="8229600" cy="1143000"/>
+            <a:off x="685800" y="484632"/>
+            <a:ext cx="7772400" cy="1609344"/>
           </a:xfrm>
           <a:prstGeom prst="rect">
             <a:avLst/>
@@ -2618,16 +3885,16 @@
           <a:lstStyle/>
           <a:p>
             <a:r>
-              <a:rPr kumimoji="1" lang="zh-CN" altLang="en-US" smtClean="0"/>
-              <a:t>单击此处编辑母版标题样式</a:t>
-            </a:r>
-            <a:endParaRPr kumimoji="1" lang="zh-CN" altLang="en-US"/>
-          </a:p>
-        </p:txBody>
-      </p:sp>
-      <p:sp>
-        <p:nvSpPr>
-          <p:cNvPr id="3" name="文本占位符 2"/>
+              <a:rPr lang="en-US" smtClean="0"/>
+              <a:t>Click to edit Master title style</a:t>
+            </a:r>
+            <a:endParaRPr lang="en-US" dirty="0"/>
+          </a:p>
+        </p:txBody>
+      </p:sp>
+      <p:sp>
+        <p:nvSpPr>
+          <p:cNvPr id="3" name="Text Placeholder 2"/>
           <p:cNvSpPr>
             <a:spLocks noGrp="1"/>
           </p:cNvSpPr>
@@ -2637,8 +3904,8 @@
         </p:nvSpPr>
         <p:spPr>
           <a:xfrm>
-            <a:off x="457200" y="1600200"/>
-            <a:ext cx="8229600" cy="4525963"/>
+            <a:off x="685800" y="2121408"/>
+            <a:ext cx="7772400" cy="4050792"/>
           </a:xfrm>
           <a:prstGeom prst="rect">
             <a:avLst/>
@@ -2652,44 +3919,44 @@
           <a:p>
             <a:pPr lvl="0"/>
             <a:r>
-              <a:rPr kumimoji="1" lang="zh-CN" altLang="en-US" smtClean="0"/>
-              <a:t>单击此处编辑母版文本样式</a:t>
+              <a:rPr lang="en-US" smtClean="0"/>
+              <a:t>Click to edit Master text styles</a:t>
             </a:r>
           </a:p>
           <a:p>
             <a:pPr lvl="1"/>
             <a:r>
-              <a:rPr kumimoji="1" lang="zh-CN" altLang="en-US" smtClean="0"/>
-              <a:t>二级</a:t>
+              <a:rPr lang="en-US" smtClean="0"/>
+              <a:t>Second level</a:t>
             </a:r>
           </a:p>
           <a:p>
             <a:pPr lvl="2"/>
             <a:r>
-              <a:rPr kumimoji="1" lang="zh-CN" altLang="en-US" smtClean="0"/>
-              <a:t>三级</a:t>
+              <a:rPr lang="en-US" smtClean="0"/>
+              <a:t>Third level</a:t>
             </a:r>
           </a:p>
           <a:p>
             <a:pPr lvl="3"/>
             <a:r>
-              <a:rPr kumimoji="1" lang="zh-CN" altLang="en-US" smtClean="0"/>
-              <a:t>四级</a:t>
+              <a:rPr lang="en-US" smtClean="0"/>
+              <a:t>Fourth level</a:t>
             </a:r>
           </a:p>
           <a:p>
             <a:pPr lvl="4"/>
             <a:r>
-              <a:rPr kumimoji="1" lang="zh-CN" altLang="en-US" smtClean="0"/>
-              <a:t>五级</a:t>
-            </a:r>
-            <a:endParaRPr kumimoji="1" lang="zh-CN" altLang="en-US"/>
-          </a:p>
-        </p:txBody>
-      </p:sp>
-      <p:sp>
-        <p:nvSpPr>
-          <p:cNvPr id="4" name="日期占位符 3"/>
+              <a:rPr lang="en-US" smtClean="0"/>
+              <a:t>Fifth level</a:t>
+            </a:r>
+            <a:endParaRPr lang="en-US" dirty="0"/>
+          </a:p>
+        </p:txBody>
+      </p:sp>
+      <p:sp>
+        <p:nvSpPr>
+          <p:cNvPr id="4" name="Date Placeholder 3"/>
           <p:cNvSpPr>
             <a:spLocks noGrp="1"/>
           </p:cNvSpPr>
@@ -2699,8 +3966,8 @@
         </p:nvSpPr>
         <p:spPr>
           <a:xfrm>
-            <a:off x="457200" y="6356350"/>
-            <a:ext cx="2133600" cy="365125"/>
+            <a:off x="5992368" y="6272785"/>
+            <a:ext cx="2455164" cy="365125"/>
           </a:xfrm>
           <a:prstGeom prst="rect">
             <a:avLst/>
@@ -2709,11 +3976,11 @@
         <p:txBody>
           <a:bodyPr vert="horz" lIns="91440" tIns="45720" rIns="91440" bIns="45720" rtlCol="0" anchor="ctr"/>
           <a:lstStyle>
-            <a:lvl1pPr algn="l">
-              <a:defRPr sz="1200">
+            <a:lvl1pPr algn="r">
+              <a:defRPr sz="1000">
                 <a:solidFill>
-                  <a:schemeClr val="tx1">
-                    <a:tint val="75000"/>
+                  <a:schemeClr val="accent1">
+                    <a:lumMod val="50000"/>
                   </a:schemeClr>
                 </a:solidFill>
               </a:defRPr>
@@ -2722,7 +3989,7 @@
           <a:p>
             <a:fld id="{3670AE7C-1FC6-6B47-AD13-08C1FC766250}" type="datetimeFigureOut">
               <a:rPr kumimoji="1" lang="zh-CN" altLang="en-US" smtClean="0"/>
-              <a:t>8/1/17</a:t>
+              <a:t>2017/8/1</a:t>
             </a:fld>
             <a:endParaRPr kumimoji="1" lang="zh-CN" altLang="en-US"/>
           </a:p>
@@ -2730,7 +3997,7 @@
       </p:sp>
       <p:sp>
         <p:nvSpPr>
-          <p:cNvPr id="5" name="页脚占位符 4"/>
+          <p:cNvPr id="5" name="Footer Placeholder 4"/>
           <p:cNvSpPr>
             <a:spLocks noGrp="1"/>
           </p:cNvSpPr>
@@ -2740,8 +4007,8 @@
         </p:nvSpPr>
         <p:spPr>
           <a:xfrm>
-            <a:off x="3124200" y="6356350"/>
-            <a:ext cx="2895600" cy="365125"/>
+            <a:off x="685800" y="6272785"/>
+            <a:ext cx="4745736" cy="365125"/>
           </a:xfrm>
           <a:prstGeom prst="rect">
             <a:avLst/>
@@ -2750,11 +4017,11 @@
         <p:txBody>
           <a:bodyPr vert="horz" lIns="91440" tIns="45720" rIns="91440" bIns="45720" rtlCol="0" anchor="ctr"/>
           <a:lstStyle>
-            <a:lvl1pPr algn="ctr">
-              <a:defRPr sz="1200">
+            <a:lvl1pPr algn="l">
+              <a:defRPr sz="1000">
                 <a:solidFill>
-                  <a:schemeClr val="tx1">
-                    <a:tint val="75000"/>
+                  <a:schemeClr val="accent1">
+                    <a:lumMod val="50000"/>
                   </a:schemeClr>
                 </a:solidFill>
               </a:defRPr>
@@ -2767,7 +4034,7 @@
       </p:sp>
       <p:sp>
         <p:nvSpPr>
-          <p:cNvPr id="6" name="幻灯片编号占位符 5"/>
+          <p:cNvPr id="6" name="Slide Number Placeholder 5"/>
           <p:cNvSpPr>
             <a:spLocks noGrp="1"/>
           </p:cNvSpPr>
@@ -2777,8 +4044,8 @@
         </p:nvSpPr>
         <p:spPr>
           <a:xfrm>
-            <a:off x="6553200" y="6356350"/>
-            <a:ext cx="2133600" cy="365125"/>
+            <a:off x="8483346" y="6272785"/>
+            <a:ext cx="480060" cy="365125"/>
           </a:xfrm>
           <a:prstGeom prst="rect">
             <a:avLst/>
@@ -2787,13 +4054,12 @@
         <p:txBody>
           <a:bodyPr vert="horz" lIns="91440" tIns="45720" rIns="91440" bIns="45720" rtlCol="0" anchor="ctr"/>
           <a:lstStyle>
-            <a:lvl1pPr algn="r">
-              <a:defRPr sz="1200">
+            <a:lvl1pPr algn="ctr">
+              <a:defRPr sz="1100" b="1" spc="-70" baseline="0">
                 <a:solidFill>
-                  <a:schemeClr val="tx1">
-                    <a:tint val="75000"/>
-                  </a:schemeClr>
+                  <a:srgbClr val="FFFFFF"/>
                 </a:solidFill>
+                <a:latin typeface="+mn-lt"/>
               </a:defRPr>
             </a:lvl1pPr>
           </a:lstStyle>
@@ -2809,35 +4075,45 @@
     </p:spTree>
     <p:extLst>
       <p:ext uri="{BB962C8B-B14F-4D97-AF65-F5344CB8AC3E}">
-        <p14:creationId xmlns:p14="http://schemas.microsoft.com/office/powerpoint/2010/main" val="200441505"/>
+        <p14:creationId xmlns:p14="http://schemas.microsoft.com/office/powerpoint/2010/main" val="1420015673"/>
       </p:ext>
     </p:extLst>
   </p:cSld>
   <p:clrMap bg1="lt1" tx1="dk1" bg2="lt2" tx2="dk2" accent1="accent1" accent2="accent2" accent3="accent3" accent4="accent4" accent5="accent5" accent6="accent6" hlink="hlink" folHlink="folHlink"/>
   <p:sldLayoutIdLst>
-    <p:sldLayoutId id="2147483649" r:id="rId1"/>
-    <p:sldLayoutId id="2147483650" r:id="rId2"/>
-    <p:sldLayoutId id="2147483651" r:id="rId3"/>
-    <p:sldLayoutId id="2147483652" r:id="rId4"/>
-    <p:sldLayoutId id="2147483653" r:id="rId5"/>
-    <p:sldLayoutId id="2147483654" r:id="rId6"/>
-    <p:sldLayoutId id="2147483655" r:id="rId7"/>
-    <p:sldLayoutId id="2147483656" r:id="rId8"/>
-    <p:sldLayoutId id="2147483657" r:id="rId9"/>
-    <p:sldLayoutId id="2147483658" r:id="rId10"/>
-    <p:sldLayoutId id="2147483659" r:id="rId11"/>
+    <p:sldLayoutId id="2147483679" r:id="rId1"/>
+    <p:sldLayoutId id="2147483680" r:id="rId2"/>
+    <p:sldLayoutId id="2147483681" r:id="rId3"/>
+    <p:sldLayoutId id="2147483682" r:id="rId4"/>
+    <p:sldLayoutId id="2147483683" r:id="rId5"/>
+    <p:sldLayoutId id="2147483684" r:id="rId6"/>
+    <p:sldLayoutId id="2147483685" r:id="rId7"/>
+    <p:sldLayoutId id="2147483686" r:id="rId8"/>
+    <p:sldLayoutId id="2147483687" r:id="rId9"/>
+    <p:sldLayoutId id="2147483688" r:id="rId10"/>
+    <p:sldLayoutId id="2147483689" r:id="rId11"/>
   </p:sldLayoutIdLst>
   <p:txStyles>
     <p:titleStyle>
-      <a:lvl1pPr algn="ctr" defTabSz="457200" rtl="0" eaLnBrk="1" latinLnBrk="0" hangingPunct="1">
+      <a:lvl1pPr algn="l" defTabSz="914400" rtl="0" eaLnBrk="1" latinLnBrk="0" hangingPunct="1">
+        <a:lnSpc>
+          <a:spcPct val="90000"/>
+        </a:lnSpc>
         <a:spcBef>
           <a:spcPct val="0"/>
         </a:spcBef>
         <a:buNone/>
-        <a:defRPr sz="4400" kern="1200">
-          <a:solidFill>
-            <a:schemeClr val="tx1"/>
-          </a:solidFill>
+        <a:defRPr sz="4200" b="0" kern="1200" cap="all" baseline="0">
+          <a:blipFill>
+            <a:blip r:embed="rId15">
+              <a:extLst>
+                <a:ext uri="{28A0092B-C50C-407E-A947-70E740481C1C}">
+                  <a14:useLocalDpi xmlns:a14="http://schemas.microsoft.com/office/drawing/2010/main" val="0"/>
+                </a:ext>
+              </a:extLst>
+            </a:blip>
+            <a:tile tx="6350" ty="-127000" sx="65000" sy="64000" flip="none" algn="tl"/>
+          </a:blipFill>
           <a:latin typeface="+mj-lt"/>
           <a:ea typeface="+mj-ea"/>
           <a:cs typeface="+mj-cs"/>
@@ -2845,13 +4121,22 @@
       </a:lvl1pPr>
     </p:titleStyle>
     <p:bodyStyle>
-      <a:lvl1pPr marL="342900" indent="-342900" algn="l" defTabSz="457200" rtl="0" eaLnBrk="1" latinLnBrk="0" hangingPunct="1">
+      <a:lvl1pPr marL="182880" indent="-182880" algn="l" defTabSz="914400" rtl="0" eaLnBrk="1" latinLnBrk="0" hangingPunct="1">
+        <a:lnSpc>
+          <a:spcPct val="90000"/>
+        </a:lnSpc>
         <a:spcBef>
-          <a:spcPct val="20000"/>
+          <a:spcPts val="1200"/>
         </a:spcBef>
-        <a:buFont typeface="Arial"/>
-        <a:buChar char="•"/>
-        <a:defRPr sz="3200" kern="1200">
+        <a:buClr>
+          <a:schemeClr val="accent1">
+            <a:lumMod val="75000"/>
+          </a:schemeClr>
+        </a:buClr>
+        <a:buSzPct val="85000"/>
+        <a:buFont typeface="Wingdings" pitchFamily="2" charset="2"/>
+        <a:buChar char="§"/>
+        <a:defRPr sz="2000" kern="1200">
           <a:solidFill>
             <a:schemeClr val="tx1"/>
           </a:solidFill>
@@ -2860,13 +4145,25 @@
           <a:cs typeface="+mn-cs"/>
         </a:defRPr>
       </a:lvl1pPr>
-      <a:lvl2pPr marL="742950" indent="-285750" algn="l" defTabSz="457200" rtl="0" eaLnBrk="1" latinLnBrk="0" hangingPunct="1">
+      <a:lvl2pPr marL="457200" indent="-182880" algn="l" defTabSz="914400" rtl="0" eaLnBrk="1" latinLnBrk="0" hangingPunct="1">
+        <a:lnSpc>
+          <a:spcPct val="90000"/>
+        </a:lnSpc>
         <a:spcBef>
-          <a:spcPct val="20000"/>
+          <a:spcPts val="400"/>
         </a:spcBef>
-        <a:buFont typeface="Arial"/>
-        <a:buChar char="–"/>
-        <a:defRPr sz="2800" kern="1200">
+        <a:spcAft>
+          <a:spcPts val="200"/>
+        </a:spcAft>
+        <a:buClr>
+          <a:schemeClr val="accent1">
+            <a:lumMod val="75000"/>
+          </a:schemeClr>
+        </a:buClr>
+        <a:buSzPct val="85000"/>
+        <a:buFont typeface="Wingdings" pitchFamily="2" charset="2"/>
+        <a:buChar char="§"/>
+        <a:defRPr sz="1800" kern="1200">
           <a:solidFill>
             <a:schemeClr val="tx1"/>
           </a:solidFill>
@@ -2875,13 +4172,25 @@
           <a:cs typeface="+mn-cs"/>
         </a:defRPr>
       </a:lvl2pPr>
-      <a:lvl3pPr marL="1143000" indent="-228600" algn="l" defTabSz="457200" rtl="0" eaLnBrk="1" latinLnBrk="0" hangingPunct="1">
+      <a:lvl3pPr marL="731520" indent="-182880" algn="l" defTabSz="914400" rtl="0" eaLnBrk="1" latinLnBrk="0" hangingPunct="1">
+        <a:lnSpc>
+          <a:spcPct val="90000"/>
+        </a:lnSpc>
         <a:spcBef>
-          <a:spcPct val="20000"/>
+          <a:spcPts val="400"/>
         </a:spcBef>
-        <a:buFont typeface="Arial"/>
-        <a:buChar char="•"/>
-        <a:defRPr sz="2400" kern="1200">
+        <a:spcAft>
+          <a:spcPts val="200"/>
+        </a:spcAft>
+        <a:buClr>
+          <a:schemeClr val="accent1">
+            <a:lumMod val="75000"/>
+          </a:schemeClr>
+        </a:buClr>
+        <a:buSzPct val="85000"/>
+        <a:buFont typeface="Wingdings" pitchFamily="2" charset="2"/>
+        <a:buChar char="§"/>
+        <a:defRPr sz="1600" kern="1200">
           <a:solidFill>
             <a:schemeClr val="tx1"/>
           </a:solidFill>
@@ -2890,13 +4199,25 @@
           <a:cs typeface="+mn-cs"/>
         </a:defRPr>
       </a:lvl3pPr>
-      <a:lvl4pPr marL="1600200" indent="-228600" algn="l" defTabSz="457200" rtl="0" eaLnBrk="1" latinLnBrk="0" hangingPunct="1">
+      <a:lvl4pPr marL="1005840" indent="-182880" algn="l" defTabSz="914400" rtl="0" eaLnBrk="1" latinLnBrk="0" hangingPunct="1">
+        <a:lnSpc>
+          <a:spcPct val="90000"/>
+        </a:lnSpc>
         <a:spcBef>
-          <a:spcPct val="20000"/>
+          <a:spcPts val="400"/>
         </a:spcBef>
-        <a:buFont typeface="Arial"/>
-        <a:buChar char="–"/>
-        <a:defRPr sz="2000" kern="1200">
+        <a:spcAft>
+          <a:spcPts val="200"/>
+        </a:spcAft>
+        <a:buClr>
+          <a:schemeClr val="accent1">
+            <a:lumMod val="75000"/>
+          </a:schemeClr>
+        </a:buClr>
+        <a:buSzPct val="85000"/>
+        <a:buFont typeface="Wingdings" pitchFamily="2" charset="2"/>
+        <a:buChar char="§"/>
+        <a:defRPr sz="1600" kern="1200">
           <a:solidFill>
             <a:schemeClr val="tx1"/>
           </a:solidFill>
@@ -2905,13 +4226,25 @@
           <a:cs typeface="+mn-cs"/>
         </a:defRPr>
       </a:lvl4pPr>
-      <a:lvl5pPr marL="2057400" indent="-228600" algn="l" defTabSz="457200" rtl="0" eaLnBrk="1" latinLnBrk="0" hangingPunct="1">
+      <a:lvl5pPr marL="1280160" indent="-182880" algn="l" defTabSz="914400" rtl="0" eaLnBrk="1" latinLnBrk="0" hangingPunct="1">
+        <a:lnSpc>
+          <a:spcPct val="90000"/>
+        </a:lnSpc>
         <a:spcBef>
-          <a:spcPct val="20000"/>
+          <a:spcPts val="400"/>
         </a:spcBef>
-        <a:buFont typeface="Arial"/>
-        <a:buChar char="»"/>
-        <a:defRPr sz="2000" kern="1200">
+        <a:spcAft>
+          <a:spcPts val="200"/>
+        </a:spcAft>
+        <a:buClr>
+          <a:schemeClr val="accent1">
+            <a:lumMod val="75000"/>
+          </a:schemeClr>
+        </a:buClr>
+        <a:buSzPct val="85000"/>
+        <a:buFont typeface="Wingdings" pitchFamily="2" charset="2"/>
+        <a:buChar char="§"/>
+        <a:defRPr sz="1600" kern="1200">
           <a:solidFill>
             <a:schemeClr val="tx1"/>
           </a:solidFill>
@@ -2920,13 +4253,25 @@
           <a:cs typeface="+mn-cs"/>
         </a:defRPr>
       </a:lvl5pPr>
-      <a:lvl6pPr marL="2514600" indent="-228600" algn="l" defTabSz="457200" rtl="0" eaLnBrk="1" latinLnBrk="0" hangingPunct="1">
+      <a:lvl6pPr marL="1600000" indent="-228600" algn="l" defTabSz="914400" rtl="0" eaLnBrk="1" latinLnBrk="0" hangingPunct="1">
+        <a:lnSpc>
+          <a:spcPct val="90000"/>
+        </a:lnSpc>
         <a:spcBef>
-          <a:spcPct val="20000"/>
+          <a:spcPts val="400"/>
         </a:spcBef>
-        <a:buFont typeface="Arial"/>
-        <a:buChar char="•"/>
-        <a:defRPr sz="2000" kern="1200">
+        <a:spcAft>
+          <a:spcPts val="200"/>
+        </a:spcAft>
+        <a:buClr>
+          <a:schemeClr val="accent1">
+            <a:lumMod val="75000"/>
+          </a:schemeClr>
+        </a:buClr>
+        <a:buSzPct val="85000"/>
+        <a:buFont typeface="Wingdings" pitchFamily="2" charset="2"/>
+        <a:buChar char="§"/>
+        <a:defRPr sz="1600" kern="1200">
           <a:solidFill>
             <a:schemeClr val="tx1"/>
           </a:solidFill>
@@ -2935,13 +4280,25 @@
           <a:cs typeface="+mn-cs"/>
         </a:defRPr>
       </a:lvl6pPr>
-      <a:lvl7pPr marL="2971800" indent="-228600" algn="l" defTabSz="457200" rtl="0" eaLnBrk="1" latinLnBrk="0" hangingPunct="1">
+      <a:lvl7pPr marL="1900000" indent="-228600" algn="l" defTabSz="914400" rtl="0" eaLnBrk="1" latinLnBrk="0" hangingPunct="1">
+        <a:lnSpc>
+          <a:spcPct val="90000"/>
+        </a:lnSpc>
         <a:spcBef>
-          <a:spcPct val="20000"/>
+          <a:spcPts val="400"/>
         </a:spcBef>
-        <a:buFont typeface="Arial"/>
-        <a:buChar char="•"/>
-        <a:defRPr sz="2000" kern="1200">
+        <a:spcAft>
+          <a:spcPts val="200"/>
+        </a:spcAft>
+        <a:buClr>
+          <a:schemeClr val="accent1">
+            <a:lumMod val="75000"/>
+          </a:schemeClr>
+        </a:buClr>
+        <a:buSzPct val="85000"/>
+        <a:buFont typeface="Wingdings" pitchFamily="2" charset="2"/>
+        <a:buChar char="§"/>
+        <a:defRPr sz="1600" kern="1200">
           <a:solidFill>
             <a:schemeClr val="tx1"/>
           </a:solidFill>
@@ -2950,13 +4307,25 @@
           <a:cs typeface="+mn-cs"/>
         </a:defRPr>
       </a:lvl7pPr>
-      <a:lvl8pPr marL="3429000" indent="-228600" algn="l" defTabSz="457200" rtl="0" eaLnBrk="1" latinLnBrk="0" hangingPunct="1">
+      <a:lvl8pPr marL="2200000" indent="-228600" algn="l" defTabSz="914400" rtl="0" eaLnBrk="1" latinLnBrk="0" hangingPunct="1">
+        <a:lnSpc>
+          <a:spcPct val="90000"/>
+        </a:lnSpc>
         <a:spcBef>
-          <a:spcPct val="20000"/>
+          <a:spcPts val="400"/>
         </a:spcBef>
-        <a:buFont typeface="Arial"/>
-        <a:buChar char="•"/>
-        <a:defRPr sz="2000" kern="1200">
+        <a:spcAft>
+          <a:spcPts val="200"/>
+        </a:spcAft>
+        <a:buClr>
+          <a:schemeClr val="accent1">
+            <a:lumMod val="75000"/>
+          </a:schemeClr>
+        </a:buClr>
+        <a:buSzPct val="85000"/>
+        <a:buFont typeface="Wingdings" pitchFamily="2" charset="2"/>
+        <a:buChar char="§"/>
+        <a:defRPr sz="1600" kern="1200">
           <a:solidFill>
             <a:schemeClr val="tx1"/>
           </a:solidFill>
@@ -2965,13 +4334,25 @@
           <a:cs typeface="+mn-cs"/>
         </a:defRPr>
       </a:lvl8pPr>
-      <a:lvl9pPr marL="3886200" indent="-228600" algn="l" defTabSz="457200" rtl="0" eaLnBrk="1" latinLnBrk="0" hangingPunct="1">
+      <a:lvl9pPr marL="2500000" indent="-228600" algn="l" defTabSz="914400" rtl="0" eaLnBrk="1" latinLnBrk="0" hangingPunct="1">
+        <a:lnSpc>
+          <a:spcPct val="90000"/>
+        </a:lnSpc>
         <a:spcBef>
-          <a:spcPct val="20000"/>
+          <a:spcPts val="400"/>
         </a:spcBef>
-        <a:buFont typeface="Arial"/>
-        <a:buChar char="•"/>
-        <a:defRPr sz="2000" kern="1200">
+        <a:spcAft>
+          <a:spcPts val="200"/>
+        </a:spcAft>
+        <a:buClr>
+          <a:schemeClr val="accent1">
+            <a:lumMod val="75000"/>
+          </a:schemeClr>
+        </a:buClr>
+        <a:buSzPct val="85000"/>
+        <a:buFont typeface="Wingdings" pitchFamily="2" charset="2"/>
+        <a:buChar char="§"/>
+        <a:defRPr sz="1600" kern="1200">
           <a:solidFill>
             <a:schemeClr val="tx1"/>
           </a:solidFill>
@@ -2983,9 +4364,9 @@
     </p:bodyStyle>
     <p:otherStyle>
       <a:defPPr>
-        <a:defRPr lang="zh-CN"/>
+        <a:defRPr lang="en-US"/>
       </a:defPPr>
-      <a:lvl1pPr marL="0" algn="l" defTabSz="457200" rtl="0" eaLnBrk="1" latinLnBrk="0" hangingPunct="1">
+      <a:lvl1pPr marL="0" algn="l" defTabSz="914400" rtl="0" eaLnBrk="1" latinLnBrk="0" hangingPunct="1">
         <a:defRPr sz="1800" kern="1200">
           <a:solidFill>
             <a:schemeClr val="tx1"/>
@@ -2995,7 +4376,7 @@
           <a:cs typeface="+mn-cs"/>
         </a:defRPr>
       </a:lvl1pPr>
-      <a:lvl2pPr marL="457200" algn="l" defTabSz="457200" rtl="0" eaLnBrk="1" latinLnBrk="0" hangingPunct="1">
+      <a:lvl2pPr marL="457200" algn="l" defTabSz="914400" rtl="0" eaLnBrk="1" latinLnBrk="0" hangingPunct="1">
         <a:defRPr sz="1800" kern="1200">
           <a:solidFill>
             <a:schemeClr val="tx1"/>
@@ -3005,7 +4386,7 @@
           <a:cs typeface="+mn-cs"/>
         </a:defRPr>
       </a:lvl2pPr>
-      <a:lvl3pPr marL="914400" algn="l" defTabSz="457200" rtl="0" eaLnBrk="1" latinLnBrk="0" hangingPunct="1">
+      <a:lvl3pPr marL="914400" algn="l" defTabSz="914400" rtl="0" eaLnBrk="1" latinLnBrk="0" hangingPunct="1">
         <a:defRPr sz="1800" kern="1200">
           <a:solidFill>
             <a:schemeClr val="tx1"/>
@@ -3015,7 +4396,7 @@
           <a:cs typeface="+mn-cs"/>
         </a:defRPr>
       </a:lvl3pPr>
-      <a:lvl4pPr marL="1371600" algn="l" defTabSz="457200" rtl="0" eaLnBrk="1" latinLnBrk="0" hangingPunct="1">
+      <a:lvl4pPr marL="1371600" algn="l" defTabSz="914400" rtl="0" eaLnBrk="1" latinLnBrk="0" hangingPunct="1">
         <a:defRPr sz="1800" kern="1200">
           <a:solidFill>
             <a:schemeClr val="tx1"/>
@@ -3025,7 +4406,7 @@
           <a:cs typeface="+mn-cs"/>
         </a:defRPr>
       </a:lvl4pPr>
-      <a:lvl5pPr marL="1828800" algn="l" defTabSz="457200" rtl="0" eaLnBrk="1" latinLnBrk="0" hangingPunct="1">
+      <a:lvl5pPr marL="1828800" algn="l" defTabSz="914400" rtl="0" eaLnBrk="1" latinLnBrk="0" hangingPunct="1">
         <a:defRPr sz="1800" kern="1200">
           <a:solidFill>
             <a:schemeClr val="tx1"/>
@@ -3035,7 +4416,7 @@
           <a:cs typeface="+mn-cs"/>
         </a:defRPr>
       </a:lvl5pPr>
-      <a:lvl6pPr marL="2286000" algn="l" defTabSz="457200" rtl="0" eaLnBrk="1" latinLnBrk="0" hangingPunct="1">
+      <a:lvl6pPr marL="2286000" algn="l" defTabSz="914400" rtl="0" eaLnBrk="1" latinLnBrk="0" hangingPunct="1">
         <a:defRPr sz="1800" kern="1200">
           <a:solidFill>
             <a:schemeClr val="tx1"/>
@@ -3045,7 +4426,7 @@
           <a:cs typeface="+mn-cs"/>
         </a:defRPr>
       </a:lvl6pPr>
-      <a:lvl7pPr marL="2743200" algn="l" defTabSz="457200" rtl="0" eaLnBrk="1" latinLnBrk="0" hangingPunct="1">
+      <a:lvl7pPr marL="2743200" algn="l" defTabSz="914400" rtl="0" eaLnBrk="1" latinLnBrk="0" hangingPunct="1">
         <a:defRPr sz="1800" kern="1200">
           <a:solidFill>
             <a:schemeClr val="tx1"/>
@@ -3055,7 +4436,7 @@
           <a:cs typeface="+mn-cs"/>
         </a:defRPr>
       </a:lvl7pPr>
-      <a:lvl8pPr marL="3200400" algn="l" defTabSz="457200" rtl="0" eaLnBrk="1" latinLnBrk="0" hangingPunct="1">
+      <a:lvl8pPr marL="3200400" algn="l" defTabSz="914400" rtl="0" eaLnBrk="1" latinLnBrk="0" hangingPunct="1">
         <a:defRPr sz="1800" kern="1200">
           <a:solidFill>
             <a:schemeClr val="tx1"/>
@@ -3065,7 +4446,7 @@
           <a:cs typeface="+mn-cs"/>
         </a:defRPr>
       </a:lvl8pPr>
-      <a:lvl9pPr marL="3657600" algn="l" defTabSz="457200" rtl="0" eaLnBrk="1" latinLnBrk="0" hangingPunct="1">
+      <a:lvl9pPr marL="3657600" algn="l" defTabSz="914400" rtl="0" eaLnBrk="1" latinLnBrk="0" hangingPunct="1">
         <a:defRPr sz="1800" kern="1200">
           <a:solidFill>
             <a:schemeClr val="tx1"/>
@@ -3081,6 +4462,264 @@
 </file>
 
 <file path=ppt/slides/slide1.xml><?xml version="1.0" encoding="utf-8"?>
+<p:sld xmlns:a="http://schemas.openxmlformats.org/drawingml/2006/main" xmlns:r="http://schemas.openxmlformats.org/officeDocument/2006/relationships" xmlns:p="http://schemas.openxmlformats.org/presentationml/2006/main">
+  <p:cSld>
+    <p:spTree>
+      <p:nvGrpSpPr>
+        <p:cNvPr id="1" name=""/>
+        <p:cNvGrpSpPr/>
+        <p:nvPr/>
+      </p:nvGrpSpPr>
+      <p:grpSpPr>
+        <a:xfrm>
+          <a:off x="0" y="0"/>
+          <a:ext cx="0" cy="0"/>
+          <a:chOff x="0" y="0"/>
+          <a:chExt cx="0" cy="0"/>
+        </a:xfrm>
+      </p:grpSpPr>
+      <p:sp>
+        <p:nvSpPr>
+          <p:cNvPr id="2" name="Title 1"/>
+          <p:cNvSpPr>
+            <a:spLocks noGrp="1"/>
+          </p:cNvSpPr>
+          <p:nvPr>
+            <p:ph type="title"/>
+          </p:nvPr>
+        </p:nvSpPr>
+        <p:spPr/>
+        <p:txBody>
+          <a:bodyPr/>
+          <a:lstStyle/>
+          <a:p>
+            <a:r>
+              <a:rPr lang="en-US" dirty="0" smtClean="0"/>
+              <a:t>Stat 6430 </a:t>
+            </a:r>
+            <a:r>
+              <a:rPr lang="mr-IN" dirty="0" smtClean="0"/>
+              <a:t>–</a:t>
+            </a:r>
+            <a:r>
+              <a:rPr lang="en-US" dirty="0" smtClean="0"/>
+              <a:t> R final project</a:t>
+            </a:r>
+            <a:endParaRPr lang="en-US" dirty="0"/>
+          </a:p>
+        </p:txBody>
+      </p:sp>
+      <p:sp>
+        <p:nvSpPr>
+          <p:cNvPr id="3" name="Content Placeholder 2"/>
+          <p:cNvSpPr>
+            <a:spLocks noGrp="1"/>
+          </p:cNvSpPr>
+          <p:nvPr>
+            <p:ph idx="1"/>
+          </p:nvPr>
+        </p:nvSpPr>
+        <p:spPr/>
+        <p:txBody>
+          <a:bodyPr/>
+          <a:lstStyle/>
+          <a:p>
+            <a:endParaRPr lang="en-US" dirty="0"/>
+          </a:p>
+        </p:txBody>
+      </p:sp>
+    </p:spTree>
+    <p:extLst>
+      <p:ext uri="{BB962C8B-B14F-4D97-AF65-F5344CB8AC3E}">
+        <p14:creationId xmlns:p14="http://schemas.microsoft.com/office/powerpoint/2010/main" val="1217647000"/>
+      </p:ext>
+    </p:extLst>
+  </p:cSld>
+  <p:clrMapOvr>
+    <a:masterClrMapping/>
+  </p:clrMapOvr>
+</p:sld>
+</file>
+
+<file path=ppt/slides/slide2.xml><?xml version="1.0" encoding="utf-8"?>
+<p:sld xmlns:a="http://schemas.openxmlformats.org/drawingml/2006/main" xmlns:r="http://schemas.openxmlformats.org/officeDocument/2006/relationships" xmlns:p="http://schemas.openxmlformats.org/presentationml/2006/main">
+  <p:cSld>
+    <p:spTree>
+      <p:nvGrpSpPr>
+        <p:cNvPr id="1" name=""/>
+        <p:cNvGrpSpPr/>
+        <p:nvPr/>
+      </p:nvGrpSpPr>
+      <p:grpSpPr>
+        <a:xfrm>
+          <a:off x="0" y="0"/>
+          <a:ext cx="0" cy="0"/>
+          <a:chOff x="0" y="0"/>
+          <a:chExt cx="0" cy="0"/>
+        </a:xfrm>
+      </p:grpSpPr>
+      <p:sp>
+        <p:nvSpPr>
+          <p:cNvPr id="2" name="Title 1"/>
+          <p:cNvSpPr>
+            <a:spLocks noGrp="1"/>
+          </p:cNvSpPr>
+          <p:nvPr>
+            <p:ph type="title"/>
+          </p:nvPr>
+        </p:nvSpPr>
+        <p:spPr/>
+        <p:txBody>
+          <a:bodyPr/>
+          <a:lstStyle/>
+          <a:p>
+            <a:r>
+              <a:rPr lang="en-US" dirty="0" smtClean="0"/>
+              <a:t>agenda</a:t>
+            </a:r>
+            <a:endParaRPr lang="en-US" dirty="0"/>
+          </a:p>
+        </p:txBody>
+      </p:sp>
+      <p:sp>
+        <p:nvSpPr>
+          <p:cNvPr id="3" name="Content Placeholder 2"/>
+          <p:cNvSpPr>
+            <a:spLocks noGrp="1"/>
+          </p:cNvSpPr>
+          <p:nvPr>
+            <p:ph idx="1"/>
+          </p:nvPr>
+        </p:nvSpPr>
+        <p:spPr/>
+        <p:txBody>
+          <a:bodyPr/>
+          <a:lstStyle/>
+          <a:p>
+            <a:r>
+              <a:rPr lang="en-US" dirty="0" smtClean="0"/>
+              <a:t>Introduction</a:t>
+            </a:r>
+          </a:p>
+          <a:p>
+            <a:r>
+              <a:rPr lang="en-US" dirty="0" smtClean="0"/>
+              <a:t>Objectives</a:t>
+            </a:r>
+          </a:p>
+          <a:p>
+            <a:r>
+              <a:rPr lang="en-US" dirty="0" smtClean="0"/>
+              <a:t>Graphs and Analysis</a:t>
+            </a:r>
+          </a:p>
+          <a:p>
+            <a:r>
+              <a:rPr lang="en-US" dirty="0" smtClean="0"/>
+              <a:t>Questions</a:t>
+            </a:r>
+          </a:p>
+          <a:p>
+            <a:endParaRPr lang="en-US" dirty="0"/>
+          </a:p>
+        </p:txBody>
+      </p:sp>
+    </p:spTree>
+    <p:extLst>
+      <p:ext uri="{BB962C8B-B14F-4D97-AF65-F5344CB8AC3E}">
+        <p14:creationId xmlns:p14="http://schemas.microsoft.com/office/powerpoint/2010/main" val="2132318861"/>
+      </p:ext>
+    </p:extLst>
+  </p:cSld>
+  <p:clrMapOvr>
+    <a:masterClrMapping/>
+  </p:clrMapOvr>
+</p:sld>
+</file>
+
+<file path=ppt/slides/slide3.xml><?xml version="1.0" encoding="utf-8"?>
+<p:sld xmlns:a="http://schemas.openxmlformats.org/drawingml/2006/main" xmlns:r="http://schemas.openxmlformats.org/officeDocument/2006/relationships" xmlns:p="http://schemas.openxmlformats.org/presentationml/2006/main">
+  <p:cSld>
+    <p:spTree>
+      <p:nvGrpSpPr>
+        <p:cNvPr id="1" name=""/>
+        <p:cNvGrpSpPr/>
+        <p:nvPr/>
+      </p:nvGrpSpPr>
+      <p:grpSpPr>
+        <a:xfrm>
+          <a:off x="0" y="0"/>
+          <a:ext cx="0" cy="0"/>
+          <a:chOff x="0" y="0"/>
+          <a:chExt cx="0" cy="0"/>
+        </a:xfrm>
+      </p:grpSpPr>
+      <p:sp>
+        <p:nvSpPr>
+          <p:cNvPr id="2" name="Title 1"/>
+          <p:cNvSpPr>
+            <a:spLocks noGrp="1"/>
+          </p:cNvSpPr>
+          <p:nvPr>
+            <p:ph type="title"/>
+          </p:nvPr>
+        </p:nvSpPr>
+        <p:spPr/>
+        <p:txBody>
+          <a:bodyPr/>
+          <a:lstStyle/>
+          <a:p>
+            <a:r>
+              <a:rPr lang="en-US" dirty="0" smtClean="0"/>
+              <a:t>Objectives</a:t>
+            </a:r>
+            <a:endParaRPr lang="en-US" dirty="0"/>
+          </a:p>
+        </p:txBody>
+      </p:sp>
+      <p:sp>
+        <p:nvSpPr>
+          <p:cNvPr id="3" name="Content Placeholder 2"/>
+          <p:cNvSpPr>
+            <a:spLocks noGrp="1"/>
+          </p:cNvSpPr>
+          <p:nvPr>
+            <p:ph idx="1"/>
+          </p:nvPr>
+        </p:nvSpPr>
+        <p:spPr/>
+        <p:txBody>
+          <a:bodyPr/>
+          <a:lstStyle/>
+          <a:p>
+            <a:r>
+              <a:rPr lang="en-US" dirty="0" smtClean="0"/>
+              <a:t>What seems to be associated with a high rating?</a:t>
+            </a:r>
+          </a:p>
+          <a:p>
+            <a:r>
+              <a:rPr lang="en-US" dirty="0" smtClean="0"/>
+              <a:t>What groups are most likely to provide higher ratings?</a:t>
+            </a:r>
+            <a:endParaRPr lang="en-US" dirty="0"/>
+          </a:p>
+        </p:txBody>
+      </p:sp>
+    </p:spTree>
+    <p:extLst>
+      <p:ext uri="{BB962C8B-B14F-4D97-AF65-F5344CB8AC3E}">
+        <p14:creationId xmlns:p14="http://schemas.microsoft.com/office/powerpoint/2010/main" val="1274337736"/>
+      </p:ext>
+    </p:extLst>
+  </p:cSld>
+  <p:clrMapOvr>
+    <a:masterClrMapping/>
+  </p:clrMapOvr>
+</p:sld>
+</file>
+
+<file path=ppt/slides/slide4.xml><?xml version="1.0" encoding="utf-8"?>
 <p:sld xmlns:a="http://schemas.openxmlformats.org/drawingml/2006/main" xmlns:r="http://schemas.openxmlformats.org/officeDocument/2006/relationships" xmlns:p="http://schemas.openxmlformats.org/presentationml/2006/main">
   <p:cSld>
     <p:spTree>
@@ -3134,7 +4773,7 @@
 </p:sld>
 </file>
 
-<file path=ppt/slides/slide2.xml><?xml version="1.0" encoding="utf-8"?>
+<file path=ppt/slides/slide5.xml><?xml version="1.0" encoding="utf-8"?>
 <p:sld xmlns:a="http://schemas.openxmlformats.org/drawingml/2006/main" xmlns:r="http://schemas.openxmlformats.org/officeDocument/2006/relationships" xmlns:p="http://schemas.openxmlformats.org/presentationml/2006/main">
   <p:cSld>
     <p:spTree>
@@ -3329,7 +4968,7 @@
 </p:sld>
 </file>
 
-<file path=ppt/slides/slide3.xml><?xml version="1.0" encoding="utf-8"?>
+<file path=ppt/slides/slide6.xml><?xml version="1.0" encoding="utf-8"?>
 <p:sld xmlns:a="http://schemas.openxmlformats.org/drawingml/2006/main" xmlns:r="http://schemas.openxmlformats.org/officeDocument/2006/relationships" xmlns:p="http://schemas.openxmlformats.org/presentationml/2006/main">
   <p:cSld>
     <p:spTree>
@@ -3489,10 +5128,82 @@
 </p:sld>
 </file>
 
+<file path=ppt/slides/slide7.xml><?xml version="1.0" encoding="utf-8"?>
+<p:sld xmlns:a="http://schemas.openxmlformats.org/drawingml/2006/main" xmlns:r="http://schemas.openxmlformats.org/officeDocument/2006/relationships" xmlns:p="http://schemas.openxmlformats.org/presentationml/2006/main">
+  <p:cSld>
+    <p:spTree>
+      <p:nvGrpSpPr>
+        <p:cNvPr id="1" name=""/>
+        <p:cNvGrpSpPr/>
+        <p:nvPr/>
+      </p:nvGrpSpPr>
+      <p:grpSpPr>
+        <a:xfrm>
+          <a:off x="0" y="0"/>
+          <a:ext cx="0" cy="0"/>
+          <a:chOff x="0" y="0"/>
+          <a:chExt cx="0" cy="0"/>
+        </a:xfrm>
+      </p:grpSpPr>
+      <p:sp>
+        <p:nvSpPr>
+          <p:cNvPr id="2" name="Title 1"/>
+          <p:cNvSpPr>
+            <a:spLocks noGrp="1"/>
+          </p:cNvSpPr>
+          <p:nvPr>
+            <p:ph type="title"/>
+          </p:nvPr>
+        </p:nvSpPr>
+        <p:spPr/>
+        <p:txBody>
+          <a:bodyPr/>
+          <a:lstStyle/>
+          <a:p>
+            <a:r>
+              <a:rPr lang="en-US" dirty="0" smtClean="0"/>
+              <a:t>Questions?</a:t>
+            </a:r>
+            <a:endParaRPr lang="en-US" dirty="0"/>
+          </a:p>
+        </p:txBody>
+      </p:sp>
+      <p:sp>
+        <p:nvSpPr>
+          <p:cNvPr id="3" name="Content Placeholder 2"/>
+          <p:cNvSpPr>
+            <a:spLocks noGrp="1"/>
+          </p:cNvSpPr>
+          <p:nvPr>
+            <p:ph idx="1"/>
+          </p:nvPr>
+        </p:nvSpPr>
+        <p:spPr/>
+        <p:txBody>
+          <a:bodyPr/>
+          <a:lstStyle/>
+          <a:p>
+            <a:endParaRPr lang="en-US"/>
+          </a:p>
+        </p:txBody>
+      </p:sp>
+    </p:spTree>
+    <p:extLst>
+      <p:ext uri="{BB962C8B-B14F-4D97-AF65-F5344CB8AC3E}">
+        <p14:creationId xmlns:p14="http://schemas.microsoft.com/office/powerpoint/2010/main" val="930696437"/>
+      </p:ext>
+    </p:extLst>
+  </p:cSld>
+  <p:clrMapOvr>
+    <a:masterClrMapping/>
+  </p:clrMapOvr>
+</p:sld>
+</file>
+
 <file path=ppt/theme/theme1.xml><?xml version="1.0" encoding="utf-8"?>
-<a:theme xmlns:a="http://schemas.openxmlformats.org/drawingml/2006/main" name="Office 主题">
+<a:theme xmlns:a="http://schemas.openxmlformats.org/drawingml/2006/main" name="Wood Type">
   <a:themeElements>
-    <a:clrScheme name="办公室">
+    <a:clrScheme name="Wood Type">
       <a:dk1>
         <a:sysClr val="windowText" lastClr="000000"/>
       </a:dk1>
@@ -3500,48 +5211,86 @@
         <a:sysClr val="window" lastClr="FFFFFF"/>
       </a:lt1>
       <a:dk2>
-        <a:srgbClr val="1F497D"/>
+        <a:srgbClr val="696464"/>
       </a:dk2>
       <a:lt2>
-        <a:srgbClr val="EEECE1"/>
+        <a:srgbClr val="E9E5DC"/>
       </a:lt2>
       <a:accent1>
-        <a:srgbClr val="4F81BD"/>
+        <a:srgbClr val="D34817"/>
       </a:accent1>
       <a:accent2>
-        <a:srgbClr val="C0504D"/>
+        <a:srgbClr val="9B2D1F"/>
       </a:accent2>
       <a:accent3>
-        <a:srgbClr val="9BBB59"/>
+        <a:srgbClr val="A28E6A"/>
       </a:accent3>
       <a:accent4>
-        <a:srgbClr val="8064A2"/>
+        <a:srgbClr val="956251"/>
       </a:accent4>
       <a:accent5>
-        <a:srgbClr val="4BACC6"/>
+        <a:srgbClr val="918485"/>
       </a:accent5>
       <a:accent6>
-        <a:srgbClr val="F79646"/>
+        <a:srgbClr val="855D5D"/>
       </a:accent6>
       <a:hlink>
-        <a:srgbClr val="0000FF"/>
+        <a:srgbClr val="CC9900"/>
       </a:hlink>
       <a:folHlink>
-        <a:srgbClr val="800080"/>
+        <a:srgbClr val="96A9A9"/>
       </a:folHlink>
     </a:clrScheme>
-    <a:fontScheme name="办公室">
+    <a:fontScheme name="Wood Type">
       <a:majorFont>
-        <a:latin typeface="Calibri"/>
+        <a:latin typeface="Rockwell Condensed" panose="02060603050405020104"/>
         <a:ea typeface=""/>
         <a:cs typeface=""/>
-        <a:font script="Jpan" typeface="ＭＳ Ｐゴシック"/>
-        <a:font script="Hang" typeface="맑은 고딕"/>
-        <a:font script="Hans" typeface="宋体"/>
-        <a:font script="Hant" typeface="新細明體"/>
+        <a:font script="Grek" typeface="Cambria"/>
+        <a:font script="Cyrl" typeface="Cambria"/>
+        <a:font script="Jpan" typeface="HG明朝B"/>
+        <a:font script="Hang" typeface="바탕"/>
+        <a:font script="Hans" typeface="方正姚体"/>
+        <a:font script="Hant" typeface="微軟正黑體"/>
         <a:font script="Arab" typeface="Times New Roman"/>
-        <a:font script="Hebr" typeface="Times New Roman"/>
-        <a:font script="Thai" typeface="Angsana New"/>
+        <a:font script="Hebr" typeface="David"/>
+        <a:font script="Thai" typeface="JasmineUPC"/>
+        <a:font script="Ethi" typeface="Nyala"/>
+        <a:font script="Beng" typeface="Vrinda"/>
+        <a:font script="Gujr" typeface="Shruti"/>
+        <a:font script="Khmr" typeface="MoolBoran"/>
+        <a:font script="Knda" typeface="Tunga"/>
+        <a:font script="Guru" typeface="Raavi"/>
+        <a:font script="Cans" typeface="Euphemia"/>
+        <a:font script="Cher" typeface="Plantagenet Cherokee"/>
+        <a:font script="Yiii" typeface="Microsoft Yi Baiti"/>
+        <a:font script="Tibt" typeface="Microsoft Himalaya"/>
+        <a:font script="Thaa" typeface="MV Boli"/>
+        <a:font script="Deva" typeface="Mangal"/>
+        <a:font script="Telu" typeface="Gautami"/>
+        <a:font script="Taml" typeface="Latha"/>
+        <a:font script="Syrc" typeface="Estrangelo Edessa"/>
+        <a:font script="Orya" typeface="Kalinga"/>
+        <a:font script="Mlym" typeface="Kartika"/>
+        <a:font script="Laoo" typeface="DokChampa"/>
+        <a:font script="Sinh" typeface="Iskoola Pota"/>
+        <a:font script="Mong" typeface="Mongolian Baiti"/>
+        <a:font script="Viet" typeface="Arial"/>
+        <a:font script="Uigh" typeface="Microsoft Uighur"/>
+      </a:majorFont>
+      <a:minorFont>
+        <a:latin typeface="Rockwell" panose="02060603020205020403"/>
+        <a:ea typeface=""/>
+        <a:cs typeface=""/>
+        <a:font script="Grek" typeface="Cambria"/>
+        <a:font script="Cyrl" typeface="Cambria"/>
+        <a:font script="Jpan" typeface="HG明朝B"/>
+        <a:font script="Hang" typeface="바탕"/>
+        <a:font script="Hans" typeface="方正姚体"/>
+        <a:font script="Hant" typeface="標楷體"/>
+        <a:font script="Arab" typeface="Times New Roman"/>
+        <a:font script="Hebr" typeface="David"/>
+        <a:font script="Thai" typeface="JasmineUPC"/>
         <a:font script="Ethi" typeface="Nyala"/>
         <a:font script="Beng" typeface="Vrinda"/>
         <a:font script="Gujr" typeface="Shruti"/>
@@ -3564,109 +5313,57 @@
         <a:font script="Mong" typeface="Mongolian Baiti"/>
         <a:font script="Viet" typeface="Times New Roman"/>
         <a:font script="Uigh" typeface="Microsoft Uighur"/>
-        <a:font script="Geor" typeface="Sylfaen"/>
-      </a:majorFont>
-      <a:minorFont>
-        <a:latin typeface="Calibri"/>
-        <a:ea typeface=""/>
-        <a:cs typeface=""/>
-        <a:font script="Jpan" typeface="ＭＳ Ｐゴシック"/>
-        <a:font script="Hang" typeface="맑은 고딕"/>
-        <a:font script="Hans" typeface="宋体"/>
-        <a:font script="Hant" typeface="新細明體"/>
-        <a:font script="Arab" typeface="Arial"/>
-        <a:font script="Hebr" typeface="Arial"/>
-        <a:font script="Thai" typeface="Cordia New"/>
-        <a:font script="Ethi" typeface="Nyala"/>
-        <a:font script="Beng" typeface="Vrinda"/>
-        <a:font script="Gujr" typeface="Shruti"/>
-        <a:font script="Khmr" typeface="DaunPenh"/>
-        <a:font script="Knda" typeface="Tunga"/>
-        <a:font script="Guru" typeface="Raavi"/>
-        <a:font script="Cans" typeface="Euphemia"/>
-        <a:font script="Cher" typeface="Plantagenet Cherokee"/>
-        <a:font script="Yiii" typeface="Microsoft Yi Baiti"/>
-        <a:font script="Tibt" typeface="Microsoft Himalaya"/>
-        <a:font script="Thaa" typeface="MV Boli"/>
-        <a:font script="Deva" typeface="Mangal"/>
-        <a:font script="Telu" typeface="Gautami"/>
-        <a:font script="Taml" typeface="Latha"/>
-        <a:font script="Syrc" typeface="Estrangelo Edessa"/>
-        <a:font script="Orya" typeface="Kalinga"/>
-        <a:font script="Mlym" typeface="Kartika"/>
-        <a:font script="Laoo" typeface="DokChampa"/>
-        <a:font script="Sinh" typeface="Iskoola Pota"/>
-        <a:font script="Mong" typeface="Mongolian Baiti"/>
-        <a:font script="Viet" typeface="Arial"/>
-        <a:font script="Uigh" typeface="Microsoft Uighur"/>
-        <a:font script="Geor" typeface="Sylfaen"/>
       </a:minorFont>
     </a:fontScheme>
-    <a:fmtScheme name="办公室">
+    <a:fmtScheme name="Wood Type">
       <a:fillStyleLst>
         <a:solidFill>
           <a:schemeClr val="phClr"/>
         </a:solidFill>
-        <a:gradFill rotWithShape="1">
-          <a:gsLst>
-            <a:gs pos="0">
+        <a:blipFill rotWithShape="1">
+          <a:blip xmlns:r="http://schemas.openxmlformats.org/officeDocument/2006/relationships" r:embed="rId1">
+            <a:duotone>
               <a:schemeClr val="phClr">
-                <a:tint val="50000"/>
-                <a:satMod val="300000"/>
+                <a:tint val="70000"/>
+                <a:shade val="63000"/>
               </a:schemeClr>
-            </a:gs>
-            <a:gs pos="35000">
               <a:schemeClr val="phClr">
-                <a:tint val="37000"/>
-                <a:satMod val="300000"/>
+                <a:tint val="10000"/>
+                <a:satMod val="150000"/>
               </a:schemeClr>
-            </a:gs>
-            <a:gs pos="100000">
+            </a:duotone>
+          </a:blip>
+          <a:tile tx="0" ty="0" sx="60000" sy="59000" flip="none" algn="tl"/>
+        </a:blipFill>
+        <a:blipFill rotWithShape="1">
+          <a:blip xmlns:r="http://schemas.openxmlformats.org/officeDocument/2006/relationships" r:embed="rId1">
+            <a:duotone>
               <a:schemeClr val="phClr">
-                <a:tint val="15000"/>
-                <a:satMod val="350000"/>
+                <a:shade val="36000"/>
+                <a:satMod val="120000"/>
               </a:schemeClr>
-            </a:gs>
-          </a:gsLst>
-          <a:lin ang="16200000" scaled="1"/>
-        </a:gradFill>
-        <a:gradFill rotWithShape="1">
-          <a:gsLst>
-            <a:gs pos="0">
               <a:schemeClr val="phClr">
-                <a:tint val="100000"/>
-                <a:shade val="100000"/>
-                <a:satMod val="130000"/>
+                <a:tint val="40000"/>
               </a:schemeClr>
-            </a:gs>
-            <a:gs pos="100000">
-              <a:schemeClr val="phClr">
-                <a:tint val="50000"/>
-                <a:shade val="100000"/>
-                <a:satMod val="350000"/>
-              </a:schemeClr>
-            </a:gs>
-          </a:gsLst>
-          <a:lin ang="16200000" scaled="0"/>
-        </a:gradFill>
+            </a:duotone>
+          </a:blip>
+          <a:tile tx="0" ty="0" sx="60000" sy="59000" flip="none" algn="tl"/>
+        </a:blipFill>
       </a:fillStyleLst>
       <a:lnStyleLst>
-        <a:ln w="9525" cap="flat" cmpd="sng" algn="ctr">
-          <a:solidFill>
-            <a:schemeClr val="phClr">
-              <a:shade val="95000"/>
-              <a:satMod val="105000"/>
-            </a:schemeClr>
-          </a:solidFill>
-          <a:prstDash val="solid"/>
-        </a:ln>
-        <a:ln w="25400" cap="flat" cmpd="sng" algn="ctr">
+        <a:ln w="6350" cap="flat" cmpd="sng" algn="ctr">
           <a:solidFill>
             <a:schemeClr val="phClr"/>
           </a:solidFill>
           <a:prstDash val="solid"/>
         </a:ln>
-        <a:ln w="38100" cap="flat" cmpd="sng" algn="ctr">
+        <a:ln w="12700" cap="flat" cmpd="sng" algn="ctr">
+          <a:solidFill>
+            <a:schemeClr val="phClr"/>
+          </a:solidFill>
+          <a:prstDash val="solid"/>
+        </a:ln>
+        <a:ln w="19050" cap="flat" cmpd="sng" algn="ctr">
           <a:solidFill>
             <a:schemeClr val="phClr"/>
           </a:solidFill>
@@ -3675,136 +5372,59 @@
       </a:lnStyleLst>
       <a:effectStyleLst>
         <a:effectStyle>
+          <a:effectLst/>
+        </a:effectStyle>
+        <a:effectStyle>
           <a:effectLst>
-            <a:outerShdw blurRad="40000" dist="20000" dir="5400000" rotWithShape="0">
-              <a:srgbClr val="000000">
-                <a:alpha val="38000"/>
-              </a:srgbClr>
-            </a:outerShdw>
+            <a:softEdge rad="12700"/>
           </a:effectLst>
         </a:effectStyle>
         <a:effectStyle>
           <a:effectLst>
-            <a:outerShdw blurRad="40000" dist="23000" dir="5400000" rotWithShape="0">
+            <a:outerShdw blurRad="50800" dist="19050" dir="5400000" algn="tl" rotWithShape="0">
               <a:srgbClr val="000000">
-                <a:alpha val="35000"/>
+                <a:alpha val="60000"/>
               </a:srgbClr>
             </a:outerShdw>
+            <a:softEdge rad="12700"/>
           </a:effectLst>
-        </a:effectStyle>
-        <a:effectStyle>
-          <a:effectLst>
-            <a:outerShdw blurRad="40000" dist="23000" dir="5400000" rotWithShape="0">
-              <a:srgbClr val="000000">
-                <a:alpha val="35000"/>
-              </a:srgbClr>
-            </a:outerShdw>
-          </a:effectLst>
-          <a:scene3d>
-            <a:camera prst="orthographicFront">
-              <a:rot lat="0" lon="0" rev="0"/>
-            </a:camera>
-            <a:lightRig rig="threePt" dir="t">
-              <a:rot lat="0" lon="0" rev="1200000"/>
-            </a:lightRig>
-          </a:scene3d>
-          <a:sp3d>
-            <a:bevelT w="63500" h="25400"/>
-          </a:sp3d>
         </a:effectStyle>
       </a:effectStyleLst>
       <a:bgFillStyleLst>
         <a:solidFill>
           <a:schemeClr val="phClr"/>
         </a:solidFill>
-        <a:gradFill rotWithShape="1">
-          <a:gsLst>
-            <a:gs pos="0">
+        <a:solidFill>
+          <a:schemeClr val="phClr">
+            <a:shade val="97000"/>
+            <a:satMod val="150000"/>
+          </a:schemeClr>
+        </a:solidFill>
+        <a:blipFill rotWithShape="1">
+          <a:blip xmlns:r="http://schemas.openxmlformats.org/officeDocument/2006/relationships" r:embed="rId1">
+            <a:duotone>
               <a:schemeClr val="phClr">
-                <a:tint val="40000"/>
-                <a:satMod val="350000"/>
+                <a:tint val="75000"/>
+                <a:shade val="58000"/>
+                <a:satMod val="120000"/>
               </a:schemeClr>
-            </a:gs>
-            <a:gs pos="40000">
               <a:schemeClr val="phClr">
-                <a:tint val="45000"/>
-                <a:shade val="99000"/>
-                <a:satMod val="350000"/>
+                <a:tint val="50000"/>
+                <a:shade val="96000"/>
               </a:schemeClr>
-            </a:gs>
-            <a:gs pos="100000">
-              <a:schemeClr val="phClr">
-                <a:shade val="20000"/>
-                <a:satMod val="255000"/>
-              </a:schemeClr>
-            </a:gs>
-          </a:gsLst>
-          <a:path path="circle">
-            <a:fillToRect l="50000" t="-80000" r="50000" b="180000"/>
-          </a:path>
-        </a:gradFill>
-        <a:gradFill rotWithShape="1">
-          <a:gsLst>
-            <a:gs pos="0">
-              <a:schemeClr val="phClr">
-                <a:tint val="80000"/>
-                <a:satMod val="300000"/>
-              </a:schemeClr>
-            </a:gs>
-            <a:gs pos="100000">
-              <a:schemeClr val="phClr">
-                <a:shade val="30000"/>
-                <a:satMod val="200000"/>
-              </a:schemeClr>
-            </a:gs>
-          </a:gsLst>
-          <a:path path="circle">
-            <a:fillToRect l="50000" t="50000" r="50000" b="50000"/>
-          </a:path>
-        </a:gradFill>
+            </a:duotone>
+          </a:blip>
+          <a:tile tx="0" ty="0" sx="100000" sy="100000" flip="none" algn="tl"/>
+        </a:blipFill>
       </a:bgFillStyleLst>
     </a:fmtScheme>
   </a:themeElements>
-  <a:objectDefaults>
-    <a:spDef>
-      <a:spPr/>
-      <a:bodyPr/>
-      <a:lstStyle/>
-      <a:style>
-        <a:lnRef idx="1">
-          <a:schemeClr val="accent1"/>
-        </a:lnRef>
-        <a:fillRef idx="3">
-          <a:schemeClr val="accent1"/>
-        </a:fillRef>
-        <a:effectRef idx="2">
-          <a:schemeClr val="accent1"/>
-        </a:effectRef>
-        <a:fontRef idx="minor">
-          <a:schemeClr val="lt1"/>
-        </a:fontRef>
-      </a:style>
-    </a:spDef>
-    <a:lnDef>
-      <a:spPr/>
-      <a:bodyPr/>
-      <a:lstStyle/>
-      <a:style>
-        <a:lnRef idx="2">
-          <a:schemeClr val="accent1"/>
-        </a:lnRef>
-        <a:fillRef idx="0">
-          <a:schemeClr val="accent1"/>
-        </a:fillRef>
-        <a:effectRef idx="1">
-          <a:schemeClr val="accent1"/>
-        </a:effectRef>
-        <a:fontRef idx="minor">
-          <a:schemeClr val="tx1"/>
-        </a:fontRef>
-      </a:style>
-    </a:lnDef>
-  </a:objectDefaults>
+  <a:objectDefaults/>
   <a:extraClrSchemeLst/>
+  <a:extLst>
+    <a:ext uri="{05A4C25C-085E-4340-85A3-A5531E510DB2}">
+      <thm15:themeFamily xmlns:thm15="http://schemas.microsoft.com/office/thememl/2012/main" name="Wood Type" id="{7ACABC62-BF99-48CF-A9DC-4DB89C7B13DC}" vid="{142A1326-48AB-42A9-8428-CB14AA30176D}"/>
+    </a:ext>
+  </a:extLst>
 </a:theme>
 </file>
--- a/Final Project.pptx
+++ b/Final Project.pptx
@@ -9,9 +9,10 @@
     <p:sldId id="260" r:id="rId3"/>
     <p:sldId id="261" r:id="rId4"/>
     <p:sldId id="258" r:id="rId5"/>
-    <p:sldId id="256" r:id="rId6"/>
-    <p:sldId id="257" r:id="rId7"/>
-    <p:sldId id="262" r:id="rId8"/>
+    <p:sldId id="264" r:id="rId6"/>
+    <p:sldId id="256" r:id="rId7"/>
+    <p:sldId id="257" r:id="rId8"/>
+    <p:sldId id="262" r:id="rId9"/>
   </p:sldIdLst>
   <p:sldSz cx="9144000" cy="6858000" type="screen4x3"/>
   <p:notesSz cx="6858000" cy="9144000"/>
@@ -112,7 +113,7 @@
   </p:defaultTextStyle>
   <p:extLst>
     <p:ext uri="{EFAFB233-063F-42B5-8137-9DF3F51BA10A}">
-      <p15:sldGuideLst xmlns:p15="http://schemas.microsoft.com/office/powerpoint/2012/main">
+      <p15:sldGuideLst xmlns:p15="http://schemas.microsoft.com/office/powerpoint/2012/main" xmlns="">
         <p15:guide id="1" orient="horz" pos="2160">
           <p15:clr>
             <a:srgbClr val="A4A3A4"/>
@@ -632,7 +633,7 @@
           <a:p>
             <a:fld id="{3670AE7C-1FC6-6B47-AD13-08C1FC766250}" type="datetimeFigureOut">
               <a:rPr kumimoji="1" lang="zh-CN" altLang="en-US" smtClean="0"/>
-              <a:t>2017/8/1</a:t>
+              <a:t>8/1/17</a:t>
             </a:fld>
             <a:endParaRPr kumimoji="1" lang="zh-CN" altLang="en-US"/>
           </a:p>
@@ -812,7 +813,7 @@
           <a:p>
             <a:fld id="{3670AE7C-1FC6-6B47-AD13-08C1FC766250}" type="datetimeFigureOut">
               <a:rPr kumimoji="1" lang="zh-CN" altLang="en-US" smtClean="0"/>
-              <a:t>2017/8/1</a:t>
+              <a:t>8/1/17</a:t>
             </a:fld>
             <a:endParaRPr kumimoji="1" lang="zh-CN" altLang="en-US"/>
           </a:p>
@@ -992,7 +993,7 @@
           <a:p>
             <a:fld id="{3670AE7C-1FC6-6B47-AD13-08C1FC766250}" type="datetimeFigureOut">
               <a:rPr kumimoji="1" lang="zh-CN" altLang="en-US" smtClean="0"/>
-              <a:t>2017/8/1</a:t>
+              <a:t>8/1/17</a:t>
             </a:fld>
             <a:endParaRPr kumimoji="1" lang="zh-CN" altLang="en-US"/>
           </a:p>
@@ -1158,7 +1159,7 @@
           <a:p>
             <a:fld id="{3670AE7C-1FC6-6B47-AD13-08C1FC766250}" type="datetimeFigureOut">
               <a:rPr kumimoji="1" lang="zh-CN" altLang="en-US" smtClean="0"/>
-              <a:t>2017/8/1</a:t>
+              <a:t>8/1/17</a:t>
             </a:fld>
             <a:endParaRPr kumimoji="1" lang="zh-CN" altLang="en-US"/>
           </a:p>
@@ -1487,7 +1488,7 @@
           <a:p>
             <a:fld id="{3670AE7C-1FC6-6B47-AD13-08C1FC766250}" type="datetimeFigureOut">
               <a:rPr kumimoji="1" lang="zh-CN" altLang="en-US" smtClean="0"/>
-              <a:t>2017/8/1</a:t>
+              <a:t>8/1/17</a:t>
             </a:fld>
             <a:endParaRPr kumimoji="1" lang="zh-CN" altLang="en-US"/>
           </a:p>
@@ -1955,7 +1956,7 @@
           <a:p>
             <a:fld id="{3670AE7C-1FC6-6B47-AD13-08C1FC766250}" type="datetimeFigureOut">
               <a:rPr kumimoji="1" lang="zh-CN" altLang="en-US" smtClean="0"/>
-              <a:t>2017/8/1</a:t>
+              <a:t>8/1/17</a:t>
             </a:fld>
             <a:endParaRPr kumimoji="1" lang="zh-CN" altLang="en-US"/>
           </a:p>
@@ -2362,7 +2363,7 @@
           <a:p>
             <a:fld id="{3670AE7C-1FC6-6B47-AD13-08C1FC766250}" type="datetimeFigureOut">
               <a:rPr kumimoji="1" lang="zh-CN" altLang="en-US" smtClean="0"/>
-              <a:t>2017/8/1</a:t>
+              <a:t>8/1/17</a:t>
             </a:fld>
             <a:endParaRPr kumimoji="1" lang="zh-CN" altLang="en-US"/>
           </a:p>
@@ -2486,7 +2487,7 @@
           <a:p>
             <a:fld id="{3670AE7C-1FC6-6B47-AD13-08C1FC766250}" type="datetimeFigureOut">
               <a:rPr kumimoji="1" lang="zh-CN" altLang="en-US" smtClean="0"/>
-              <a:t>2017/8/1</a:t>
+              <a:t>8/1/17</a:t>
             </a:fld>
             <a:endParaRPr kumimoji="1" lang="zh-CN" altLang="en-US"/>
           </a:p>
@@ -2610,7 +2611,7 @@
           <a:p>
             <a:fld id="{3670AE7C-1FC6-6B47-AD13-08C1FC766250}" type="datetimeFigureOut">
               <a:rPr kumimoji="1" lang="zh-CN" altLang="en-US" smtClean="0"/>
-              <a:t>2017/8/1</a:t>
+              <a:t>8/1/17</a:t>
             </a:fld>
             <a:endParaRPr kumimoji="1" lang="zh-CN" altLang="en-US"/>
           </a:p>
@@ -3129,7 +3130,7 @@
           <a:p>
             <a:fld id="{3670AE7C-1FC6-6B47-AD13-08C1FC766250}" type="datetimeFigureOut">
               <a:rPr kumimoji="1" lang="zh-CN" altLang="en-US" smtClean="0"/>
-              <a:t>2017/8/1</a:t>
+              <a:t>8/1/17</a:t>
             </a:fld>
             <a:endParaRPr kumimoji="1" lang="zh-CN" altLang="en-US"/>
           </a:p>
@@ -3634,7 +3635,7 @@
           <a:p>
             <a:fld id="{3670AE7C-1FC6-6B47-AD13-08C1FC766250}" type="datetimeFigureOut">
               <a:rPr kumimoji="1" lang="zh-CN" altLang="en-US" smtClean="0"/>
-              <a:t>2017/8/1</a:t>
+              <a:t>8/1/17</a:t>
             </a:fld>
             <a:endParaRPr kumimoji="1" lang="zh-CN" altLang="en-US"/>
           </a:p>
@@ -3989,7 +3990,7 @@
           <a:p>
             <a:fld id="{3670AE7C-1FC6-6B47-AD13-08C1FC766250}" type="datetimeFigureOut">
               <a:rPr kumimoji="1" lang="zh-CN" altLang="en-US" smtClean="0"/>
-              <a:t>2017/8/1</a:t>
+              <a:t>8/1/17</a:t>
             </a:fld>
             <a:endParaRPr kumimoji="1" lang="zh-CN" altLang="en-US"/>
           </a:p>
@@ -4538,6 +4539,13 @@
   <p:clrMapOvr>
     <a:masterClrMapping/>
   </p:clrMapOvr>
+  <p:timing>
+    <p:tnLst>
+      <p:par>
+        <p:cTn xmlns:p14="http://schemas.microsoft.com/office/powerpoint/2010/main" id="1" dur="indefinite" restart="never" nodeType="tmRoot"/>
+      </p:par>
+    </p:tnLst>
+  </p:timing>
 </p:sld>
 </file>
 
@@ -4634,6 +4642,13 @@
   <p:clrMapOvr>
     <a:masterClrMapping/>
   </p:clrMapOvr>
+  <p:timing>
+    <p:tnLst>
+      <p:par>
+        <p:cTn xmlns:p14="http://schemas.microsoft.com/office/powerpoint/2010/main" id="1" dur="indefinite" restart="never" nodeType="tmRoot"/>
+      </p:par>
+    </p:tnLst>
+  </p:timing>
 </p:sld>
 </file>
 
@@ -4716,6 +4731,13 @@
   <p:clrMapOvr>
     <a:masterClrMapping/>
   </p:clrMapOvr>
+  <p:timing>
+    <p:tnLst>
+      <p:par>
+        <p:cTn xmlns:p14="http://schemas.microsoft.com/office/powerpoint/2010/main" id="1" dur="indefinite" restart="never" nodeType="tmRoot"/>
+      </p:par>
+    </p:tnLst>
+  </p:timing>
 </p:sld>
 </file>
 
@@ -4770,10 +4792,78 @@
   <p:clrMapOvr>
     <a:masterClrMapping/>
   </p:clrMapOvr>
+  <p:timing>
+    <p:tnLst>
+      <p:par>
+        <p:cTn xmlns:p14="http://schemas.microsoft.com/office/powerpoint/2010/main" id="1" dur="indefinite" restart="never" nodeType="tmRoot"/>
+      </p:par>
+    </p:tnLst>
+  </p:timing>
 </p:sld>
 </file>
 
 <file path=ppt/slides/slide5.xml><?xml version="1.0" encoding="utf-8"?>
+<p:sld xmlns:a="http://schemas.openxmlformats.org/drawingml/2006/main" xmlns:r="http://schemas.openxmlformats.org/officeDocument/2006/relationships" xmlns:p="http://schemas.openxmlformats.org/presentationml/2006/main">
+  <p:cSld>
+    <p:spTree>
+      <p:nvGrpSpPr>
+        <p:cNvPr id="1" name=""/>
+        <p:cNvGrpSpPr/>
+        <p:nvPr/>
+      </p:nvGrpSpPr>
+      <p:grpSpPr>
+        <a:xfrm>
+          <a:off x="0" y="0"/>
+          <a:ext cx="0" cy="0"/>
+          <a:chOff x="0" y="0"/>
+          <a:chExt cx="0" cy="0"/>
+        </a:xfrm>
+      </p:grpSpPr>
+      <p:pic>
+        <p:nvPicPr>
+          <p:cNvPr id="5" name="图片 4"/>
+          <p:cNvPicPr>
+            <a:picLocks noChangeAspect="1"/>
+          </p:cNvPicPr>
+          <p:nvPr/>
+        </p:nvPicPr>
+        <p:blipFill>
+          <a:blip r:embed="rId2"/>
+          <a:stretch>
+            <a:fillRect/>
+          </a:stretch>
+        </p:blipFill>
+        <p:spPr>
+          <a:xfrm>
+            <a:off x="0" y="1079500"/>
+            <a:ext cx="9144000" cy="4695382"/>
+          </a:xfrm>
+          <a:prstGeom prst="rect">
+            <a:avLst/>
+          </a:prstGeom>
+        </p:spPr>
+      </p:pic>
+    </p:spTree>
+    <p:extLst>
+      <p:ext uri="{BB962C8B-B14F-4D97-AF65-F5344CB8AC3E}">
+        <p14:creationId xmlns:p14="http://schemas.microsoft.com/office/powerpoint/2010/main" val="2091361183"/>
+      </p:ext>
+    </p:extLst>
+  </p:cSld>
+  <p:clrMapOvr>
+    <a:masterClrMapping/>
+  </p:clrMapOvr>
+  <p:timing>
+    <p:tnLst>
+      <p:par>
+        <p:cTn xmlns:p14="http://schemas.microsoft.com/office/powerpoint/2010/main" id="1" dur="indefinite" restart="never" nodeType="tmRoot"/>
+      </p:par>
+    </p:tnLst>
+  </p:timing>
+</p:sld>
+</file>
+
+<file path=ppt/slides/slide6.xml><?xml version="1.0" encoding="utf-8"?>
 <p:sld xmlns:a="http://schemas.openxmlformats.org/drawingml/2006/main" xmlns:r="http://schemas.openxmlformats.org/officeDocument/2006/relationships" xmlns:p="http://schemas.openxmlformats.org/presentationml/2006/main">
   <p:cSld>
     <p:spTree>
@@ -4828,7 +4918,7 @@
         </p:nvSpPr>
         <p:spPr>
           <a:xfrm>
-            <a:off x="878633" y="6020018"/>
+            <a:off x="396890" y="6020018"/>
             <a:ext cx="8023582" cy="369332"/>
           </a:xfrm>
           <a:prstGeom prst="rect">
@@ -4858,7 +4948,7 @@
         </p:nvCxnSpPr>
         <p:spPr>
           <a:xfrm flipV="1">
-            <a:off x="2773672" y="6233876"/>
+            <a:off x="2561996" y="6233876"/>
             <a:ext cx="452547" cy="1"/>
           </a:xfrm>
           <a:prstGeom prst="line">
@@ -4892,9 +4982,9 @@
           <p:nvPr/>
         </p:nvCxnSpPr>
         <p:spPr>
-          <a:xfrm flipV="1">
-            <a:off x="5116697" y="6233874"/>
-            <a:ext cx="452547" cy="1"/>
+          <a:xfrm>
+            <a:off x="5116696" y="6233865"/>
+            <a:ext cx="452547" cy="12"/>
           </a:xfrm>
           <a:prstGeom prst="line">
             <a:avLst/>
@@ -4928,7 +5018,7 @@
         </p:nvCxnSpPr>
         <p:spPr>
           <a:xfrm flipV="1">
-            <a:off x="7883072" y="6233881"/>
+            <a:off x="8062812" y="6233869"/>
             <a:ext cx="452547" cy="3"/>
           </a:xfrm>
           <a:prstGeom prst="line">
@@ -4965,10 +5055,17 @@
   <p:clrMapOvr>
     <a:masterClrMapping/>
   </p:clrMapOvr>
+  <p:timing>
+    <p:tnLst>
+      <p:par>
+        <p:cTn xmlns:p14="http://schemas.microsoft.com/office/powerpoint/2010/main" id="1" dur="indefinite" restart="never" nodeType="tmRoot"/>
+      </p:par>
+    </p:tnLst>
+  </p:timing>
 </p:sld>
 </file>
 
-<file path=ppt/slides/slide6.xml><?xml version="1.0" encoding="utf-8"?>
+<file path=ppt/slides/slide7.xml><?xml version="1.0" encoding="utf-8"?>
 <p:sld xmlns:a="http://schemas.openxmlformats.org/drawingml/2006/main" xmlns:r="http://schemas.openxmlformats.org/officeDocument/2006/relationships" xmlns:p="http://schemas.openxmlformats.org/presentationml/2006/main">
   <p:cSld>
     <p:spTree>
@@ -5125,10 +5222,17 @@
   <p:clrMapOvr>
     <a:masterClrMapping/>
   </p:clrMapOvr>
+  <p:timing>
+    <p:tnLst>
+      <p:par>
+        <p:cTn xmlns:p14="http://schemas.microsoft.com/office/powerpoint/2010/main" id="1" dur="indefinite" restart="never" nodeType="tmRoot"/>
+      </p:par>
+    </p:tnLst>
+  </p:timing>
 </p:sld>
 </file>
 
-<file path=ppt/slides/slide7.xml><?xml version="1.0" encoding="utf-8"?>
+<file path=ppt/slides/slide8.xml><?xml version="1.0" encoding="utf-8"?>
 <p:sld xmlns:a="http://schemas.openxmlformats.org/drawingml/2006/main" xmlns:r="http://schemas.openxmlformats.org/officeDocument/2006/relationships" xmlns:p="http://schemas.openxmlformats.org/presentationml/2006/main">
   <p:cSld>
     <p:spTree>
@@ -5197,6 +5301,13 @@
   <p:clrMapOvr>
     <a:masterClrMapping/>
   </p:clrMapOvr>
+  <p:timing>
+    <p:tnLst>
+      <p:par>
+        <p:cTn xmlns:p14="http://schemas.microsoft.com/office/powerpoint/2010/main" id="1" dur="indefinite" restart="never" nodeType="tmRoot"/>
+      </p:par>
+    </p:tnLst>
+  </p:timing>
 </p:sld>
 </file>
 
@@ -5243,7 +5354,7 @@
     </a:clrScheme>
     <a:fontScheme name="Wood Type">
       <a:majorFont>
-        <a:latin typeface="Rockwell Condensed" panose="02060603050405020104"/>
+        <a:latin typeface="Rockwell Condensed"/>
         <a:ea typeface=""/>
         <a:cs typeface=""/>
         <a:font script="Grek" typeface="Cambria"/>
@@ -5279,7 +5390,7 @@
         <a:font script="Uigh" typeface="Microsoft Uighur"/>
       </a:majorFont>
       <a:minorFont>
-        <a:latin typeface="Rockwell" panose="02060603020205020403"/>
+        <a:latin typeface="Rockwell"/>
         <a:ea typeface=""/>
         <a:cs typeface=""/>
         <a:font script="Grek" typeface="Cambria"/>
@@ -5423,7 +5534,7 @@
   <a:extraClrSchemeLst/>
   <a:extLst>
     <a:ext uri="{05A4C25C-085E-4340-85A3-A5531E510DB2}">
-      <thm15:themeFamily xmlns:thm15="http://schemas.microsoft.com/office/thememl/2012/main" name="Wood Type" id="{7ACABC62-BF99-48CF-A9DC-4DB89C7B13DC}" vid="{142A1326-48AB-42A9-8428-CB14AA30176D}"/>
+      <thm15:themeFamily xmlns:thm15="http://schemas.microsoft.com/office/thememl/2012/main" xmlns="" name="Wood Type" id="{7ACABC62-BF99-48CF-A9DC-4DB89C7B13DC}" vid="{142A1326-48AB-42A9-8428-CB14AA30176D}"/>
     </a:ext>
   </a:extLst>
 </a:theme>
